--- a/1_results_C_powerpoint_figures/fig11_mark_regions.pptx
+++ b/1_results_C_powerpoint_figures/fig11_mark_regions.pptx
@@ -3,9 +3,14 @@
 <p:presentation xmlns:a="http://schemas.openxmlformats.org/drawingml/2006/main" xmlns:r="http://schemas.openxmlformats.org/officeDocument/2006/relationships" xmlns:p="http://schemas.openxmlformats.org/presentationml/2006/main" saveSubsetFonts="1" autoCompressPictures="0">
   <p:sldMasterIdLst>
     <p:sldMasterId id="2147483648" r:id="rId1"/>
+    <p:sldMasterId id="2147483660" r:id="rId2"/>
   </p:sldMasterIdLst>
+  <p:notesMasterIdLst>
+    <p:notesMasterId r:id="rId5"/>
+  </p:notesMasterIdLst>
   <p:sldIdLst>
-    <p:sldId id="256" r:id="rId2"/>
+    <p:sldId id="256" r:id="rId3"/>
+    <p:sldId id="626" r:id="rId4"/>
   </p:sldIdLst>
   <p:sldSz cx="12192000" cy="6858000"/>
   <p:notesSz cx="6858000" cy="9144000"/>
@@ -123,6 +128,440 @@
 </p:presentation>
 </file>
 
+<file path=ppt/notesMasters/notesMaster1.xml><?xml version="1.0" encoding="utf-8"?>
+<p:notesMaster xmlns:a="http://schemas.openxmlformats.org/drawingml/2006/main" xmlns:r="http://schemas.openxmlformats.org/officeDocument/2006/relationships" xmlns:p="http://schemas.openxmlformats.org/presentationml/2006/main">
+  <p:cSld>
+    <p:bg>
+      <p:bgRef idx="1001">
+        <a:schemeClr val="bg1"/>
+      </p:bgRef>
+    </p:bg>
+    <p:spTree>
+      <p:nvGrpSpPr>
+        <p:cNvPr id="1" name=""/>
+        <p:cNvGrpSpPr/>
+        <p:nvPr/>
+      </p:nvGrpSpPr>
+      <p:grpSpPr>
+        <a:xfrm>
+          <a:off x="0" y="0"/>
+          <a:ext cx="0" cy="0"/>
+          <a:chOff x="0" y="0"/>
+          <a:chExt cx="0" cy="0"/>
+        </a:xfrm>
+      </p:grpSpPr>
+      <p:sp>
+        <p:nvSpPr>
+          <p:cNvPr id="2" name="Header Placeholder 1"/>
+          <p:cNvSpPr>
+            <a:spLocks noGrp="1"/>
+          </p:cNvSpPr>
+          <p:nvPr>
+            <p:ph type="hdr" sz="quarter"/>
+          </p:nvPr>
+        </p:nvSpPr>
+        <p:spPr>
+          <a:xfrm>
+            <a:off x="0" y="0"/>
+            <a:ext cx="2971800" cy="458788"/>
+          </a:xfrm>
+          <a:prstGeom prst="rect">
+            <a:avLst/>
+          </a:prstGeom>
+        </p:spPr>
+        <p:txBody>
+          <a:bodyPr vert="horz" lIns="91440" tIns="45720" rIns="91440" bIns="45720" rtlCol="0"/>
+          <a:lstStyle>
+            <a:lvl1pPr algn="l">
+              <a:defRPr sz="1200"/>
+            </a:lvl1pPr>
+          </a:lstStyle>
+          <a:p>
+            <a:endParaRPr lang="en-CH"/>
+          </a:p>
+        </p:txBody>
+      </p:sp>
+      <p:sp>
+        <p:nvSpPr>
+          <p:cNvPr id="3" name="Date Placeholder 2"/>
+          <p:cNvSpPr>
+            <a:spLocks noGrp="1"/>
+          </p:cNvSpPr>
+          <p:nvPr>
+            <p:ph type="dt" idx="1"/>
+          </p:nvPr>
+        </p:nvSpPr>
+        <p:spPr>
+          <a:xfrm>
+            <a:off x="3884613" y="0"/>
+            <a:ext cx="2971800" cy="458788"/>
+          </a:xfrm>
+          <a:prstGeom prst="rect">
+            <a:avLst/>
+          </a:prstGeom>
+        </p:spPr>
+        <p:txBody>
+          <a:bodyPr vert="horz" lIns="91440" tIns="45720" rIns="91440" bIns="45720" rtlCol="0"/>
+          <a:lstStyle>
+            <a:lvl1pPr algn="r">
+              <a:defRPr sz="1200"/>
+            </a:lvl1pPr>
+          </a:lstStyle>
+          <a:p>
+            <a:fld id="{B436558E-5AA4-DE45-8245-6EEBE76517DC}" type="datetimeFigureOut">
+              <a:rPr lang="en-CH" smtClean="0"/>
+              <a:t>27.12.24</a:t>
+            </a:fld>
+            <a:endParaRPr lang="en-CH"/>
+          </a:p>
+        </p:txBody>
+      </p:sp>
+      <p:sp>
+        <p:nvSpPr>
+          <p:cNvPr id="4" name="Slide Image Placeholder 3"/>
+          <p:cNvSpPr>
+            <a:spLocks noGrp="1" noRot="1" noChangeAspect="1"/>
+          </p:cNvSpPr>
+          <p:nvPr>
+            <p:ph type="sldImg" idx="2"/>
+          </p:nvPr>
+        </p:nvSpPr>
+        <p:spPr>
+          <a:xfrm>
+            <a:off x="685800" y="1143000"/>
+            <a:ext cx="5486400" cy="3086100"/>
+          </a:xfrm>
+          <a:prstGeom prst="rect">
+            <a:avLst/>
+          </a:prstGeom>
+          <a:noFill/>
+          <a:ln w="12700">
+            <a:solidFill>
+              <a:prstClr val="black"/>
+            </a:solidFill>
+          </a:ln>
+        </p:spPr>
+        <p:txBody>
+          <a:bodyPr vert="horz" lIns="91440" tIns="45720" rIns="91440" bIns="45720" rtlCol="0" anchor="ctr"/>
+          <a:lstStyle/>
+          <a:p>
+            <a:endParaRPr lang="en-CH"/>
+          </a:p>
+        </p:txBody>
+      </p:sp>
+      <p:sp>
+        <p:nvSpPr>
+          <p:cNvPr id="5" name="Notes Placeholder 4"/>
+          <p:cNvSpPr>
+            <a:spLocks noGrp="1"/>
+          </p:cNvSpPr>
+          <p:nvPr>
+            <p:ph type="body" sz="quarter" idx="3"/>
+          </p:nvPr>
+        </p:nvSpPr>
+        <p:spPr>
+          <a:xfrm>
+            <a:off x="685800" y="4400550"/>
+            <a:ext cx="5486400" cy="3600450"/>
+          </a:xfrm>
+          <a:prstGeom prst="rect">
+            <a:avLst/>
+          </a:prstGeom>
+        </p:spPr>
+        <p:txBody>
+          <a:bodyPr vert="horz" lIns="91440" tIns="45720" rIns="91440" bIns="45720" rtlCol="0"/>
+          <a:lstStyle/>
+          <a:p>
+            <a:pPr lvl="0"/>
+            <a:r>
+              <a:rPr lang="en-GB"/>
+              <a:t>Click to edit Master text styles</a:t>
+            </a:r>
+          </a:p>
+          <a:p>
+            <a:pPr lvl="1"/>
+            <a:r>
+              <a:rPr lang="en-GB"/>
+              <a:t>Second level</a:t>
+            </a:r>
+          </a:p>
+          <a:p>
+            <a:pPr lvl="2"/>
+            <a:r>
+              <a:rPr lang="en-GB"/>
+              <a:t>Third level</a:t>
+            </a:r>
+          </a:p>
+          <a:p>
+            <a:pPr lvl="3"/>
+            <a:r>
+              <a:rPr lang="en-GB"/>
+              <a:t>Fourth level</a:t>
+            </a:r>
+          </a:p>
+          <a:p>
+            <a:pPr lvl="4"/>
+            <a:r>
+              <a:rPr lang="en-GB"/>
+              <a:t>Fifth level</a:t>
+            </a:r>
+            <a:endParaRPr lang="en-CH"/>
+          </a:p>
+        </p:txBody>
+      </p:sp>
+      <p:sp>
+        <p:nvSpPr>
+          <p:cNvPr id="6" name="Footer Placeholder 5"/>
+          <p:cNvSpPr>
+            <a:spLocks noGrp="1"/>
+          </p:cNvSpPr>
+          <p:nvPr>
+            <p:ph type="ftr" sz="quarter" idx="4"/>
+          </p:nvPr>
+        </p:nvSpPr>
+        <p:spPr>
+          <a:xfrm>
+            <a:off x="0" y="8685213"/>
+            <a:ext cx="2971800" cy="458787"/>
+          </a:xfrm>
+          <a:prstGeom prst="rect">
+            <a:avLst/>
+          </a:prstGeom>
+        </p:spPr>
+        <p:txBody>
+          <a:bodyPr vert="horz" lIns="91440" tIns="45720" rIns="91440" bIns="45720" rtlCol="0" anchor="b"/>
+          <a:lstStyle>
+            <a:lvl1pPr algn="l">
+              <a:defRPr sz="1200"/>
+            </a:lvl1pPr>
+          </a:lstStyle>
+          <a:p>
+            <a:endParaRPr lang="en-CH"/>
+          </a:p>
+        </p:txBody>
+      </p:sp>
+      <p:sp>
+        <p:nvSpPr>
+          <p:cNvPr id="7" name="Slide Number Placeholder 6"/>
+          <p:cNvSpPr>
+            <a:spLocks noGrp="1"/>
+          </p:cNvSpPr>
+          <p:nvPr>
+            <p:ph type="sldNum" sz="quarter" idx="5"/>
+          </p:nvPr>
+        </p:nvSpPr>
+        <p:spPr>
+          <a:xfrm>
+            <a:off x="3884613" y="8685213"/>
+            <a:ext cx="2971800" cy="458787"/>
+          </a:xfrm>
+          <a:prstGeom prst="rect">
+            <a:avLst/>
+          </a:prstGeom>
+        </p:spPr>
+        <p:txBody>
+          <a:bodyPr vert="horz" lIns="91440" tIns="45720" rIns="91440" bIns="45720" rtlCol="0" anchor="b"/>
+          <a:lstStyle>
+            <a:lvl1pPr algn="r">
+              <a:defRPr sz="1200"/>
+            </a:lvl1pPr>
+          </a:lstStyle>
+          <a:p>
+            <a:fld id="{918BB43F-5E6B-304E-9BF7-4643592A00A3}" type="slidenum">
+              <a:rPr lang="en-CH" smtClean="0"/>
+              <a:t>‹#›</a:t>
+            </a:fld>
+            <a:endParaRPr lang="en-CH"/>
+          </a:p>
+        </p:txBody>
+      </p:sp>
+    </p:spTree>
+    <p:extLst>
+      <p:ext uri="{BB962C8B-B14F-4D97-AF65-F5344CB8AC3E}">
+        <p14:creationId xmlns:p14="http://schemas.microsoft.com/office/powerpoint/2010/main" val="1259687667"/>
+      </p:ext>
+    </p:extLst>
+  </p:cSld>
+  <p:clrMap bg1="lt1" tx1="dk1" bg2="lt2" tx2="dk2" accent1="accent1" accent2="accent2" accent3="accent3" accent4="accent4" accent5="accent5" accent6="accent6" hlink="hlink" folHlink="folHlink"/>
+  <p:notesStyle>
+    <a:lvl1pPr marL="0" algn="l" defTabSz="914400" rtl="0" eaLnBrk="1" latinLnBrk="0" hangingPunct="1">
+      <a:defRPr sz="1200" kern="1200">
+        <a:solidFill>
+          <a:schemeClr val="tx1"/>
+        </a:solidFill>
+        <a:latin typeface="+mn-lt"/>
+        <a:ea typeface="+mn-ea"/>
+        <a:cs typeface="+mn-cs"/>
+      </a:defRPr>
+    </a:lvl1pPr>
+    <a:lvl2pPr marL="457200" algn="l" defTabSz="914400" rtl="0" eaLnBrk="1" latinLnBrk="0" hangingPunct="1">
+      <a:defRPr sz="1200" kern="1200">
+        <a:solidFill>
+          <a:schemeClr val="tx1"/>
+        </a:solidFill>
+        <a:latin typeface="+mn-lt"/>
+        <a:ea typeface="+mn-ea"/>
+        <a:cs typeface="+mn-cs"/>
+      </a:defRPr>
+    </a:lvl2pPr>
+    <a:lvl3pPr marL="914400" algn="l" defTabSz="914400" rtl="0" eaLnBrk="1" latinLnBrk="0" hangingPunct="1">
+      <a:defRPr sz="1200" kern="1200">
+        <a:solidFill>
+          <a:schemeClr val="tx1"/>
+        </a:solidFill>
+        <a:latin typeface="+mn-lt"/>
+        <a:ea typeface="+mn-ea"/>
+        <a:cs typeface="+mn-cs"/>
+      </a:defRPr>
+    </a:lvl3pPr>
+    <a:lvl4pPr marL="1371600" algn="l" defTabSz="914400" rtl="0" eaLnBrk="1" latinLnBrk="0" hangingPunct="1">
+      <a:defRPr sz="1200" kern="1200">
+        <a:solidFill>
+          <a:schemeClr val="tx1"/>
+        </a:solidFill>
+        <a:latin typeface="+mn-lt"/>
+        <a:ea typeface="+mn-ea"/>
+        <a:cs typeface="+mn-cs"/>
+      </a:defRPr>
+    </a:lvl4pPr>
+    <a:lvl5pPr marL="1828800" algn="l" defTabSz="914400" rtl="0" eaLnBrk="1" latinLnBrk="0" hangingPunct="1">
+      <a:defRPr sz="1200" kern="1200">
+        <a:solidFill>
+          <a:schemeClr val="tx1"/>
+        </a:solidFill>
+        <a:latin typeface="+mn-lt"/>
+        <a:ea typeface="+mn-ea"/>
+        <a:cs typeface="+mn-cs"/>
+      </a:defRPr>
+    </a:lvl5pPr>
+    <a:lvl6pPr marL="2286000" algn="l" defTabSz="914400" rtl="0" eaLnBrk="1" latinLnBrk="0" hangingPunct="1">
+      <a:defRPr sz="1200" kern="1200">
+        <a:solidFill>
+          <a:schemeClr val="tx1"/>
+        </a:solidFill>
+        <a:latin typeface="+mn-lt"/>
+        <a:ea typeface="+mn-ea"/>
+        <a:cs typeface="+mn-cs"/>
+      </a:defRPr>
+    </a:lvl6pPr>
+    <a:lvl7pPr marL="2743200" algn="l" defTabSz="914400" rtl="0" eaLnBrk="1" latinLnBrk="0" hangingPunct="1">
+      <a:defRPr sz="1200" kern="1200">
+        <a:solidFill>
+          <a:schemeClr val="tx1"/>
+        </a:solidFill>
+        <a:latin typeface="+mn-lt"/>
+        <a:ea typeface="+mn-ea"/>
+        <a:cs typeface="+mn-cs"/>
+      </a:defRPr>
+    </a:lvl7pPr>
+    <a:lvl8pPr marL="3200400" algn="l" defTabSz="914400" rtl="0" eaLnBrk="1" latinLnBrk="0" hangingPunct="1">
+      <a:defRPr sz="1200" kern="1200">
+        <a:solidFill>
+          <a:schemeClr val="tx1"/>
+        </a:solidFill>
+        <a:latin typeface="+mn-lt"/>
+        <a:ea typeface="+mn-ea"/>
+        <a:cs typeface="+mn-cs"/>
+      </a:defRPr>
+    </a:lvl8pPr>
+    <a:lvl9pPr marL="3657600" algn="l" defTabSz="914400" rtl="0" eaLnBrk="1" latinLnBrk="0" hangingPunct="1">
+      <a:defRPr sz="1200" kern="1200">
+        <a:solidFill>
+          <a:schemeClr val="tx1"/>
+        </a:solidFill>
+        <a:latin typeface="+mn-lt"/>
+        <a:ea typeface="+mn-ea"/>
+        <a:cs typeface="+mn-cs"/>
+      </a:defRPr>
+    </a:lvl9pPr>
+  </p:notesStyle>
+</p:notesMaster>
+</file>
+
+<file path=ppt/notesSlides/notesSlide1.xml><?xml version="1.0" encoding="utf-8"?>
+<p:notes xmlns:a="http://schemas.openxmlformats.org/drawingml/2006/main" xmlns:r="http://schemas.openxmlformats.org/officeDocument/2006/relationships" xmlns:p="http://schemas.openxmlformats.org/presentationml/2006/main">
+  <p:cSld>
+    <p:spTree>
+      <p:nvGrpSpPr>
+        <p:cNvPr id="1" name=""/>
+        <p:cNvGrpSpPr/>
+        <p:nvPr/>
+      </p:nvGrpSpPr>
+      <p:grpSpPr>
+        <a:xfrm>
+          <a:off x="0" y="0"/>
+          <a:ext cx="0" cy="0"/>
+          <a:chOff x="0" y="0"/>
+          <a:chExt cx="0" cy="0"/>
+        </a:xfrm>
+      </p:grpSpPr>
+      <p:sp>
+        <p:nvSpPr>
+          <p:cNvPr id="2" name="Slide Image Placeholder 1"/>
+          <p:cNvSpPr>
+            <a:spLocks noGrp="1" noRot="1" noChangeAspect="1"/>
+          </p:cNvSpPr>
+          <p:nvPr>
+            <p:ph type="sldImg"/>
+          </p:nvPr>
+        </p:nvSpPr>
+        <p:spPr/>
+      </p:sp>
+      <p:sp>
+        <p:nvSpPr>
+          <p:cNvPr id="3" name="Notes Placeholder 2"/>
+          <p:cNvSpPr>
+            <a:spLocks noGrp="1"/>
+          </p:cNvSpPr>
+          <p:nvPr>
+            <p:ph type="body" idx="1"/>
+          </p:nvPr>
+        </p:nvSpPr>
+        <p:spPr/>
+        <p:txBody>
+          <a:bodyPr/>
+          <a:lstStyle/>
+          <a:p>
+            <a:endParaRPr lang="en-CH" dirty="0"/>
+          </a:p>
+        </p:txBody>
+      </p:sp>
+      <p:sp>
+        <p:nvSpPr>
+          <p:cNvPr id="4" name="Slide Number Placeholder 3"/>
+          <p:cNvSpPr>
+            <a:spLocks noGrp="1"/>
+          </p:cNvSpPr>
+          <p:nvPr>
+            <p:ph type="sldNum" sz="quarter" idx="5"/>
+          </p:nvPr>
+        </p:nvSpPr>
+        <p:spPr/>
+        <p:txBody>
+          <a:bodyPr/>
+          <a:lstStyle/>
+          <a:p>
+            <a:fld id="{918BB43F-5E6B-304E-9BF7-4643592A00A3}" type="slidenum">
+              <a:rPr lang="en-CH" smtClean="0"/>
+              <a:t>1</a:t>
+            </a:fld>
+            <a:endParaRPr lang="en-CH"/>
+          </a:p>
+        </p:txBody>
+      </p:sp>
+    </p:spTree>
+    <p:extLst>
+      <p:ext uri="{BB962C8B-B14F-4D97-AF65-F5344CB8AC3E}">
+        <p14:creationId xmlns:p14="http://schemas.microsoft.com/office/powerpoint/2010/main" val="3147206476"/>
+      </p:ext>
+    </p:extLst>
+  </p:cSld>
+  <p:clrMapOvr>
+    <a:masterClrMapping/>
+  </p:clrMapOvr>
+</p:notes>
+</file>
+
 <file path=ppt/slideLayouts/slideLayout1.xml><?xml version="1.0" encoding="utf-8"?>
 <p:sldLayout xmlns:a="http://schemas.openxmlformats.org/drawingml/2006/main" xmlns:r="http://schemas.openxmlformats.org/officeDocument/2006/relationships" xmlns:p="http://schemas.openxmlformats.org/presentationml/2006/main" type="title" preserve="1">
   <p:cSld name="Title Slide">
@@ -272,7 +711,7 @@
           <a:p>
             <a:fld id="{C09AFAD3-4891-3243-8451-D90C3E87E3DB}" type="datetimeFigureOut">
               <a:rPr lang="en-CH" smtClean="0"/>
-              <a:t>03.09.23</a:t>
+              <a:t>27.12.24</a:t>
             </a:fld>
             <a:endParaRPr lang="en-CH"/>
           </a:p>
@@ -472,7 +911,7 @@
           <a:p>
             <a:fld id="{C09AFAD3-4891-3243-8451-D90C3E87E3DB}" type="datetimeFigureOut">
               <a:rPr lang="en-CH" smtClean="0"/>
-              <a:t>03.09.23</a:t>
+              <a:t>27.12.24</a:t>
             </a:fld>
             <a:endParaRPr lang="en-CH"/>
           </a:p>
@@ -682,7 +1121,7 @@
           <a:p>
             <a:fld id="{C09AFAD3-4891-3243-8451-D90C3E87E3DB}" type="datetimeFigureOut">
               <a:rPr lang="en-CH" smtClean="0"/>
-              <a:t>03.09.23</a:t>
+              <a:t>27.12.24</a:t>
             </a:fld>
             <a:endParaRPr lang="en-CH"/>
           </a:p>
@@ -746,6 +1185,1484 @@
     <p:extLst>
       <p:ext uri="{BB962C8B-B14F-4D97-AF65-F5344CB8AC3E}">
         <p14:creationId xmlns:p14="http://schemas.microsoft.com/office/powerpoint/2010/main" val="3420621727"/>
+      </p:ext>
+    </p:extLst>
+  </p:cSld>
+  <p:clrMapOvr>
+    <a:masterClrMapping/>
+  </p:clrMapOvr>
+</p:sldLayout>
+</file>
+
+<file path=ppt/slideLayouts/slideLayout12.xml><?xml version="1.0" encoding="utf-8"?>
+<p:sldLayout xmlns:a="http://schemas.openxmlformats.org/drawingml/2006/main" xmlns:r="http://schemas.openxmlformats.org/officeDocument/2006/relationships" xmlns:p="http://schemas.openxmlformats.org/presentationml/2006/main" type="title" preserve="1">
+  <p:cSld name="Title Slide">
+    <p:spTree>
+      <p:nvGrpSpPr>
+        <p:cNvPr id="1" name=""/>
+        <p:cNvGrpSpPr/>
+        <p:nvPr/>
+      </p:nvGrpSpPr>
+      <p:grpSpPr>
+        <a:xfrm>
+          <a:off x="0" y="0"/>
+          <a:ext cx="0" cy="0"/>
+          <a:chOff x="0" y="0"/>
+          <a:chExt cx="0" cy="0"/>
+        </a:xfrm>
+      </p:grpSpPr>
+      <p:sp>
+        <p:nvSpPr>
+          <p:cNvPr id="2" name="Title 1">
+            <a:extLst>
+              <a:ext uri="{FF2B5EF4-FFF2-40B4-BE49-F238E27FC236}">
+                <a16:creationId xmlns:a16="http://schemas.microsoft.com/office/drawing/2014/main" id="{AC14517C-C0DD-CE47-8304-4EDE2D3324C1}"/>
+              </a:ext>
+            </a:extLst>
+          </p:cNvPr>
+          <p:cNvSpPr>
+            <a:spLocks noGrp="1"/>
+          </p:cNvSpPr>
+          <p:nvPr>
+            <p:ph type="ctrTitle"/>
+          </p:nvPr>
+        </p:nvSpPr>
+        <p:spPr>
+          <a:xfrm>
+            <a:off x="1524000" y="1122363"/>
+            <a:ext cx="9144000" cy="2387600"/>
+          </a:xfrm>
+          <a:prstGeom prst="rect">
+            <a:avLst/>
+          </a:prstGeom>
+        </p:spPr>
+        <p:txBody>
+          <a:bodyPr anchor="b"/>
+          <a:lstStyle>
+            <a:lvl1pPr algn="ctr">
+              <a:defRPr sz="6000"/>
+            </a:lvl1pPr>
+          </a:lstStyle>
+          <a:p>
+            <a:r>
+              <a:rPr lang="en-GB"/>
+              <a:t>Click to edit Master title style</a:t>
+            </a:r>
+            <a:endParaRPr lang="en-CH"/>
+          </a:p>
+        </p:txBody>
+      </p:sp>
+      <p:sp>
+        <p:nvSpPr>
+          <p:cNvPr id="3" name="Subtitle 2">
+            <a:extLst>
+              <a:ext uri="{FF2B5EF4-FFF2-40B4-BE49-F238E27FC236}">
+                <a16:creationId xmlns:a16="http://schemas.microsoft.com/office/drawing/2014/main" id="{35F5AA07-A1B4-9346-8B51-1C90D10C40CF}"/>
+              </a:ext>
+            </a:extLst>
+          </p:cNvPr>
+          <p:cNvSpPr>
+            <a:spLocks noGrp="1"/>
+          </p:cNvSpPr>
+          <p:nvPr>
+            <p:ph type="subTitle" idx="1"/>
+          </p:nvPr>
+        </p:nvSpPr>
+        <p:spPr>
+          <a:xfrm>
+            <a:off x="1524000" y="3602038"/>
+            <a:ext cx="9144000" cy="1655762"/>
+          </a:xfrm>
+          <a:prstGeom prst="rect">
+            <a:avLst/>
+          </a:prstGeom>
+        </p:spPr>
+        <p:txBody>
+          <a:bodyPr/>
+          <a:lstStyle>
+            <a:lvl1pPr marL="0" indent="0" algn="ctr">
+              <a:buNone/>
+              <a:defRPr sz="2400"/>
+            </a:lvl1pPr>
+            <a:lvl2pPr marL="457200" indent="0" algn="ctr">
+              <a:buNone/>
+              <a:defRPr sz="2000"/>
+            </a:lvl2pPr>
+            <a:lvl3pPr marL="914400" indent="0" algn="ctr">
+              <a:buNone/>
+              <a:defRPr sz="1800"/>
+            </a:lvl3pPr>
+            <a:lvl4pPr marL="1371600" indent="0" algn="ctr">
+              <a:buNone/>
+              <a:defRPr sz="1600"/>
+            </a:lvl4pPr>
+            <a:lvl5pPr marL="1828800" indent="0" algn="ctr">
+              <a:buNone/>
+              <a:defRPr sz="1600"/>
+            </a:lvl5pPr>
+            <a:lvl6pPr marL="2286000" indent="0" algn="ctr">
+              <a:buNone/>
+              <a:defRPr sz="1600"/>
+            </a:lvl6pPr>
+            <a:lvl7pPr marL="2743200" indent="0" algn="ctr">
+              <a:buNone/>
+              <a:defRPr sz="1600"/>
+            </a:lvl7pPr>
+            <a:lvl8pPr marL="3200400" indent="0" algn="ctr">
+              <a:buNone/>
+              <a:defRPr sz="1600"/>
+            </a:lvl8pPr>
+            <a:lvl9pPr marL="3657600" indent="0" algn="ctr">
+              <a:buNone/>
+              <a:defRPr sz="1600"/>
+            </a:lvl9pPr>
+          </a:lstStyle>
+          <a:p>
+            <a:r>
+              <a:rPr lang="en-GB"/>
+              <a:t>Click to edit Master subtitle style</a:t>
+            </a:r>
+            <a:endParaRPr lang="en-CH"/>
+          </a:p>
+        </p:txBody>
+      </p:sp>
+      <p:sp>
+        <p:nvSpPr>
+          <p:cNvPr id="4" name="Slide Number Placeholder 11">
+            <a:extLst>
+              <a:ext uri="{FF2B5EF4-FFF2-40B4-BE49-F238E27FC236}">
+                <a16:creationId xmlns:a16="http://schemas.microsoft.com/office/drawing/2014/main" id="{EBF2AA54-3301-AD41-BF74-3B47BACCF5C8}"/>
+              </a:ext>
+            </a:extLst>
+          </p:cNvPr>
+          <p:cNvSpPr>
+            <a:spLocks noGrp="1"/>
+          </p:cNvSpPr>
+          <p:nvPr>
+            <p:ph type="sldNum" sz="quarter" idx="4"/>
+          </p:nvPr>
+        </p:nvSpPr>
+        <p:spPr>
+          <a:xfrm>
+            <a:off x="11354098" y="6550406"/>
+            <a:ext cx="541764" cy="365001"/>
+          </a:xfrm>
+          <a:prstGeom prst="rect">
+            <a:avLst/>
+          </a:prstGeom>
+        </p:spPr>
+        <p:txBody>
+          <a:bodyPr vert="horz" lIns="91440" tIns="45720" rIns="91440" bIns="45720" rtlCol="0" anchor="ctr"/>
+          <a:lstStyle>
+            <a:lvl1pPr algn="r">
+              <a:defRPr sz="1800" b="1">
+                <a:solidFill>
+                  <a:schemeClr val="tx1"/>
+                </a:solidFill>
+                <a:latin typeface="Calibri" panose="020F0502020204030204" pitchFamily="34" charset="0"/>
+                <a:ea typeface="Helvetica Neue" panose="02000503000000020004" pitchFamily="2" charset="0"/>
+                <a:cs typeface="Calibri" panose="020F0502020204030204" pitchFamily="34" charset="0"/>
+              </a:defRPr>
+            </a:lvl1pPr>
+          </a:lstStyle>
+          <a:p>
+            <a:fld id="{E27620C3-0466-3444-9C0E-A1700790CD0F}" type="slidenum">
+              <a:rPr lang="en-US" smtClean="0"/>
+              <a:pPr/>
+              <a:t>‹#›</a:t>
+            </a:fld>
+            <a:endParaRPr lang="en-US" dirty="0"/>
+          </a:p>
+        </p:txBody>
+      </p:sp>
+    </p:spTree>
+    <p:extLst>
+      <p:ext uri="{BB962C8B-B14F-4D97-AF65-F5344CB8AC3E}">
+        <p14:creationId xmlns:p14="http://schemas.microsoft.com/office/powerpoint/2010/main" val="1964770622"/>
+      </p:ext>
+    </p:extLst>
+  </p:cSld>
+  <p:clrMapOvr>
+    <a:masterClrMapping/>
+  </p:clrMapOvr>
+</p:sldLayout>
+</file>
+
+<file path=ppt/slideLayouts/slideLayout13.xml><?xml version="1.0" encoding="utf-8"?>
+<p:sldLayout xmlns:a="http://schemas.openxmlformats.org/drawingml/2006/main" xmlns:r="http://schemas.openxmlformats.org/officeDocument/2006/relationships" xmlns:p="http://schemas.openxmlformats.org/presentationml/2006/main" type="secHead" preserve="1">
+  <p:cSld name="Section Header">
+    <p:spTree>
+      <p:nvGrpSpPr>
+        <p:cNvPr id="1" name=""/>
+        <p:cNvGrpSpPr/>
+        <p:nvPr/>
+      </p:nvGrpSpPr>
+      <p:grpSpPr>
+        <a:xfrm>
+          <a:off x="0" y="0"/>
+          <a:ext cx="0" cy="0"/>
+          <a:chOff x="0" y="0"/>
+          <a:chExt cx="0" cy="0"/>
+        </a:xfrm>
+      </p:grpSpPr>
+      <p:sp>
+        <p:nvSpPr>
+          <p:cNvPr id="2" name="Title 1">
+            <a:extLst>
+              <a:ext uri="{FF2B5EF4-FFF2-40B4-BE49-F238E27FC236}">
+                <a16:creationId xmlns:a16="http://schemas.microsoft.com/office/drawing/2014/main" id="{7D49AF9F-256E-C14C-B75B-16AA07C44E80}"/>
+              </a:ext>
+            </a:extLst>
+          </p:cNvPr>
+          <p:cNvSpPr>
+            <a:spLocks noGrp="1"/>
+          </p:cNvSpPr>
+          <p:nvPr>
+            <p:ph type="title"/>
+          </p:nvPr>
+        </p:nvSpPr>
+        <p:spPr>
+          <a:xfrm>
+            <a:off x="831850" y="1709738"/>
+            <a:ext cx="10515600" cy="2852737"/>
+          </a:xfrm>
+          <a:prstGeom prst="rect">
+            <a:avLst/>
+          </a:prstGeom>
+        </p:spPr>
+        <p:txBody>
+          <a:bodyPr anchor="b"/>
+          <a:lstStyle>
+            <a:lvl1pPr>
+              <a:defRPr sz="6000"/>
+            </a:lvl1pPr>
+          </a:lstStyle>
+          <a:p>
+            <a:r>
+              <a:rPr lang="en-GB"/>
+              <a:t>Click to edit Master title style</a:t>
+            </a:r>
+            <a:endParaRPr lang="en-CH"/>
+          </a:p>
+        </p:txBody>
+      </p:sp>
+      <p:sp>
+        <p:nvSpPr>
+          <p:cNvPr id="3" name="Text Placeholder 2">
+            <a:extLst>
+              <a:ext uri="{FF2B5EF4-FFF2-40B4-BE49-F238E27FC236}">
+                <a16:creationId xmlns:a16="http://schemas.microsoft.com/office/drawing/2014/main" id="{9C081F8B-291B-4348-A3B8-B9A17E5F5577}"/>
+              </a:ext>
+            </a:extLst>
+          </p:cNvPr>
+          <p:cNvSpPr>
+            <a:spLocks noGrp="1"/>
+          </p:cNvSpPr>
+          <p:nvPr>
+            <p:ph type="body" idx="1"/>
+          </p:nvPr>
+        </p:nvSpPr>
+        <p:spPr>
+          <a:xfrm>
+            <a:off x="831850" y="4589463"/>
+            <a:ext cx="10515600" cy="1500187"/>
+          </a:xfrm>
+          <a:prstGeom prst="rect">
+            <a:avLst/>
+          </a:prstGeom>
+        </p:spPr>
+        <p:txBody>
+          <a:bodyPr/>
+          <a:lstStyle>
+            <a:lvl1pPr marL="0" indent="0">
+              <a:buNone/>
+              <a:defRPr sz="2400">
+                <a:solidFill>
+                  <a:schemeClr val="tx1">
+                    <a:tint val="75000"/>
+                  </a:schemeClr>
+                </a:solidFill>
+              </a:defRPr>
+            </a:lvl1pPr>
+            <a:lvl2pPr marL="457200" indent="0">
+              <a:buNone/>
+              <a:defRPr sz="2000">
+                <a:solidFill>
+                  <a:schemeClr val="tx1">
+                    <a:tint val="75000"/>
+                  </a:schemeClr>
+                </a:solidFill>
+              </a:defRPr>
+            </a:lvl2pPr>
+            <a:lvl3pPr marL="914400" indent="0">
+              <a:buNone/>
+              <a:defRPr sz="1800">
+                <a:solidFill>
+                  <a:schemeClr val="tx1">
+                    <a:tint val="75000"/>
+                  </a:schemeClr>
+                </a:solidFill>
+              </a:defRPr>
+            </a:lvl3pPr>
+            <a:lvl4pPr marL="1371600" indent="0">
+              <a:buNone/>
+              <a:defRPr sz="1600">
+                <a:solidFill>
+                  <a:schemeClr val="tx1">
+                    <a:tint val="75000"/>
+                  </a:schemeClr>
+                </a:solidFill>
+              </a:defRPr>
+            </a:lvl4pPr>
+            <a:lvl5pPr marL="1828800" indent="0">
+              <a:buNone/>
+              <a:defRPr sz="1600">
+                <a:solidFill>
+                  <a:schemeClr val="tx1">
+                    <a:tint val="75000"/>
+                  </a:schemeClr>
+                </a:solidFill>
+              </a:defRPr>
+            </a:lvl5pPr>
+            <a:lvl6pPr marL="2286000" indent="0">
+              <a:buNone/>
+              <a:defRPr sz="1600">
+                <a:solidFill>
+                  <a:schemeClr val="tx1">
+                    <a:tint val="75000"/>
+                  </a:schemeClr>
+                </a:solidFill>
+              </a:defRPr>
+            </a:lvl6pPr>
+            <a:lvl7pPr marL="2743200" indent="0">
+              <a:buNone/>
+              <a:defRPr sz="1600">
+                <a:solidFill>
+                  <a:schemeClr val="tx1">
+                    <a:tint val="75000"/>
+                  </a:schemeClr>
+                </a:solidFill>
+              </a:defRPr>
+            </a:lvl7pPr>
+            <a:lvl8pPr marL="3200400" indent="0">
+              <a:buNone/>
+              <a:defRPr sz="1600">
+                <a:solidFill>
+                  <a:schemeClr val="tx1">
+                    <a:tint val="75000"/>
+                  </a:schemeClr>
+                </a:solidFill>
+              </a:defRPr>
+            </a:lvl8pPr>
+            <a:lvl9pPr marL="3657600" indent="0">
+              <a:buNone/>
+              <a:defRPr sz="1600">
+                <a:solidFill>
+                  <a:schemeClr val="tx1">
+                    <a:tint val="75000"/>
+                  </a:schemeClr>
+                </a:solidFill>
+              </a:defRPr>
+            </a:lvl9pPr>
+          </a:lstStyle>
+          <a:p>
+            <a:pPr lvl="0"/>
+            <a:r>
+              <a:rPr lang="en-GB"/>
+              <a:t>Click to edit Master text styles</a:t>
+            </a:r>
+          </a:p>
+        </p:txBody>
+      </p:sp>
+      <p:sp>
+        <p:nvSpPr>
+          <p:cNvPr id="4" name="Slide Number Placeholder 11">
+            <a:extLst>
+              <a:ext uri="{FF2B5EF4-FFF2-40B4-BE49-F238E27FC236}">
+                <a16:creationId xmlns:a16="http://schemas.microsoft.com/office/drawing/2014/main" id="{FCA8203D-D586-CD48-A5C0-4A0EAFCD4106}"/>
+              </a:ext>
+            </a:extLst>
+          </p:cNvPr>
+          <p:cNvSpPr>
+            <a:spLocks noGrp="1"/>
+          </p:cNvSpPr>
+          <p:nvPr>
+            <p:ph type="sldNum" sz="quarter" idx="4"/>
+          </p:nvPr>
+        </p:nvSpPr>
+        <p:spPr>
+          <a:xfrm>
+            <a:off x="11354098" y="6550406"/>
+            <a:ext cx="541764" cy="365001"/>
+          </a:xfrm>
+          <a:prstGeom prst="rect">
+            <a:avLst/>
+          </a:prstGeom>
+        </p:spPr>
+        <p:txBody>
+          <a:bodyPr vert="horz" lIns="91440" tIns="45720" rIns="91440" bIns="45720" rtlCol="0" anchor="ctr"/>
+          <a:lstStyle>
+            <a:lvl1pPr algn="r">
+              <a:defRPr sz="1800" b="1">
+                <a:solidFill>
+                  <a:schemeClr val="tx1"/>
+                </a:solidFill>
+                <a:latin typeface="Calibri" panose="020F0502020204030204" pitchFamily="34" charset="0"/>
+                <a:ea typeface="Helvetica Neue" panose="02000503000000020004" pitchFamily="2" charset="0"/>
+                <a:cs typeface="Calibri" panose="020F0502020204030204" pitchFamily="34" charset="0"/>
+              </a:defRPr>
+            </a:lvl1pPr>
+          </a:lstStyle>
+          <a:p>
+            <a:fld id="{E27620C3-0466-3444-9C0E-A1700790CD0F}" type="slidenum">
+              <a:rPr lang="en-US" smtClean="0"/>
+              <a:pPr/>
+              <a:t>‹#›</a:t>
+            </a:fld>
+            <a:endParaRPr lang="en-US" dirty="0"/>
+          </a:p>
+        </p:txBody>
+      </p:sp>
+    </p:spTree>
+    <p:extLst>
+      <p:ext uri="{BB962C8B-B14F-4D97-AF65-F5344CB8AC3E}">
+        <p14:creationId xmlns:p14="http://schemas.microsoft.com/office/powerpoint/2010/main" val="4190920646"/>
+      </p:ext>
+    </p:extLst>
+  </p:cSld>
+  <p:clrMapOvr>
+    <a:masterClrMapping/>
+  </p:clrMapOvr>
+</p:sldLayout>
+</file>
+
+<file path=ppt/slideLayouts/slideLayout14.xml><?xml version="1.0" encoding="utf-8"?>
+<p:sldLayout xmlns:a="http://schemas.openxmlformats.org/drawingml/2006/main" xmlns:r="http://schemas.openxmlformats.org/officeDocument/2006/relationships" xmlns:p="http://schemas.openxmlformats.org/presentationml/2006/main" preserve="1" userDrawn="1">
+  <p:cSld name="title and content">
+    <p:spTree>
+      <p:nvGrpSpPr>
+        <p:cNvPr id="1" name=""/>
+        <p:cNvGrpSpPr/>
+        <p:nvPr/>
+      </p:nvGrpSpPr>
+      <p:grpSpPr>
+        <a:xfrm>
+          <a:off x="0" y="0"/>
+          <a:ext cx="0" cy="0"/>
+          <a:chOff x="0" y="0"/>
+          <a:chExt cx="0" cy="0"/>
+        </a:xfrm>
+      </p:grpSpPr>
+      <p:sp>
+        <p:nvSpPr>
+          <p:cNvPr id="2" name="Titel 1"/>
+          <p:cNvSpPr>
+            <a:spLocks noGrp="1"/>
+          </p:cNvSpPr>
+          <p:nvPr>
+            <p:ph type="title"/>
+          </p:nvPr>
+        </p:nvSpPr>
+        <p:spPr/>
+        <p:txBody>
+          <a:bodyPr/>
+          <a:lstStyle/>
+          <a:p>
+            <a:r>
+              <a:rPr lang="en-US"/>
+              <a:t>Click to edit Master title style</a:t>
+            </a:r>
+            <a:endParaRPr lang="de-DE" dirty="0"/>
+          </a:p>
+        </p:txBody>
+      </p:sp>
+      <p:sp>
+        <p:nvSpPr>
+          <p:cNvPr id="3" name="Inhaltsplatzhalter 2"/>
+          <p:cNvSpPr>
+            <a:spLocks noGrp="1"/>
+          </p:cNvSpPr>
+          <p:nvPr>
+            <p:ph idx="1"/>
+          </p:nvPr>
+        </p:nvSpPr>
+        <p:spPr/>
+        <p:txBody>
+          <a:bodyPr/>
+          <a:lstStyle/>
+          <a:p>
+            <a:pPr lvl="0"/>
+            <a:r>
+              <a:rPr lang="en-US"/>
+              <a:t>Click to edit Master text styles</a:t>
+            </a:r>
+          </a:p>
+          <a:p>
+            <a:pPr lvl="1"/>
+            <a:r>
+              <a:rPr lang="en-US"/>
+              <a:t>Second level</a:t>
+            </a:r>
+          </a:p>
+          <a:p>
+            <a:pPr lvl="2"/>
+            <a:r>
+              <a:rPr lang="en-US"/>
+              <a:t>Third level</a:t>
+            </a:r>
+          </a:p>
+          <a:p>
+            <a:pPr lvl="3"/>
+            <a:r>
+              <a:rPr lang="en-US"/>
+              <a:t>Fourth level</a:t>
+            </a:r>
+          </a:p>
+          <a:p>
+            <a:pPr lvl="4"/>
+            <a:r>
+              <a:rPr lang="en-US"/>
+              <a:t>Fifth level</a:t>
+            </a:r>
+            <a:endParaRPr lang="de-DE" dirty="0"/>
+          </a:p>
+        </p:txBody>
+      </p:sp>
+      <p:sp>
+        <p:nvSpPr>
+          <p:cNvPr id="5" name="Text Placeholder 7">
+            <a:extLst>
+              <a:ext uri="{FF2B5EF4-FFF2-40B4-BE49-F238E27FC236}">
+                <a16:creationId xmlns:a16="http://schemas.microsoft.com/office/drawing/2014/main" id="{D160E2F9-0610-AC47-AADE-033F3B024AEB}"/>
+              </a:ext>
+            </a:extLst>
+          </p:cNvPr>
+          <p:cNvSpPr>
+            <a:spLocks noGrp="1"/>
+          </p:cNvSpPr>
+          <p:nvPr>
+            <p:ph type="body" sz="quarter" idx="13" hasCustomPrompt="1"/>
+          </p:nvPr>
+        </p:nvSpPr>
+        <p:spPr>
+          <a:xfrm>
+            <a:off x="8786813" y="6222187"/>
+            <a:ext cx="3109020" cy="338051"/>
+          </a:xfrm>
+        </p:spPr>
+        <p:txBody>
+          <a:bodyPr>
+            <a:noAutofit/>
+          </a:bodyPr>
+          <a:lstStyle>
+            <a:lvl1pPr algn="r">
+              <a:defRPr sz="2000" i="1">
+                <a:latin typeface="Calibri" panose="020F0502020204030204" pitchFamily="34" charset="0"/>
+                <a:cs typeface="Calibri" panose="020F0502020204030204" pitchFamily="34" charset="0"/>
+              </a:defRPr>
+            </a:lvl1pPr>
+          </a:lstStyle>
+          <a:p>
+            <a:pPr lvl="0"/>
+            <a:r>
+              <a:rPr lang="en-US" dirty="0"/>
+              <a:t>Citation</a:t>
+            </a:r>
+          </a:p>
+        </p:txBody>
+      </p:sp>
+      <p:sp>
+        <p:nvSpPr>
+          <p:cNvPr id="6" name="Slide Number Placeholder 11">
+            <a:extLst>
+              <a:ext uri="{FF2B5EF4-FFF2-40B4-BE49-F238E27FC236}">
+                <a16:creationId xmlns:a16="http://schemas.microsoft.com/office/drawing/2014/main" id="{DA8FEB69-6648-DB4E-B0E3-E047D98A062D}"/>
+              </a:ext>
+            </a:extLst>
+          </p:cNvPr>
+          <p:cNvSpPr>
+            <a:spLocks noGrp="1"/>
+          </p:cNvSpPr>
+          <p:nvPr>
+            <p:ph type="sldNum" sz="quarter" idx="4"/>
+          </p:nvPr>
+        </p:nvSpPr>
+        <p:spPr>
+          <a:xfrm>
+            <a:off x="11354098" y="6550406"/>
+            <a:ext cx="541764" cy="365001"/>
+          </a:xfrm>
+          <a:prstGeom prst="rect">
+            <a:avLst/>
+          </a:prstGeom>
+        </p:spPr>
+        <p:txBody>
+          <a:bodyPr vert="horz" lIns="91440" tIns="45720" rIns="91440" bIns="45720" rtlCol="0" anchor="ctr"/>
+          <a:lstStyle>
+            <a:lvl1pPr algn="r">
+              <a:defRPr sz="1800" b="1">
+                <a:solidFill>
+                  <a:schemeClr val="tx1"/>
+                </a:solidFill>
+                <a:latin typeface="Calibri" panose="020F0502020204030204" pitchFamily="34" charset="0"/>
+                <a:ea typeface="Helvetica Neue" panose="02000503000000020004" pitchFamily="2" charset="0"/>
+                <a:cs typeface="Calibri" panose="020F0502020204030204" pitchFamily="34" charset="0"/>
+              </a:defRPr>
+            </a:lvl1pPr>
+          </a:lstStyle>
+          <a:p>
+            <a:fld id="{E27620C3-0466-3444-9C0E-A1700790CD0F}" type="slidenum">
+              <a:rPr lang="en-US" smtClean="0"/>
+              <a:pPr/>
+              <a:t>‹#›</a:t>
+            </a:fld>
+            <a:endParaRPr lang="en-US" dirty="0"/>
+          </a:p>
+        </p:txBody>
+      </p:sp>
+    </p:spTree>
+    <p:extLst>
+      <p:ext uri="{BB962C8B-B14F-4D97-AF65-F5344CB8AC3E}">
+        <p14:creationId xmlns:p14="http://schemas.microsoft.com/office/powerpoint/2010/main" val="101731943"/>
+      </p:ext>
+    </p:extLst>
+  </p:cSld>
+  <p:clrMapOvr>
+    <a:masterClrMapping/>
+  </p:clrMapOvr>
+</p:sldLayout>
+</file>
+
+<file path=ppt/slideLayouts/slideLayout15.xml><?xml version="1.0" encoding="utf-8"?>
+<p:sldLayout xmlns:a="http://schemas.openxmlformats.org/drawingml/2006/main" xmlns:r="http://schemas.openxmlformats.org/officeDocument/2006/relationships" xmlns:p="http://schemas.openxmlformats.org/presentationml/2006/main" preserve="1" userDrawn="1">
+  <p:cSld name="Blank">
+    <p:spTree>
+      <p:nvGrpSpPr>
+        <p:cNvPr id="1" name=""/>
+        <p:cNvGrpSpPr/>
+        <p:nvPr/>
+      </p:nvGrpSpPr>
+      <p:grpSpPr>
+        <a:xfrm>
+          <a:off x="0" y="0"/>
+          <a:ext cx="0" cy="0"/>
+          <a:chOff x="0" y="0"/>
+          <a:chExt cx="0" cy="0"/>
+        </a:xfrm>
+      </p:grpSpPr>
+      <p:sp>
+        <p:nvSpPr>
+          <p:cNvPr id="3" name="Title Placeholder 5">
+            <a:extLst>
+              <a:ext uri="{FF2B5EF4-FFF2-40B4-BE49-F238E27FC236}">
+                <a16:creationId xmlns:a16="http://schemas.microsoft.com/office/drawing/2014/main" id="{F3FCEE4E-1FE9-5F41-B4FF-978E1E61EE62}"/>
+              </a:ext>
+            </a:extLst>
+          </p:cNvPr>
+          <p:cNvSpPr>
+            <a:spLocks noGrp="1"/>
+          </p:cNvSpPr>
+          <p:nvPr>
+            <p:ph type="title"/>
+          </p:nvPr>
+        </p:nvSpPr>
+        <p:spPr>
+          <a:xfrm>
+            <a:off x="864404" y="464550"/>
+            <a:ext cx="10516195" cy="580729"/>
+          </a:xfrm>
+          <a:prstGeom prst="rect">
+            <a:avLst/>
+          </a:prstGeom>
+        </p:spPr>
+        <p:txBody>
+          <a:bodyPr vert="horz" lIns="0" tIns="468000" rIns="0" bIns="0" rtlCol="0" anchor="ctr" anchorCtr="0">
+            <a:normAutofit/>
+          </a:bodyPr>
+          <a:lstStyle/>
+          <a:p>
+            <a:r>
+              <a:rPr lang="en-US" dirty="0"/>
+              <a:t>Click to edit Master title style</a:t>
+            </a:r>
+          </a:p>
+        </p:txBody>
+      </p:sp>
+      <p:sp>
+        <p:nvSpPr>
+          <p:cNvPr id="4" name="Text Placeholder 7">
+            <a:extLst>
+              <a:ext uri="{FF2B5EF4-FFF2-40B4-BE49-F238E27FC236}">
+                <a16:creationId xmlns:a16="http://schemas.microsoft.com/office/drawing/2014/main" id="{3EA98F7E-B8DD-BA4D-8E85-0E9077ADE590}"/>
+              </a:ext>
+            </a:extLst>
+          </p:cNvPr>
+          <p:cNvSpPr>
+            <a:spLocks noGrp="1"/>
+          </p:cNvSpPr>
+          <p:nvPr>
+            <p:ph type="body" sz="quarter" idx="13" hasCustomPrompt="1"/>
+          </p:nvPr>
+        </p:nvSpPr>
+        <p:spPr>
+          <a:xfrm>
+            <a:off x="8786813" y="6212355"/>
+            <a:ext cx="3109020" cy="338051"/>
+          </a:xfrm>
+        </p:spPr>
+        <p:txBody>
+          <a:bodyPr>
+            <a:noAutofit/>
+          </a:bodyPr>
+          <a:lstStyle>
+            <a:lvl1pPr algn="r">
+              <a:defRPr sz="2000" i="1">
+                <a:latin typeface="Calibri" panose="020F0502020204030204" pitchFamily="34" charset="0"/>
+                <a:cs typeface="Calibri" panose="020F0502020204030204" pitchFamily="34" charset="0"/>
+              </a:defRPr>
+            </a:lvl1pPr>
+          </a:lstStyle>
+          <a:p>
+            <a:pPr lvl="0"/>
+            <a:r>
+              <a:rPr lang="en-US" dirty="0"/>
+              <a:t>Citation</a:t>
+            </a:r>
+          </a:p>
+        </p:txBody>
+      </p:sp>
+      <p:sp>
+        <p:nvSpPr>
+          <p:cNvPr id="6" name="Slide Number Placeholder 11">
+            <a:extLst>
+              <a:ext uri="{FF2B5EF4-FFF2-40B4-BE49-F238E27FC236}">
+                <a16:creationId xmlns:a16="http://schemas.microsoft.com/office/drawing/2014/main" id="{D0F99C92-9D68-8F4E-8086-9D84869F298A}"/>
+              </a:ext>
+            </a:extLst>
+          </p:cNvPr>
+          <p:cNvSpPr>
+            <a:spLocks noGrp="1"/>
+          </p:cNvSpPr>
+          <p:nvPr>
+            <p:ph type="sldNum" sz="quarter" idx="4"/>
+          </p:nvPr>
+        </p:nvSpPr>
+        <p:spPr>
+          <a:xfrm>
+            <a:off x="11354098" y="6550406"/>
+            <a:ext cx="541764" cy="365001"/>
+          </a:xfrm>
+          <a:prstGeom prst="rect">
+            <a:avLst/>
+          </a:prstGeom>
+        </p:spPr>
+        <p:txBody>
+          <a:bodyPr vert="horz" lIns="91440" tIns="45720" rIns="91440" bIns="45720" rtlCol="0" anchor="ctr"/>
+          <a:lstStyle>
+            <a:lvl1pPr algn="r">
+              <a:defRPr sz="1800" b="1">
+                <a:solidFill>
+                  <a:schemeClr val="tx1"/>
+                </a:solidFill>
+                <a:latin typeface="Calibri" panose="020F0502020204030204" pitchFamily="34" charset="0"/>
+                <a:ea typeface="Helvetica Neue" panose="02000503000000020004" pitchFamily="2" charset="0"/>
+                <a:cs typeface="Calibri" panose="020F0502020204030204" pitchFamily="34" charset="0"/>
+              </a:defRPr>
+            </a:lvl1pPr>
+          </a:lstStyle>
+          <a:p>
+            <a:fld id="{E27620C3-0466-3444-9C0E-A1700790CD0F}" type="slidenum">
+              <a:rPr lang="en-US" smtClean="0"/>
+              <a:pPr/>
+              <a:t>‹#›</a:t>
+            </a:fld>
+            <a:endParaRPr lang="en-US" dirty="0"/>
+          </a:p>
+        </p:txBody>
+      </p:sp>
+    </p:spTree>
+    <p:extLst>
+      <p:ext uri="{BB962C8B-B14F-4D97-AF65-F5344CB8AC3E}">
+        <p14:creationId xmlns:p14="http://schemas.microsoft.com/office/powerpoint/2010/main" val="2766596452"/>
+      </p:ext>
+    </p:extLst>
+  </p:cSld>
+  <p:clrMapOvr>
+    <a:masterClrMapping/>
+  </p:clrMapOvr>
+</p:sldLayout>
+</file>
+
+<file path=ppt/slideLayouts/slideLayout16.xml><?xml version="1.0" encoding="utf-8"?>
+<p:sldLayout xmlns:a="http://schemas.openxmlformats.org/drawingml/2006/main" xmlns:r="http://schemas.openxmlformats.org/officeDocument/2006/relationships" xmlns:p="http://schemas.openxmlformats.org/presentationml/2006/main" preserve="1" userDrawn="1">
+  <p:cSld name="text only">
+    <p:spTree>
+      <p:nvGrpSpPr>
+        <p:cNvPr id="1" name=""/>
+        <p:cNvGrpSpPr/>
+        <p:nvPr/>
+      </p:nvGrpSpPr>
+      <p:grpSpPr>
+        <a:xfrm>
+          <a:off x="0" y="0"/>
+          <a:ext cx="0" cy="0"/>
+          <a:chOff x="0" y="0"/>
+          <a:chExt cx="0" cy="0"/>
+        </a:xfrm>
+      </p:grpSpPr>
+      <p:sp>
+        <p:nvSpPr>
+          <p:cNvPr id="4" name="Slide Number Placeholder 3">
+            <a:extLst>
+              <a:ext uri="{FF2B5EF4-FFF2-40B4-BE49-F238E27FC236}">
+                <a16:creationId xmlns:a16="http://schemas.microsoft.com/office/drawing/2014/main" id="{9E353A8D-4AA8-DD4A-8C9B-8443BBE66BB7}"/>
+              </a:ext>
+            </a:extLst>
+          </p:cNvPr>
+          <p:cNvSpPr>
+            <a:spLocks noGrp="1"/>
+          </p:cNvSpPr>
+          <p:nvPr>
+            <p:ph type="sldNum" sz="quarter" idx="11"/>
+          </p:nvPr>
+        </p:nvSpPr>
+        <p:spPr/>
+        <p:txBody>
+          <a:bodyPr/>
+          <a:lstStyle/>
+          <a:p>
+            <a:fld id="{E27620C3-0466-3444-9C0E-A1700790CD0F}" type="slidenum">
+              <a:rPr lang="en-US" smtClean="0"/>
+              <a:pPr/>
+              <a:t>‹#›</a:t>
+            </a:fld>
+            <a:endParaRPr lang="en-US" dirty="0"/>
+          </a:p>
+        </p:txBody>
+      </p:sp>
+      <p:sp>
+        <p:nvSpPr>
+          <p:cNvPr id="5" name="Title Placeholder 5">
+            <a:extLst>
+              <a:ext uri="{FF2B5EF4-FFF2-40B4-BE49-F238E27FC236}">
+                <a16:creationId xmlns:a16="http://schemas.microsoft.com/office/drawing/2014/main" id="{F5BB7D2A-48E0-284C-9319-48B3343D8E85}"/>
+              </a:ext>
+            </a:extLst>
+          </p:cNvPr>
+          <p:cNvSpPr>
+            <a:spLocks noGrp="1"/>
+          </p:cNvSpPr>
+          <p:nvPr>
+            <p:ph type="title"/>
+          </p:nvPr>
+        </p:nvSpPr>
+        <p:spPr>
+          <a:xfrm>
+            <a:off x="864404" y="464550"/>
+            <a:ext cx="10516195" cy="580729"/>
+          </a:xfrm>
+          <a:prstGeom prst="rect">
+            <a:avLst/>
+          </a:prstGeom>
+        </p:spPr>
+        <p:txBody>
+          <a:bodyPr vert="horz" lIns="0" tIns="468000" rIns="0" bIns="0" rtlCol="0" anchor="ctr" anchorCtr="0">
+            <a:normAutofit/>
+          </a:bodyPr>
+          <a:lstStyle/>
+          <a:p>
+            <a:r>
+              <a:rPr lang="en-US" dirty="0"/>
+              <a:t>Click to edit Master title style</a:t>
+            </a:r>
+          </a:p>
+        </p:txBody>
+      </p:sp>
+      <p:sp>
+        <p:nvSpPr>
+          <p:cNvPr id="8" name="Text Placeholder 3">
+            <a:extLst>
+              <a:ext uri="{FF2B5EF4-FFF2-40B4-BE49-F238E27FC236}">
+                <a16:creationId xmlns:a16="http://schemas.microsoft.com/office/drawing/2014/main" id="{5243FAF7-705C-3C4C-9860-7D3FEA12B2AA}"/>
+              </a:ext>
+            </a:extLst>
+          </p:cNvPr>
+          <p:cNvSpPr>
+            <a:spLocks noGrp="1"/>
+          </p:cNvSpPr>
+          <p:nvPr>
+            <p:ph idx="1"/>
+          </p:nvPr>
+        </p:nvSpPr>
+        <p:spPr>
+          <a:xfrm>
+            <a:off x="837903" y="1577972"/>
+            <a:ext cx="10516195" cy="4350990"/>
+          </a:xfrm>
+          <a:prstGeom prst="rect">
+            <a:avLst/>
+          </a:prstGeom>
+        </p:spPr>
+        <p:txBody>
+          <a:bodyPr vert="horz" lIns="91440" tIns="45720" rIns="91440" bIns="45720" rtlCol="0">
+            <a:normAutofit/>
+          </a:bodyPr>
+          <a:lstStyle/>
+          <a:p>
+            <a:pPr lvl="0"/>
+            <a:r>
+              <a:rPr lang="en-US" dirty="0"/>
+              <a:t>Edit Master text styles</a:t>
+            </a:r>
+          </a:p>
+          <a:p>
+            <a:pPr lvl="1"/>
+            <a:r>
+              <a:rPr lang="en-US" dirty="0"/>
+              <a:t>Second level</a:t>
+            </a:r>
+          </a:p>
+          <a:p>
+            <a:pPr lvl="2"/>
+            <a:r>
+              <a:rPr lang="en-US" dirty="0"/>
+              <a:t>Third level</a:t>
+            </a:r>
+          </a:p>
+        </p:txBody>
+      </p:sp>
+    </p:spTree>
+    <p:extLst>
+      <p:ext uri="{BB962C8B-B14F-4D97-AF65-F5344CB8AC3E}">
+        <p14:creationId xmlns:p14="http://schemas.microsoft.com/office/powerpoint/2010/main" val="1912326010"/>
+      </p:ext>
+    </p:extLst>
+  </p:cSld>
+  <p:clrMapOvr>
+    <a:masterClrMapping/>
+  </p:clrMapOvr>
+</p:sldLayout>
+</file>
+
+<file path=ppt/slideLayouts/slideLayout17.xml><?xml version="1.0" encoding="utf-8"?>
+<p:sldLayout xmlns:a="http://schemas.openxmlformats.org/drawingml/2006/main" xmlns:r="http://schemas.openxmlformats.org/officeDocument/2006/relationships" xmlns:p="http://schemas.openxmlformats.org/presentationml/2006/main" preserve="1" userDrawn="1">
+  <p:cSld name="text only better">
+    <p:spTree>
+      <p:nvGrpSpPr>
+        <p:cNvPr id="1" name=""/>
+        <p:cNvGrpSpPr/>
+        <p:nvPr/>
+      </p:nvGrpSpPr>
+      <p:grpSpPr>
+        <a:xfrm>
+          <a:off x="0" y="0"/>
+          <a:ext cx="0" cy="0"/>
+          <a:chOff x="0" y="0"/>
+          <a:chExt cx="0" cy="0"/>
+        </a:xfrm>
+      </p:grpSpPr>
+      <p:sp>
+        <p:nvSpPr>
+          <p:cNvPr id="4" name="Slide Number Placeholder 3">
+            <a:extLst>
+              <a:ext uri="{FF2B5EF4-FFF2-40B4-BE49-F238E27FC236}">
+                <a16:creationId xmlns:a16="http://schemas.microsoft.com/office/drawing/2014/main" id="{9E353A8D-4AA8-DD4A-8C9B-8443BBE66BB7}"/>
+              </a:ext>
+            </a:extLst>
+          </p:cNvPr>
+          <p:cNvSpPr>
+            <a:spLocks noGrp="1"/>
+          </p:cNvSpPr>
+          <p:nvPr>
+            <p:ph type="sldNum" sz="quarter" idx="11"/>
+          </p:nvPr>
+        </p:nvSpPr>
+        <p:spPr/>
+        <p:txBody>
+          <a:bodyPr/>
+          <a:lstStyle/>
+          <a:p>
+            <a:fld id="{E27620C3-0466-3444-9C0E-A1700790CD0F}" type="slidenum">
+              <a:rPr lang="en-US" smtClean="0"/>
+              <a:pPr/>
+              <a:t>‹#›</a:t>
+            </a:fld>
+            <a:endParaRPr lang="en-US" dirty="0"/>
+          </a:p>
+        </p:txBody>
+      </p:sp>
+      <p:sp>
+        <p:nvSpPr>
+          <p:cNvPr id="5" name="Title Placeholder 5">
+            <a:extLst>
+              <a:ext uri="{FF2B5EF4-FFF2-40B4-BE49-F238E27FC236}">
+                <a16:creationId xmlns:a16="http://schemas.microsoft.com/office/drawing/2014/main" id="{F5BB7D2A-48E0-284C-9319-48B3343D8E85}"/>
+              </a:ext>
+            </a:extLst>
+          </p:cNvPr>
+          <p:cNvSpPr>
+            <a:spLocks noGrp="1"/>
+          </p:cNvSpPr>
+          <p:nvPr>
+            <p:ph type="title"/>
+          </p:nvPr>
+        </p:nvSpPr>
+        <p:spPr>
+          <a:xfrm>
+            <a:off x="864404" y="464550"/>
+            <a:ext cx="10516195" cy="580729"/>
+          </a:xfrm>
+          <a:prstGeom prst="rect">
+            <a:avLst/>
+          </a:prstGeom>
+        </p:spPr>
+        <p:txBody>
+          <a:bodyPr vert="horz" lIns="0" tIns="468000" rIns="0" bIns="0" rtlCol="0" anchor="ctr" anchorCtr="0">
+            <a:normAutofit/>
+          </a:bodyPr>
+          <a:lstStyle/>
+          <a:p>
+            <a:r>
+              <a:rPr lang="en-US" dirty="0"/>
+              <a:t>Click to edit Master title style</a:t>
+            </a:r>
+          </a:p>
+        </p:txBody>
+      </p:sp>
+      <p:sp>
+        <p:nvSpPr>
+          <p:cNvPr id="8" name="Text Placeholder 3">
+            <a:extLst>
+              <a:ext uri="{FF2B5EF4-FFF2-40B4-BE49-F238E27FC236}">
+                <a16:creationId xmlns:a16="http://schemas.microsoft.com/office/drawing/2014/main" id="{5243FAF7-705C-3C4C-9860-7D3FEA12B2AA}"/>
+              </a:ext>
+            </a:extLst>
+          </p:cNvPr>
+          <p:cNvSpPr>
+            <a:spLocks noGrp="1"/>
+          </p:cNvSpPr>
+          <p:nvPr>
+            <p:ph idx="1"/>
+          </p:nvPr>
+        </p:nvSpPr>
+        <p:spPr>
+          <a:xfrm>
+            <a:off x="837903" y="1577972"/>
+            <a:ext cx="10516195" cy="4350990"/>
+          </a:xfrm>
+          <a:prstGeom prst="rect">
+            <a:avLst/>
+          </a:prstGeom>
+        </p:spPr>
+        <p:txBody>
+          <a:bodyPr vert="horz" lIns="91440" tIns="45720" rIns="91440" bIns="45720" rtlCol="0">
+            <a:normAutofit/>
+          </a:bodyPr>
+          <a:lstStyle/>
+          <a:p>
+            <a:pPr lvl="0"/>
+            <a:r>
+              <a:rPr lang="en-US" dirty="0"/>
+              <a:t>Edit Master text styles</a:t>
+            </a:r>
+          </a:p>
+          <a:p>
+            <a:pPr lvl="1"/>
+            <a:r>
+              <a:rPr lang="en-US" dirty="0"/>
+              <a:t>Second level</a:t>
+            </a:r>
+          </a:p>
+          <a:p>
+            <a:pPr lvl="2"/>
+            <a:r>
+              <a:rPr lang="en-US" dirty="0"/>
+              <a:t>Third level</a:t>
+            </a:r>
+          </a:p>
+        </p:txBody>
+      </p:sp>
+    </p:spTree>
+    <p:extLst>
+      <p:ext uri="{BB962C8B-B14F-4D97-AF65-F5344CB8AC3E}">
+        <p14:creationId xmlns:p14="http://schemas.microsoft.com/office/powerpoint/2010/main" val="670233044"/>
+      </p:ext>
+    </p:extLst>
+  </p:cSld>
+  <p:clrMapOvr>
+    <a:masterClrMapping/>
+  </p:clrMapOvr>
+</p:sldLayout>
+</file>
+
+<file path=ppt/slideLayouts/slideLayout18.xml><?xml version="1.0" encoding="utf-8"?>
+<p:sldLayout xmlns:a="http://schemas.openxmlformats.org/drawingml/2006/main" xmlns:r="http://schemas.openxmlformats.org/officeDocument/2006/relationships" xmlns:p="http://schemas.openxmlformats.org/presentationml/2006/main" preserve="1" userDrawn="1">
+  <p:cSld name="picture only">
+    <p:spTree>
+      <p:nvGrpSpPr>
+        <p:cNvPr id="1" name=""/>
+        <p:cNvGrpSpPr/>
+        <p:nvPr/>
+      </p:nvGrpSpPr>
+      <p:grpSpPr>
+        <a:xfrm>
+          <a:off x="0" y="0"/>
+          <a:ext cx="0" cy="0"/>
+          <a:chOff x="0" y="0"/>
+          <a:chExt cx="0" cy="0"/>
+        </a:xfrm>
+      </p:grpSpPr>
+      <p:sp>
+        <p:nvSpPr>
+          <p:cNvPr id="2" name="Title 1">
+            <a:extLst>
+              <a:ext uri="{FF2B5EF4-FFF2-40B4-BE49-F238E27FC236}">
+                <a16:creationId xmlns:a16="http://schemas.microsoft.com/office/drawing/2014/main" id="{65C678A0-E370-2A4C-B7FF-BAAE546242D8}"/>
+              </a:ext>
+            </a:extLst>
+          </p:cNvPr>
+          <p:cNvSpPr>
+            <a:spLocks noGrp="1"/>
+          </p:cNvSpPr>
+          <p:nvPr>
+            <p:ph type="title"/>
+          </p:nvPr>
+        </p:nvSpPr>
+        <p:spPr/>
+        <p:txBody>
+          <a:bodyPr/>
+          <a:lstStyle/>
+          <a:p>
+            <a:r>
+              <a:rPr lang="en-US" dirty="0"/>
+              <a:t>Click to edit Master title style</a:t>
+            </a:r>
+          </a:p>
+        </p:txBody>
+      </p:sp>
+      <p:sp>
+        <p:nvSpPr>
+          <p:cNvPr id="4" name="Slide Number Placeholder 3">
+            <a:extLst>
+              <a:ext uri="{FF2B5EF4-FFF2-40B4-BE49-F238E27FC236}">
+                <a16:creationId xmlns:a16="http://schemas.microsoft.com/office/drawing/2014/main" id="{9E353A8D-4AA8-DD4A-8C9B-8443BBE66BB7}"/>
+              </a:ext>
+            </a:extLst>
+          </p:cNvPr>
+          <p:cNvSpPr>
+            <a:spLocks noGrp="1"/>
+          </p:cNvSpPr>
+          <p:nvPr>
+            <p:ph type="sldNum" sz="quarter" idx="11"/>
+          </p:nvPr>
+        </p:nvSpPr>
+        <p:spPr/>
+        <p:txBody>
+          <a:bodyPr/>
+          <a:lstStyle/>
+          <a:p>
+            <a:fld id="{E27620C3-0466-3444-9C0E-A1700790CD0F}" type="slidenum">
+              <a:rPr lang="en-US" smtClean="0"/>
+              <a:pPr/>
+              <a:t>‹#›</a:t>
+            </a:fld>
+            <a:endParaRPr lang="en-US" dirty="0"/>
+          </a:p>
+        </p:txBody>
+      </p:sp>
+      <p:sp>
+        <p:nvSpPr>
+          <p:cNvPr id="6" name="Picture Placeholder 5">
+            <a:extLst>
+              <a:ext uri="{FF2B5EF4-FFF2-40B4-BE49-F238E27FC236}">
+                <a16:creationId xmlns:a16="http://schemas.microsoft.com/office/drawing/2014/main" id="{33E89EA7-424A-E647-8965-A59928CEADED}"/>
+              </a:ext>
+            </a:extLst>
+          </p:cNvPr>
+          <p:cNvSpPr>
+            <a:spLocks noGrp="1"/>
+          </p:cNvSpPr>
+          <p:nvPr>
+            <p:ph type="pic" sz="quarter" idx="12"/>
+          </p:nvPr>
+        </p:nvSpPr>
+        <p:spPr>
+          <a:xfrm>
+            <a:off x="367393" y="1435448"/>
+            <a:ext cx="11528439" cy="4638015"/>
+          </a:xfrm>
+        </p:spPr>
+        <p:txBody>
+          <a:bodyPr/>
+          <a:lstStyle>
+            <a:lvl1pPr algn="ctr">
+              <a:defRPr/>
+            </a:lvl1pPr>
+          </a:lstStyle>
+          <a:p>
+            <a:endParaRPr lang="en-US"/>
+          </a:p>
+        </p:txBody>
+      </p:sp>
+      <p:sp>
+        <p:nvSpPr>
+          <p:cNvPr id="8" name="Text Placeholder 7">
+            <a:extLst>
+              <a:ext uri="{FF2B5EF4-FFF2-40B4-BE49-F238E27FC236}">
+                <a16:creationId xmlns:a16="http://schemas.microsoft.com/office/drawing/2014/main" id="{91C285C3-854D-C64A-B2F5-6AB991263BD4}"/>
+              </a:ext>
+            </a:extLst>
+          </p:cNvPr>
+          <p:cNvSpPr>
+            <a:spLocks noGrp="1"/>
+          </p:cNvSpPr>
+          <p:nvPr>
+            <p:ph type="body" sz="quarter" idx="13" hasCustomPrompt="1"/>
+          </p:nvPr>
+        </p:nvSpPr>
+        <p:spPr>
+          <a:xfrm>
+            <a:off x="8786813" y="6212355"/>
+            <a:ext cx="3109020" cy="338051"/>
+          </a:xfrm>
+        </p:spPr>
+        <p:txBody>
+          <a:bodyPr>
+            <a:noAutofit/>
+          </a:bodyPr>
+          <a:lstStyle>
+            <a:lvl1pPr algn="r">
+              <a:defRPr sz="2000" i="1">
+                <a:latin typeface="Calibri" panose="020F0502020204030204" pitchFamily="34" charset="0"/>
+                <a:cs typeface="Calibri" panose="020F0502020204030204" pitchFamily="34" charset="0"/>
+              </a:defRPr>
+            </a:lvl1pPr>
+          </a:lstStyle>
+          <a:p>
+            <a:pPr lvl="0"/>
+            <a:r>
+              <a:rPr lang="en-US" dirty="0"/>
+              <a:t>Citation</a:t>
+            </a:r>
+          </a:p>
+        </p:txBody>
+      </p:sp>
+    </p:spTree>
+    <p:extLst>
+      <p:ext uri="{BB962C8B-B14F-4D97-AF65-F5344CB8AC3E}">
+        <p14:creationId xmlns:p14="http://schemas.microsoft.com/office/powerpoint/2010/main" val="419583975"/>
+      </p:ext>
+    </p:extLst>
+  </p:cSld>
+  <p:clrMapOvr>
+    <a:masterClrMapping/>
+  </p:clrMapOvr>
+</p:sldLayout>
+</file>
+
+<file path=ppt/slideLayouts/slideLayout19.xml><?xml version="1.0" encoding="utf-8"?>
+<p:sldLayout xmlns:a="http://schemas.openxmlformats.org/drawingml/2006/main" xmlns:r="http://schemas.openxmlformats.org/officeDocument/2006/relationships" xmlns:p="http://schemas.openxmlformats.org/presentationml/2006/main" preserve="1" userDrawn="1">
+  <p:cSld name="picture with header">
+    <p:spTree>
+      <p:nvGrpSpPr>
+        <p:cNvPr id="1" name=""/>
+        <p:cNvGrpSpPr/>
+        <p:nvPr/>
+      </p:nvGrpSpPr>
+      <p:grpSpPr>
+        <a:xfrm>
+          <a:off x="0" y="0"/>
+          <a:ext cx="0" cy="0"/>
+          <a:chOff x="0" y="0"/>
+          <a:chExt cx="0" cy="0"/>
+        </a:xfrm>
+      </p:grpSpPr>
+      <p:sp>
+        <p:nvSpPr>
+          <p:cNvPr id="2" name="Title 1">
+            <a:extLst>
+              <a:ext uri="{FF2B5EF4-FFF2-40B4-BE49-F238E27FC236}">
+                <a16:creationId xmlns:a16="http://schemas.microsoft.com/office/drawing/2014/main" id="{65C678A0-E370-2A4C-B7FF-BAAE546242D8}"/>
+              </a:ext>
+            </a:extLst>
+          </p:cNvPr>
+          <p:cNvSpPr>
+            <a:spLocks noGrp="1"/>
+          </p:cNvSpPr>
+          <p:nvPr>
+            <p:ph type="title"/>
+          </p:nvPr>
+        </p:nvSpPr>
+        <p:spPr/>
+        <p:txBody>
+          <a:bodyPr/>
+          <a:lstStyle/>
+          <a:p>
+            <a:r>
+              <a:rPr lang="en-US"/>
+              <a:t>Click to edit Master title style</a:t>
+            </a:r>
+          </a:p>
+        </p:txBody>
+      </p:sp>
+      <p:sp>
+        <p:nvSpPr>
+          <p:cNvPr id="4" name="Slide Number Placeholder 3">
+            <a:extLst>
+              <a:ext uri="{FF2B5EF4-FFF2-40B4-BE49-F238E27FC236}">
+                <a16:creationId xmlns:a16="http://schemas.microsoft.com/office/drawing/2014/main" id="{9E353A8D-4AA8-DD4A-8C9B-8443BBE66BB7}"/>
+              </a:ext>
+            </a:extLst>
+          </p:cNvPr>
+          <p:cNvSpPr>
+            <a:spLocks noGrp="1"/>
+          </p:cNvSpPr>
+          <p:nvPr>
+            <p:ph type="sldNum" sz="quarter" idx="11"/>
+          </p:nvPr>
+        </p:nvSpPr>
+        <p:spPr/>
+        <p:txBody>
+          <a:bodyPr/>
+          <a:lstStyle/>
+          <a:p>
+            <a:fld id="{E27620C3-0466-3444-9C0E-A1700790CD0F}" type="slidenum">
+              <a:rPr lang="en-US" smtClean="0"/>
+              <a:pPr/>
+              <a:t>‹#›</a:t>
+            </a:fld>
+            <a:endParaRPr lang="en-US" dirty="0"/>
+          </a:p>
+        </p:txBody>
+      </p:sp>
+      <p:sp>
+        <p:nvSpPr>
+          <p:cNvPr id="6" name="Picture Placeholder 5">
+            <a:extLst>
+              <a:ext uri="{FF2B5EF4-FFF2-40B4-BE49-F238E27FC236}">
+                <a16:creationId xmlns:a16="http://schemas.microsoft.com/office/drawing/2014/main" id="{33E89EA7-424A-E647-8965-A59928CEADED}"/>
+              </a:ext>
+            </a:extLst>
+          </p:cNvPr>
+          <p:cNvSpPr>
+            <a:spLocks noGrp="1"/>
+          </p:cNvSpPr>
+          <p:nvPr>
+            <p:ph type="pic" sz="quarter" idx="12"/>
+          </p:nvPr>
+        </p:nvSpPr>
+        <p:spPr>
+          <a:xfrm>
+            <a:off x="367393" y="2084764"/>
+            <a:ext cx="11528439" cy="3868786"/>
+          </a:xfrm>
+        </p:spPr>
+        <p:txBody>
+          <a:bodyPr/>
+          <a:lstStyle>
+            <a:lvl1pPr algn="ctr">
+              <a:defRPr/>
+            </a:lvl1pPr>
+          </a:lstStyle>
+          <a:p>
+            <a:endParaRPr lang="en-US" dirty="0"/>
+          </a:p>
+        </p:txBody>
+      </p:sp>
+      <p:sp>
+        <p:nvSpPr>
+          <p:cNvPr id="8" name="Text Placeholder 7">
+            <a:extLst>
+              <a:ext uri="{FF2B5EF4-FFF2-40B4-BE49-F238E27FC236}">
+                <a16:creationId xmlns:a16="http://schemas.microsoft.com/office/drawing/2014/main" id="{91C285C3-854D-C64A-B2F5-6AB991263BD4}"/>
+              </a:ext>
+            </a:extLst>
+          </p:cNvPr>
+          <p:cNvSpPr>
+            <a:spLocks noGrp="1"/>
+          </p:cNvSpPr>
+          <p:nvPr>
+            <p:ph type="body" sz="quarter" idx="13" hasCustomPrompt="1"/>
+          </p:nvPr>
+        </p:nvSpPr>
+        <p:spPr>
+          <a:xfrm>
+            <a:off x="8786813" y="6102805"/>
+            <a:ext cx="3109020" cy="447601"/>
+          </a:xfrm>
+        </p:spPr>
+        <p:txBody>
+          <a:bodyPr>
+            <a:normAutofit/>
+          </a:bodyPr>
+          <a:lstStyle>
+            <a:lvl1pPr algn="r">
+              <a:defRPr sz="2000" i="1">
+                <a:latin typeface="Calibri" panose="020F0502020204030204" pitchFamily="34" charset="0"/>
+                <a:cs typeface="Calibri" panose="020F0502020204030204" pitchFamily="34" charset="0"/>
+              </a:defRPr>
+            </a:lvl1pPr>
+          </a:lstStyle>
+          <a:p>
+            <a:pPr lvl="0"/>
+            <a:r>
+              <a:rPr lang="en-US" dirty="0"/>
+              <a:t>Citation</a:t>
+            </a:r>
+          </a:p>
+        </p:txBody>
+      </p:sp>
+      <p:sp>
+        <p:nvSpPr>
+          <p:cNvPr id="10" name="Text Placeholder 9">
+            <a:extLst>
+              <a:ext uri="{FF2B5EF4-FFF2-40B4-BE49-F238E27FC236}">
+                <a16:creationId xmlns:a16="http://schemas.microsoft.com/office/drawing/2014/main" id="{B786FD8E-CB02-2441-96D3-D1ACE2DD81D3}"/>
+              </a:ext>
+            </a:extLst>
+          </p:cNvPr>
+          <p:cNvSpPr>
+            <a:spLocks noGrp="1"/>
+          </p:cNvSpPr>
+          <p:nvPr>
+            <p:ph type="body" sz="quarter" idx="14"/>
+          </p:nvPr>
+        </p:nvSpPr>
+        <p:spPr>
+          <a:xfrm>
+            <a:off x="367606" y="1392959"/>
+            <a:ext cx="11528227" cy="691806"/>
+          </a:xfrm>
+        </p:spPr>
+        <p:txBody>
+          <a:bodyPr>
+            <a:normAutofit/>
+          </a:bodyPr>
+          <a:lstStyle>
+            <a:lvl1pPr>
+              <a:defRPr sz="2800">
+                <a:latin typeface="Calibri" panose="020F0502020204030204" pitchFamily="34" charset="0"/>
+                <a:cs typeface="Calibri" panose="020F0502020204030204" pitchFamily="34" charset="0"/>
+              </a:defRPr>
+            </a:lvl1pPr>
+            <a:lvl2pPr marL="321457" indent="0">
+              <a:buNone/>
+              <a:defRPr/>
+            </a:lvl2pPr>
+          </a:lstStyle>
+          <a:p>
+            <a:pPr lvl="0"/>
+            <a:r>
+              <a:rPr lang="en-US" dirty="0"/>
+              <a:t>Edit Master text styles</a:t>
+            </a:r>
+          </a:p>
+        </p:txBody>
+      </p:sp>
+    </p:spTree>
+    <p:extLst>
+      <p:ext uri="{BB962C8B-B14F-4D97-AF65-F5344CB8AC3E}">
+        <p14:creationId xmlns:p14="http://schemas.microsoft.com/office/powerpoint/2010/main" val="887855016"/>
       </p:ext>
     </p:extLst>
   </p:cSld>
@@ -882,7 +2799,7 @@
           <a:p>
             <a:fld id="{C09AFAD3-4891-3243-8451-D90C3E87E3DB}" type="datetimeFigureOut">
               <a:rPr lang="en-CH" smtClean="0"/>
-              <a:t>03.09.23</a:t>
+              <a:t>27.12.24</a:t>
             </a:fld>
             <a:endParaRPr lang="en-CH"/>
           </a:p>
@@ -946,6 +2863,2171 @@
     <p:extLst>
       <p:ext uri="{BB962C8B-B14F-4D97-AF65-F5344CB8AC3E}">
         <p14:creationId xmlns:p14="http://schemas.microsoft.com/office/powerpoint/2010/main" val="825441569"/>
+      </p:ext>
+    </p:extLst>
+  </p:cSld>
+  <p:clrMapOvr>
+    <a:masterClrMapping/>
+  </p:clrMapOvr>
+</p:sldLayout>
+</file>
+
+<file path=ppt/slideLayouts/slideLayout20.xml><?xml version="1.0" encoding="utf-8"?>
+<p:sldLayout xmlns:a="http://schemas.openxmlformats.org/drawingml/2006/main" xmlns:r="http://schemas.openxmlformats.org/officeDocument/2006/relationships" xmlns:p="http://schemas.openxmlformats.org/presentationml/2006/main" preserve="1" userDrawn="1">
+  <p:cSld name="picture with caption">
+    <p:spTree>
+      <p:nvGrpSpPr>
+        <p:cNvPr id="1" name=""/>
+        <p:cNvGrpSpPr/>
+        <p:nvPr/>
+      </p:nvGrpSpPr>
+      <p:grpSpPr>
+        <a:xfrm>
+          <a:off x="0" y="0"/>
+          <a:ext cx="0" cy="0"/>
+          <a:chOff x="0" y="0"/>
+          <a:chExt cx="0" cy="0"/>
+        </a:xfrm>
+      </p:grpSpPr>
+      <p:sp>
+        <p:nvSpPr>
+          <p:cNvPr id="2" name="Title 1">
+            <a:extLst>
+              <a:ext uri="{FF2B5EF4-FFF2-40B4-BE49-F238E27FC236}">
+                <a16:creationId xmlns:a16="http://schemas.microsoft.com/office/drawing/2014/main" id="{65C678A0-E370-2A4C-B7FF-BAAE546242D8}"/>
+              </a:ext>
+            </a:extLst>
+          </p:cNvPr>
+          <p:cNvSpPr>
+            <a:spLocks noGrp="1"/>
+          </p:cNvSpPr>
+          <p:nvPr>
+            <p:ph type="title"/>
+          </p:nvPr>
+        </p:nvSpPr>
+        <p:spPr/>
+        <p:txBody>
+          <a:bodyPr/>
+          <a:lstStyle/>
+          <a:p>
+            <a:r>
+              <a:rPr lang="en-US"/>
+              <a:t>Click to edit Master title style</a:t>
+            </a:r>
+          </a:p>
+        </p:txBody>
+      </p:sp>
+      <p:sp>
+        <p:nvSpPr>
+          <p:cNvPr id="4" name="Slide Number Placeholder 3">
+            <a:extLst>
+              <a:ext uri="{FF2B5EF4-FFF2-40B4-BE49-F238E27FC236}">
+                <a16:creationId xmlns:a16="http://schemas.microsoft.com/office/drawing/2014/main" id="{9E353A8D-4AA8-DD4A-8C9B-8443BBE66BB7}"/>
+              </a:ext>
+            </a:extLst>
+          </p:cNvPr>
+          <p:cNvSpPr>
+            <a:spLocks noGrp="1"/>
+          </p:cNvSpPr>
+          <p:nvPr>
+            <p:ph type="sldNum" sz="quarter" idx="11"/>
+          </p:nvPr>
+        </p:nvSpPr>
+        <p:spPr/>
+        <p:txBody>
+          <a:bodyPr/>
+          <a:lstStyle/>
+          <a:p>
+            <a:fld id="{E27620C3-0466-3444-9C0E-A1700790CD0F}" type="slidenum">
+              <a:rPr lang="en-US" smtClean="0"/>
+              <a:pPr/>
+              <a:t>‹#›</a:t>
+            </a:fld>
+            <a:endParaRPr lang="en-US" dirty="0"/>
+          </a:p>
+        </p:txBody>
+      </p:sp>
+      <p:sp>
+        <p:nvSpPr>
+          <p:cNvPr id="6" name="Picture Placeholder 5">
+            <a:extLst>
+              <a:ext uri="{FF2B5EF4-FFF2-40B4-BE49-F238E27FC236}">
+                <a16:creationId xmlns:a16="http://schemas.microsoft.com/office/drawing/2014/main" id="{33E89EA7-424A-E647-8965-A59928CEADED}"/>
+              </a:ext>
+            </a:extLst>
+          </p:cNvPr>
+          <p:cNvSpPr>
+            <a:spLocks noGrp="1"/>
+          </p:cNvSpPr>
+          <p:nvPr>
+            <p:ph type="pic" sz="quarter" idx="12"/>
+          </p:nvPr>
+        </p:nvSpPr>
+        <p:spPr>
+          <a:xfrm>
+            <a:off x="367393" y="1435448"/>
+            <a:ext cx="11528439" cy="3868786"/>
+          </a:xfrm>
+        </p:spPr>
+        <p:txBody>
+          <a:bodyPr/>
+          <a:lstStyle>
+            <a:lvl1pPr algn="ctr">
+              <a:defRPr/>
+            </a:lvl1pPr>
+          </a:lstStyle>
+          <a:p>
+            <a:endParaRPr lang="en-US"/>
+          </a:p>
+        </p:txBody>
+      </p:sp>
+      <p:sp>
+        <p:nvSpPr>
+          <p:cNvPr id="8" name="Text Placeholder 7">
+            <a:extLst>
+              <a:ext uri="{FF2B5EF4-FFF2-40B4-BE49-F238E27FC236}">
+                <a16:creationId xmlns:a16="http://schemas.microsoft.com/office/drawing/2014/main" id="{91C285C3-854D-C64A-B2F5-6AB991263BD4}"/>
+              </a:ext>
+            </a:extLst>
+          </p:cNvPr>
+          <p:cNvSpPr>
+            <a:spLocks noGrp="1"/>
+          </p:cNvSpPr>
+          <p:nvPr>
+            <p:ph type="body" sz="quarter" idx="13" hasCustomPrompt="1"/>
+          </p:nvPr>
+        </p:nvSpPr>
+        <p:spPr>
+          <a:xfrm>
+            <a:off x="8786813" y="5453489"/>
+            <a:ext cx="3109020" cy="447601"/>
+          </a:xfrm>
+        </p:spPr>
+        <p:txBody>
+          <a:bodyPr>
+            <a:normAutofit/>
+          </a:bodyPr>
+          <a:lstStyle>
+            <a:lvl1pPr algn="r">
+              <a:defRPr sz="2000" i="1">
+                <a:latin typeface="Calibri" panose="020F0502020204030204" pitchFamily="34" charset="0"/>
+                <a:cs typeface="Calibri" panose="020F0502020204030204" pitchFamily="34" charset="0"/>
+              </a:defRPr>
+            </a:lvl1pPr>
+          </a:lstStyle>
+          <a:p>
+            <a:pPr lvl="0"/>
+            <a:r>
+              <a:rPr lang="en-US" dirty="0"/>
+              <a:t>Citation</a:t>
+            </a:r>
+          </a:p>
+        </p:txBody>
+      </p:sp>
+      <p:sp>
+        <p:nvSpPr>
+          <p:cNvPr id="10" name="Text Placeholder 9">
+            <a:extLst>
+              <a:ext uri="{FF2B5EF4-FFF2-40B4-BE49-F238E27FC236}">
+                <a16:creationId xmlns:a16="http://schemas.microsoft.com/office/drawing/2014/main" id="{B786FD8E-CB02-2441-96D3-D1ACE2DD81D3}"/>
+              </a:ext>
+            </a:extLst>
+          </p:cNvPr>
+          <p:cNvSpPr>
+            <a:spLocks noGrp="1"/>
+          </p:cNvSpPr>
+          <p:nvPr>
+            <p:ph type="body" sz="quarter" idx="14"/>
+          </p:nvPr>
+        </p:nvSpPr>
+        <p:spPr>
+          <a:xfrm>
+            <a:off x="367606" y="5758056"/>
+            <a:ext cx="11528227" cy="935385"/>
+          </a:xfrm>
+        </p:spPr>
+        <p:txBody>
+          <a:bodyPr>
+            <a:normAutofit/>
+          </a:bodyPr>
+          <a:lstStyle>
+            <a:lvl1pPr>
+              <a:defRPr sz="2800">
+                <a:latin typeface="Calibri" panose="020F0502020204030204" pitchFamily="34" charset="0"/>
+                <a:cs typeface="Calibri" panose="020F0502020204030204" pitchFamily="34" charset="0"/>
+              </a:defRPr>
+            </a:lvl1pPr>
+            <a:lvl2pPr marL="321457" indent="0">
+              <a:buNone/>
+              <a:defRPr/>
+            </a:lvl2pPr>
+          </a:lstStyle>
+          <a:p>
+            <a:pPr lvl="0"/>
+            <a:r>
+              <a:rPr lang="en-US" dirty="0"/>
+              <a:t>Edit Master text styles</a:t>
+            </a:r>
+          </a:p>
+        </p:txBody>
+      </p:sp>
+    </p:spTree>
+    <p:extLst>
+      <p:ext uri="{BB962C8B-B14F-4D97-AF65-F5344CB8AC3E}">
+        <p14:creationId xmlns:p14="http://schemas.microsoft.com/office/powerpoint/2010/main" val="4189467509"/>
+      </p:ext>
+    </p:extLst>
+  </p:cSld>
+  <p:clrMapOvr>
+    <a:masterClrMapping/>
+  </p:clrMapOvr>
+</p:sldLayout>
+</file>
+
+<file path=ppt/slideLayouts/slideLayout21.xml><?xml version="1.0" encoding="utf-8"?>
+<p:sldLayout xmlns:a="http://schemas.openxmlformats.org/drawingml/2006/main" xmlns:r="http://schemas.openxmlformats.org/officeDocument/2006/relationships" xmlns:p="http://schemas.openxmlformats.org/presentationml/2006/main" preserve="1" userDrawn="1">
+  <p:cSld name="picture: 3 col + 2 row headers">
+    <p:spTree>
+      <p:nvGrpSpPr>
+        <p:cNvPr id="1" name=""/>
+        <p:cNvGrpSpPr/>
+        <p:nvPr/>
+      </p:nvGrpSpPr>
+      <p:grpSpPr>
+        <a:xfrm>
+          <a:off x="0" y="0"/>
+          <a:ext cx="0" cy="0"/>
+          <a:chOff x="0" y="0"/>
+          <a:chExt cx="0" cy="0"/>
+        </a:xfrm>
+      </p:grpSpPr>
+      <p:sp>
+        <p:nvSpPr>
+          <p:cNvPr id="2" name="Title 1">
+            <a:extLst>
+              <a:ext uri="{FF2B5EF4-FFF2-40B4-BE49-F238E27FC236}">
+                <a16:creationId xmlns:a16="http://schemas.microsoft.com/office/drawing/2014/main" id="{65C678A0-E370-2A4C-B7FF-BAAE546242D8}"/>
+              </a:ext>
+            </a:extLst>
+          </p:cNvPr>
+          <p:cNvSpPr>
+            <a:spLocks noGrp="1"/>
+          </p:cNvSpPr>
+          <p:nvPr>
+            <p:ph type="title"/>
+          </p:nvPr>
+        </p:nvSpPr>
+        <p:spPr/>
+        <p:txBody>
+          <a:bodyPr>
+            <a:noAutofit/>
+          </a:bodyPr>
+          <a:lstStyle>
+            <a:lvl1pPr>
+              <a:defRPr sz="3100"/>
+            </a:lvl1pPr>
+          </a:lstStyle>
+          <a:p>
+            <a:r>
+              <a:rPr lang="en-US" dirty="0"/>
+              <a:t>Click to edit Master title style</a:t>
+            </a:r>
+          </a:p>
+        </p:txBody>
+      </p:sp>
+      <p:sp>
+        <p:nvSpPr>
+          <p:cNvPr id="4" name="Slide Number Placeholder 3">
+            <a:extLst>
+              <a:ext uri="{FF2B5EF4-FFF2-40B4-BE49-F238E27FC236}">
+                <a16:creationId xmlns:a16="http://schemas.microsoft.com/office/drawing/2014/main" id="{9E353A8D-4AA8-DD4A-8C9B-8443BBE66BB7}"/>
+              </a:ext>
+            </a:extLst>
+          </p:cNvPr>
+          <p:cNvSpPr>
+            <a:spLocks noGrp="1"/>
+          </p:cNvSpPr>
+          <p:nvPr>
+            <p:ph type="sldNum" sz="quarter" idx="11"/>
+          </p:nvPr>
+        </p:nvSpPr>
+        <p:spPr/>
+        <p:txBody>
+          <a:bodyPr/>
+          <a:lstStyle/>
+          <a:p>
+            <a:fld id="{E27620C3-0466-3444-9C0E-A1700790CD0F}" type="slidenum">
+              <a:rPr lang="en-US" smtClean="0"/>
+              <a:pPr/>
+              <a:t>‹#›</a:t>
+            </a:fld>
+            <a:endParaRPr lang="en-US" dirty="0"/>
+          </a:p>
+        </p:txBody>
+      </p:sp>
+      <p:sp>
+        <p:nvSpPr>
+          <p:cNvPr id="6" name="Picture Placeholder 5">
+            <a:extLst>
+              <a:ext uri="{FF2B5EF4-FFF2-40B4-BE49-F238E27FC236}">
+                <a16:creationId xmlns:a16="http://schemas.microsoft.com/office/drawing/2014/main" id="{33E89EA7-424A-E647-8965-A59928CEADED}"/>
+              </a:ext>
+            </a:extLst>
+          </p:cNvPr>
+          <p:cNvSpPr>
+            <a:spLocks noGrp="1"/>
+          </p:cNvSpPr>
+          <p:nvPr>
+            <p:ph type="pic" sz="quarter" idx="12"/>
+          </p:nvPr>
+        </p:nvSpPr>
+        <p:spPr>
+          <a:xfrm>
+            <a:off x="1499191" y="2020186"/>
+            <a:ext cx="10396641" cy="4053277"/>
+          </a:xfrm>
+        </p:spPr>
+        <p:txBody>
+          <a:bodyPr/>
+          <a:lstStyle>
+            <a:lvl1pPr algn="ctr">
+              <a:defRPr/>
+            </a:lvl1pPr>
+          </a:lstStyle>
+          <a:p>
+            <a:endParaRPr lang="en-US"/>
+          </a:p>
+        </p:txBody>
+      </p:sp>
+      <p:sp>
+        <p:nvSpPr>
+          <p:cNvPr id="8" name="Text Placeholder 7">
+            <a:extLst>
+              <a:ext uri="{FF2B5EF4-FFF2-40B4-BE49-F238E27FC236}">
+                <a16:creationId xmlns:a16="http://schemas.microsoft.com/office/drawing/2014/main" id="{91C285C3-854D-C64A-B2F5-6AB991263BD4}"/>
+              </a:ext>
+            </a:extLst>
+          </p:cNvPr>
+          <p:cNvSpPr>
+            <a:spLocks noGrp="1"/>
+          </p:cNvSpPr>
+          <p:nvPr>
+            <p:ph type="body" sz="quarter" idx="13" hasCustomPrompt="1"/>
+          </p:nvPr>
+        </p:nvSpPr>
+        <p:spPr>
+          <a:xfrm>
+            <a:off x="8786813" y="6212355"/>
+            <a:ext cx="3109020" cy="338051"/>
+          </a:xfrm>
+        </p:spPr>
+        <p:txBody>
+          <a:bodyPr>
+            <a:noAutofit/>
+          </a:bodyPr>
+          <a:lstStyle>
+            <a:lvl1pPr algn="r">
+              <a:defRPr sz="2000" i="1">
+                <a:latin typeface="Calibri" panose="020F0502020204030204" pitchFamily="34" charset="0"/>
+                <a:cs typeface="Calibri" panose="020F0502020204030204" pitchFamily="34" charset="0"/>
+              </a:defRPr>
+            </a:lvl1pPr>
+          </a:lstStyle>
+          <a:p>
+            <a:pPr lvl="0"/>
+            <a:r>
+              <a:rPr lang="en-US" dirty="0"/>
+              <a:t>Citation</a:t>
+            </a:r>
+          </a:p>
+        </p:txBody>
+      </p:sp>
+      <p:sp>
+        <p:nvSpPr>
+          <p:cNvPr id="9" name="Text Placeholder 2">
+            <a:extLst>
+              <a:ext uri="{FF2B5EF4-FFF2-40B4-BE49-F238E27FC236}">
+                <a16:creationId xmlns:a16="http://schemas.microsoft.com/office/drawing/2014/main" id="{088AF4F5-66AE-BE46-BAE0-227325C42DA5}"/>
+              </a:ext>
+            </a:extLst>
+          </p:cNvPr>
+          <p:cNvSpPr>
+            <a:spLocks noGrp="1"/>
+          </p:cNvSpPr>
+          <p:nvPr>
+            <p:ph type="body" idx="1"/>
+          </p:nvPr>
+        </p:nvSpPr>
+        <p:spPr>
+          <a:xfrm>
+            <a:off x="2702215" y="1334409"/>
+            <a:ext cx="4596809" cy="580730"/>
+          </a:xfrm>
+          <a:prstGeom prst="rect">
+            <a:avLst/>
+          </a:prstGeom>
+        </p:spPr>
+        <p:txBody>
+          <a:bodyPr anchor="b">
+            <a:normAutofit/>
+          </a:bodyPr>
+          <a:lstStyle>
+            <a:lvl1pPr marL="0" indent="0">
+              <a:buNone/>
+              <a:defRPr sz="2800" b="0">
+                <a:latin typeface="Calibri" panose="020F0502020204030204" pitchFamily="34" charset="0"/>
+                <a:cs typeface="Calibri" panose="020F0502020204030204" pitchFamily="34" charset="0"/>
+              </a:defRPr>
+            </a:lvl1pPr>
+            <a:lvl2pPr marL="457200" indent="0">
+              <a:buNone/>
+              <a:defRPr sz="2000" b="1"/>
+            </a:lvl2pPr>
+            <a:lvl3pPr marL="914400" indent="0">
+              <a:buNone/>
+              <a:defRPr sz="1800" b="1"/>
+            </a:lvl3pPr>
+            <a:lvl4pPr marL="1371600" indent="0">
+              <a:buNone/>
+              <a:defRPr sz="1600" b="1"/>
+            </a:lvl4pPr>
+            <a:lvl5pPr marL="1828800" indent="0">
+              <a:buNone/>
+              <a:defRPr sz="1600" b="1"/>
+            </a:lvl5pPr>
+            <a:lvl6pPr marL="2286000" indent="0">
+              <a:buNone/>
+              <a:defRPr sz="1600" b="1"/>
+            </a:lvl6pPr>
+            <a:lvl7pPr marL="2743200" indent="0">
+              <a:buNone/>
+              <a:defRPr sz="1600" b="1"/>
+            </a:lvl7pPr>
+            <a:lvl8pPr marL="3200400" indent="0">
+              <a:buNone/>
+              <a:defRPr sz="1600" b="1"/>
+            </a:lvl8pPr>
+            <a:lvl9pPr marL="3657600" indent="0">
+              <a:buNone/>
+              <a:defRPr sz="1600" b="1"/>
+            </a:lvl9pPr>
+          </a:lstStyle>
+          <a:p>
+            <a:pPr lvl="0"/>
+            <a:r>
+              <a:rPr lang="en-GB" dirty="0"/>
+              <a:t>Click to edit Master text styles</a:t>
+            </a:r>
+          </a:p>
+        </p:txBody>
+      </p:sp>
+      <p:sp>
+        <p:nvSpPr>
+          <p:cNvPr id="10" name="Text Placeholder 2">
+            <a:extLst>
+              <a:ext uri="{FF2B5EF4-FFF2-40B4-BE49-F238E27FC236}">
+                <a16:creationId xmlns:a16="http://schemas.microsoft.com/office/drawing/2014/main" id="{D574F6ED-ABBC-884B-A779-778565809C03}"/>
+              </a:ext>
+            </a:extLst>
+          </p:cNvPr>
+          <p:cNvSpPr>
+            <a:spLocks noGrp="1"/>
+          </p:cNvSpPr>
+          <p:nvPr>
+            <p:ph type="body" idx="14"/>
+          </p:nvPr>
+        </p:nvSpPr>
+        <p:spPr>
+          <a:xfrm>
+            <a:off x="8786813" y="1334409"/>
+            <a:ext cx="4596809" cy="580730"/>
+          </a:xfrm>
+          <a:prstGeom prst="rect">
+            <a:avLst/>
+          </a:prstGeom>
+        </p:spPr>
+        <p:txBody>
+          <a:bodyPr anchor="b">
+            <a:normAutofit/>
+          </a:bodyPr>
+          <a:lstStyle>
+            <a:lvl1pPr marL="0" indent="0">
+              <a:buNone/>
+              <a:defRPr sz="2800" b="0">
+                <a:latin typeface="Calibri" panose="020F0502020204030204" pitchFamily="34" charset="0"/>
+                <a:cs typeface="Calibri" panose="020F0502020204030204" pitchFamily="34" charset="0"/>
+              </a:defRPr>
+            </a:lvl1pPr>
+            <a:lvl2pPr marL="457200" indent="0">
+              <a:buNone/>
+              <a:defRPr sz="2000" b="1"/>
+            </a:lvl2pPr>
+            <a:lvl3pPr marL="914400" indent="0">
+              <a:buNone/>
+              <a:defRPr sz="1800" b="1"/>
+            </a:lvl3pPr>
+            <a:lvl4pPr marL="1371600" indent="0">
+              <a:buNone/>
+              <a:defRPr sz="1600" b="1"/>
+            </a:lvl4pPr>
+            <a:lvl5pPr marL="1828800" indent="0">
+              <a:buNone/>
+              <a:defRPr sz="1600" b="1"/>
+            </a:lvl5pPr>
+            <a:lvl6pPr marL="2286000" indent="0">
+              <a:buNone/>
+              <a:defRPr sz="1600" b="1"/>
+            </a:lvl6pPr>
+            <a:lvl7pPr marL="2743200" indent="0">
+              <a:buNone/>
+              <a:defRPr sz="1600" b="1"/>
+            </a:lvl7pPr>
+            <a:lvl8pPr marL="3200400" indent="0">
+              <a:buNone/>
+              <a:defRPr sz="1600" b="1"/>
+            </a:lvl8pPr>
+            <a:lvl9pPr marL="3657600" indent="0">
+              <a:buNone/>
+              <a:defRPr sz="1600" b="1"/>
+            </a:lvl9pPr>
+          </a:lstStyle>
+          <a:p>
+            <a:pPr lvl="0"/>
+            <a:r>
+              <a:rPr lang="en-GB" dirty="0"/>
+              <a:t>Click to edit Master text styles</a:t>
+            </a:r>
+          </a:p>
+        </p:txBody>
+      </p:sp>
+      <p:sp>
+        <p:nvSpPr>
+          <p:cNvPr id="11" name="Text Placeholder 2">
+            <a:extLst>
+              <a:ext uri="{FF2B5EF4-FFF2-40B4-BE49-F238E27FC236}">
+                <a16:creationId xmlns:a16="http://schemas.microsoft.com/office/drawing/2014/main" id="{3D56CF36-BB0B-8444-AEC1-EFB92E4A6A49}"/>
+              </a:ext>
+            </a:extLst>
+          </p:cNvPr>
+          <p:cNvSpPr>
+            <a:spLocks noGrp="1"/>
+          </p:cNvSpPr>
+          <p:nvPr>
+            <p:ph type="body" idx="15"/>
+          </p:nvPr>
+        </p:nvSpPr>
+        <p:spPr>
+          <a:xfrm>
+            <a:off x="5744514" y="1337201"/>
+            <a:ext cx="4596809" cy="580730"/>
+          </a:xfrm>
+          <a:prstGeom prst="rect">
+            <a:avLst/>
+          </a:prstGeom>
+        </p:spPr>
+        <p:txBody>
+          <a:bodyPr anchor="b">
+            <a:normAutofit/>
+          </a:bodyPr>
+          <a:lstStyle>
+            <a:lvl1pPr marL="0" indent="0">
+              <a:buNone/>
+              <a:defRPr sz="2800" b="0">
+                <a:latin typeface="Calibri" panose="020F0502020204030204" pitchFamily="34" charset="0"/>
+                <a:cs typeface="Calibri" panose="020F0502020204030204" pitchFamily="34" charset="0"/>
+              </a:defRPr>
+            </a:lvl1pPr>
+            <a:lvl2pPr marL="457200" indent="0">
+              <a:buNone/>
+              <a:defRPr sz="2000" b="1"/>
+            </a:lvl2pPr>
+            <a:lvl3pPr marL="914400" indent="0">
+              <a:buNone/>
+              <a:defRPr sz="1800" b="1"/>
+            </a:lvl3pPr>
+            <a:lvl4pPr marL="1371600" indent="0">
+              <a:buNone/>
+              <a:defRPr sz="1600" b="1"/>
+            </a:lvl4pPr>
+            <a:lvl5pPr marL="1828800" indent="0">
+              <a:buNone/>
+              <a:defRPr sz="1600" b="1"/>
+            </a:lvl5pPr>
+            <a:lvl6pPr marL="2286000" indent="0">
+              <a:buNone/>
+              <a:defRPr sz="1600" b="1"/>
+            </a:lvl6pPr>
+            <a:lvl7pPr marL="2743200" indent="0">
+              <a:buNone/>
+              <a:defRPr sz="1600" b="1"/>
+            </a:lvl7pPr>
+            <a:lvl8pPr marL="3200400" indent="0">
+              <a:buNone/>
+              <a:defRPr sz="1600" b="1"/>
+            </a:lvl8pPr>
+            <a:lvl9pPr marL="3657600" indent="0">
+              <a:buNone/>
+              <a:defRPr sz="1600" b="1"/>
+            </a:lvl9pPr>
+          </a:lstStyle>
+          <a:p>
+            <a:pPr lvl="0"/>
+            <a:r>
+              <a:rPr lang="en-GB" dirty="0"/>
+              <a:t>Click to edit Master text styles</a:t>
+            </a:r>
+          </a:p>
+        </p:txBody>
+      </p:sp>
+      <p:sp>
+        <p:nvSpPr>
+          <p:cNvPr id="12" name="Text Placeholder 2">
+            <a:extLst>
+              <a:ext uri="{FF2B5EF4-FFF2-40B4-BE49-F238E27FC236}">
+                <a16:creationId xmlns:a16="http://schemas.microsoft.com/office/drawing/2014/main" id="{C1D1C92D-1CA6-3445-B852-82DAC6F10050}"/>
+              </a:ext>
+            </a:extLst>
+          </p:cNvPr>
+          <p:cNvSpPr>
+            <a:spLocks noGrp="1"/>
+          </p:cNvSpPr>
+          <p:nvPr>
+            <p:ph type="body" idx="16"/>
+          </p:nvPr>
+        </p:nvSpPr>
+        <p:spPr>
+          <a:xfrm>
+            <a:off x="296168" y="2017394"/>
+            <a:ext cx="4596809" cy="580730"/>
+          </a:xfrm>
+          <a:prstGeom prst="rect">
+            <a:avLst/>
+          </a:prstGeom>
+        </p:spPr>
+        <p:txBody>
+          <a:bodyPr anchor="b">
+            <a:normAutofit/>
+          </a:bodyPr>
+          <a:lstStyle>
+            <a:lvl1pPr marL="0" indent="0">
+              <a:buNone/>
+              <a:defRPr sz="2800" b="0">
+                <a:latin typeface="Calibri" panose="020F0502020204030204" pitchFamily="34" charset="0"/>
+                <a:cs typeface="Calibri" panose="020F0502020204030204" pitchFamily="34" charset="0"/>
+              </a:defRPr>
+            </a:lvl1pPr>
+            <a:lvl2pPr marL="457200" indent="0">
+              <a:buNone/>
+              <a:defRPr sz="2000" b="1"/>
+            </a:lvl2pPr>
+            <a:lvl3pPr marL="914400" indent="0">
+              <a:buNone/>
+              <a:defRPr sz="1800" b="1"/>
+            </a:lvl3pPr>
+            <a:lvl4pPr marL="1371600" indent="0">
+              <a:buNone/>
+              <a:defRPr sz="1600" b="1"/>
+            </a:lvl4pPr>
+            <a:lvl5pPr marL="1828800" indent="0">
+              <a:buNone/>
+              <a:defRPr sz="1600" b="1"/>
+            </a:lvl5pPr>
+            <a:lvl6pPr marL="2286000" indent="0">
+              <a:buNone/>
+              <a:defRPr sz="1600" b="1"/>
+            </a:lvl6pPr>
+            <a:lvl7pPr marL="2743200" indent="0">
+              <a:buNone/>
+              <a:defRPr sz="1600" b="1"/>
+            </a:lvl7pPr>
+            <a:lvl8pPr marL="3200400" indent="0">
+              <a:buNone/>
+              <a:defRPr sz="1600" b="1"/>
+            </a:lvl8pPr>
+            <a:lvl9pPr marL="3657600" indent="0">
+              <a:buNone/>
+              <a:defRPr sz="1600" b="1"/>
+            </a:lvl9pPr>
+          </a:lstStyle>
+          <a:p>
+            <a:pPr lvl="0"/>
+            <a:r>
+              <a:rPr lang="en-GB" dirty="0"/>
+              <a:t>Click to edit Master text styles</a:t>
+            </a:r>
+          </a:p>
+        </p:txBody>
+      </p:sp>
+      <p:sp>
+        <p:nvSpPr>
+          <p:cNvPr id="13" name="Text Placeholder 2">
+            <a:extLst>
+              <a:ext uri="{FF2B5EF4-FFF2-40B4-BE49-F238E27FC236}">
+                <a16:creationId xmlns:a16="http://schemas.microsoft.com/office/drawing/2014/main" id="{8D36CCBE-052C-7449-98FD-45435FDA745E}"/>
+              </a:ext>
+            </a:extLst>
+          </p:cNvPr>
+          <p:cNvSpPr>
+            <a:spLocks noGrp="1"/>
+          </p:cNvSpPr>
+          <p:nvPr>
+            <p:ph type="body" idx="17"/>
+          </p:nvPr>
+        </p:nvSpPr>
+        <p:spPr>
+          <a:xfrm>
+            <a:off x="296167" y="4045428"/>
+            <a:ext cx="4596809" cy="580730"/>
+          </a:xfrm>
+          <a:prstGeom prst="rect">
+            <a:avLst/>
+          </a:prstGeom>
+        </p:spPr>
+        <p:txBody>
+          <a:bodyPr anchor="b">
+            <a:normAutofit/>
+          </a:bodyPr>
+          <a:lstStyle>
+            <a:lvl1pPr marL="0" indent="0">
+              <a:buNone/>
+              <a:defRPr sz="2800" b="0">
+                <a:latin typeface="Calibri" panose="020F0502020204030204" pitchFamily="34" charset="0"/>
+                <a:cs typeface="Calibri" panose="020F0502020204030204" pitchFamily="34" charset="0"/>
+              </a:defRPr>
+            </a:lvl1pPr>
+            <a:lvl2pPr marL="457200" indent="0">
+              <a:buNone/>
+              <a:defRPr sz="2000" b="1"/>
+            </a:lvl2pPr>
+            <a:lvl3pPr marL="914400" indent="0">
+              <a:buNone/>
+              <a:defRPr sz="1800" b="1"/>
+            </a:lvl3pPr>
+            <a:lvl4pPr marL="1371600" indent="0">
+              <a:buNone/>
+              <a:defRPr sz="1600" b="1"/>
+            </a:lvl4pPr>
+            <a:lvl5pPr marL="1828800" indent="0">
+              <a:buNone/>
+              <a:defRPr sz="1600" b="1"/>
+            </a:lvl5pPr>
+            <a:lvl6pPr marL="2286000" indent="0">
+              <a:buNone/>
+              <a:defRPr sz="1600" b="1"/>
+            </a:lvl6pPr>
+            <a:lvl7pPr marL="2743200" indent="0">
+              <a:buNone/>
+              <a:defRPr sz="1600" b="1"/>
+            </a:lvl7pPr>
+            <a:lvl8pPr marL="3200400" indent="0">
+              <a:buNone/>
+              <a:defRPr sz="1600" b="1"/>
+            </a:lvl8pPr>
+            <a:lvl9pPr marL="3657600" indent="0">
+              <a:buNone/>
+              <a:defRPr sz="1600" b="1"/>
+            </a:lvl9pPr>
+          </a:lstStyle>
+          <a:p>
+            <a:pPr lvl="0"/>
+            <a:r>
+              <a:rPr lang="en-GB" dirty="0"/>
+              <a:t>Click to edit Master text styles</a:t>
+            </a:r>
+          </a:p>
+        </p:txBody>
+      </p:sp>
+    </p:spTree>
+    <p:extLst>
+      <p:ext uri="{BB962C8B-B14F-4D97-AF65-F5344CB8AC3E}">
+        <p14:creationId xmlns:p14="http://schemas.microsoft.com/office/powerpoint/2010/main" val="507067544"/>
+      </p:ext>
+    </p:extLst>
+  </p:cSld>
+  <p:clrMapOvr>
+    <a:masterClrMapping/>
+  </p:clrMapOvr>
+</p:sldLayout>
+</file>
+
+<file path=ppt/slideLayouts/slideLayout22.xml><?xml version="1.0" encoding="utf-8"?>
+<p:sldLayout xmlns:a="http://schemas.openxmlformats.org/drawingml/2006/main" xmlns:r="http://schemas.openxmlformats.org/officeDocument/2006/relationships" xmlns:p="http://schemas.openxmlformats.org/presentationml/2006/main" preserve="1" userDrawn="1">
+  <p:cSld name="picture: 3 col + 3 row headers">
+    <p:spTree>
+      <p:nvGrpSpPr>
+        <p:cNvPr id="1" name=""/>
+        <p:cNvGrpSpPr/>
+        <p:nvPr/>
+      </p:nvGrpSpPr>
+      <p:grpSpPr>
+        <a:xfrm>
+          <a:off x="0" y="0"/>
+          <a:ext cx="0" cy="0"/>
+          <a:chOff x="0" y="0"/>
+          <a:chExt cx="0" cy="0"/>
+        </a:xfrm>
+      </p:grpSpPr>
+      <p:sp>
+        <p:nvSpPr>
+          <p:cNvPr id="2" name="Title 1">
+            <a:extLst>
+              <a:ext uri="{FF2B5EF4-FFF2-40B4-BE49-F238E27FC236}">
+                <a16:creationId xmlns:a16="http://schemas.microsoft.com/office/drawing/2014/main" id="{65C678A0-E370-2A4C-B7FF-BAAE546242D8}"/>
+              </a:ext>
+            </a:extLst>
+          </p:cNvPr>
+          <p:cNvSpPr>
+            <a:spLocks noGrp="1"/>
+          </p:cNvSpPr>
+          <p:nvPr>
+            <p:ph type="title"/>
+          </p:nvPr>
+        </p:nvSpPr>
+        <p:spPr/>
+        <p:txBody>
+          <a:bodyPr>
+            <a:noAutofit/>
+          </a:bodyPr>
+          <a:lstStyle>
+            <a:lvl1pPr>
+              <a:defRPr sz="3100"/>
+            </a:lvl1pPr>
+          </a:lstStyle>
+          <a:p>
+            <a:r>
+              <a:rPr lang="en-US" dirty="0"/>
+              <a:t>Click to edit Master title style</a:t>
+            </a:r>
+          </a:p>
+        </p:txBody>
+      </p:sp>
+      <p:sp>
+        <p:nvSpPr>
+          <p:cNvPr id="4" name="Slide Number Placeholder 3">
+            <a:extLst>
+              <a:ext uri="{FF2B5EF4-FFF2-40B4-BE49-F238E27FC236}">
+                <a16:creationId xmlns:a16="http://schemas.microsoft.com/office/drawing/2014/main" id="{9E353A8D-4AA8-DD4A-8C9B-8443BBE66BB7}"/>
+              </a:ext>
+            </a:extLst>
+          </p:cNvPr>
+          <p:cNvSpPr>
+            <a:spLocks noGrp="1"/>
+          </p:cNvSpPr>
+          <p:nvPr>
+            <p:ph type="sldNum" sz="quarter" idx="11"/>
+          </p:nvPr>
+        </p:nvSpPr>
+        <p:spPr/>
+        <p:txBody>
+          <a:bodyPr/>
+          <a:lstStyle/>
+          <a:p>
+            <a:fld id="{E27620C3-0466-3444-9C0E-A1700790CD0F}" type="slidenum">
+              <a:rPr lang="en-US" smtClean="0"/>
+              <a:pPr/>
+              <a:t>‹#›</a:t>
+            </a:fld>
+            <a:endParaRPr lang="en-US" dirty="0"/>
+          </a:p>
+        </p:txBody>
+      </p:sp>
+      <p:sp>
+        <p:nvSpPr>
+          <p:cNvPr id="6" name="Picture Placeholder 5">
+            <a:extLst>
+              <a:ext uri="{FF2B5EF4-FFF2-40B4-BE49-F238E27FC236}">
+                <a16:creationId xmlns:a16="http://schemas.microsoft.com/office/drawing/2014/main" id="{33E89EA7-424A-E647-8965-A59928CEADED}"/>
+              </a:ext>
+            </a:extLst>
+          </p:cNvPr>
+          <p:cNvSpPr>
+            <a:spLocks noGrp="1"/>
+          </p:cNvSpPr>
+          <p:nvPr>
+            <p:ph type="pic" sz="quarter" idx="12"/>
+          </p:nvPr>
+        </p:nvSpPr>
+        <p:spPr>
+          <a:xfrm>
+            <a:off x="1499191" y="2020186"/>
+            <a:ext cx="10396641" cy="4053277"/>
+          </a:xfrm>
+        </p:spPr>
+        <p:txBody>
+          <a:bodyPr/>
+          <a:lstStyle>
+            <a:lvl1pPr algn="ctr">
+              <a:defRPr/>
+            </a:lvl1pPr>
+          </a:lstStyle>
+          <a:p>
+            <a:endParaRPr lang="en-US"/>
+          </a:p>
+        </p:txBody>
+      </p:sp>
+      <p:sp>
+        <p:nvSpPr>
+          <p:cNvPr id="8" name="Text Placeholder 7">
+            <a:extLst>
+              <a:ext uri="{FF2B5EF4-FFF2-40B4-BE49-F238E27FC236}">
+                <a16:creationId xmlns:a16="http://schemas.microsoft.com/office/drawing/2014/main" id="{91C285C3-854D-C64A-B2F5-6AB991263BD4}"/>
+              </a:ext>
+            </a:extLst>
+          </p:cNvPr>
+          <p:cNvSpPr>
+            <a:spLocks noGrp="1"/>
+          </p:cNvSpPr>
+          <p:nvPr>
+            <p:ph type="body" sz="quarter" idx="13" hasCustomPrompt="1"/>
+          </p:nvPr>
+        </p:nvSpPr>
+        <p:spPr>
+          <a:xfrm>
+            <a:off x="8786813" y="6212355"/>
+            <a:ext cx="3109020" cy="338051"/>
+          </a:xfrm>
+        </p:spPr>
+        <p:txBody>
+          <a:bodyPr>
+            <a:noAutofit/>
+          </a:bodyPr>
+          <a:lstStyle>
+            <a:lvl1pPr algn="r">
+              <a:defRPr sz="2000" i="1">
+                <a:latin typeface="Calibri" panose="020F0502020204030204" pitchFamily="34" charset="0"/>
+                <a:cs typeface="Calibri" panose="020F0502020204030204" pitchFamily="34" charset="0"/>
+              </a:defRPr>
+            </a:lvl1pPr>
+          </a:lstStyle>
+          <a:p>
+            <a:pPr lvl="0"/>
+            <a:r>
+              <a:rPr lang="en-US" dirty="0"/>
+              <a:t>Citation</a:t>
+            </a:r>
+          </a:p>
+        </p:txBody>
+      </p:sp>
+      <p:sp>
+        <p:nvSpPr>
+          <p:cNvPr id="9" name="Text Placeholder 2">
+            <a:extLst>
+              <a:ext uri="{FF2B5EF4-FFF2-40B4-BE49-F238E27FC236}">
+                <a16:creationId xmlns:a16="http://schemas.microsoft.com/office/drawing/2014/main" id="{088AF4F5-66AE-BE46-BAE0-227325C42DA5}"/>
+              </a:ext>
+            </a:extLst>
+          </p:cNvPr>
+          <p:cNvSpPr>
+            <a:spLocks noGrp="1"/>
+          </p:cNvSpPr>
+          <p:nvPr>
+            <p:ph type="body" idx="1"/>
+          </p:nvPr>
+        </p:nvSpPr>
+        <p:spPr>
+          <a:xfrm>
+            <a:off x="2702215" y="1334409"/>
+            <a:ext cx="4596809" cy="580730"/>
+          </a:xfrm>
+          <a:prstGeom prst="rect">
+            <a:avLst/>
+          </a:prstGeom>
+        </p:spPr>
+        <p:txBody>
+          <a:bodyPr anchor="b">
+            <a:normAutofit/>
+          </a:bodyPr>
+          <a:lstStyle>
+            <a:lvl1pPr marL="0" indent="0">
+              <a:buNone/>
+              <a:defRPr sz="2800" b="0">
+                <a:latin typeface="Calibri" panose="020F0502020204030204" pitchFamily="34" charset="0"/>
+                <a:cs typeface="Calibri" panose="020F0502020204030204" pitchFamily="34" charset="0"/>
+              </a:defRPr>
+            </a:lvl1pPr>
+            <a:lvl2pPr marL="457200" indent="0">
+              <a:buNone/>
+              <a:defRPr sz="2000" b="1"/>
+            </a:lvl2pPr>
+            <a:lvl3pPr marL="914400" indent="0">
+              <a:buNone/>
+              <a:defRPr sz="1800" b="1"/>
+            </a:lvl3pPr>
+            <a:lvl4pPr marL="1371600" indent="0">
+              <a:buNone/>
+              <a:defRPr sz="1600" b="1"/>
+            </a:lvl4pPr>
+            <a:lvl5pPr marL="1828800" indent="0">
+              <a:buNone/>
+              <a:defRPr sz="1600" b="1"/>
+            </a:lvl5pPr>
+            <a:lvl6pPr marL="2286000" indent="0">
+              <a:buNone/>
+              <a:defRPr sz="1600" b="1"/>
+            </a:lvl6pPr>
+            <a:lvl7pPr marL="2743200" indent="0">
+              <a:buNone/>
+              <a:defRPr sz="1600" b="1"/>
+            </a:lvl7pPr>
+            <a:lvl8pPr marL="3200400" indent="0">
+              <a:buNone/>
+              <a:defRPr sz="1600" b="1"/>
+            </a:lvl8pPr>
+            <a:lvl9pPr marL="3657600" indent="0">
+              <a:buNone/>
+              <a:defRPr sz="1600" b="1"/>
+            </a:lvl9pPr>
+          </a:lstStyle>
+          <a:p>
+            <a:pPr lvl="0"/>
+            <a:r>
+              <a:rPr lang="en-GB" dirty="0"/>
+              <a:t>Click to edit Master text styles</a:t>
+            </a:r>
+          </a:p>
+        </p:txBody>
+      </p:sp>
+      <p:sp>
+        <p:nvSpPr>
+          <p:cNvPr id="10" name="Text Placeholder 2">
+            <a:extLst>
+              <a:ext uri="{FF2B5EF4-FFF2-40B4-BE49-F238E27FC236}">
+                <a16:creationId xmlns:a16="http://schemas.microsoft.com/office/drawing/2014/main" id="{D574F6ED-ABBC-884B-A779-778565809C03}"/>
+              </a:ext>
+            </a:extLst>
+          </p:cNvPr>
+          <p:cNvSpPr>
+            <a:spLocks noGrp="1"/>
+          </p:cNvSpPr>
+          <p:nvPr>
+            <p:ph type="body" idx="14"/>
+          </p:nvPr>
+        </p:nvSpPr>
+        <p:spPr>
+          <a:xfrm>
+            <a:off x="8786813" y="1334409"/>
+            <a:ext cx="4596809" cy="580730"/>
+          </a:xfrm>
+          <a:prstGeom prst="rect">
+            <a:avLst/>
+          </a:prstGeom>
+        </p:spPr>
+        <p:txBody>
+          <a:bodyPr anchor="b">
+            <a:normAutofit/>
+          </a:bodyPr>
+          <a:lstStyle>
+            <a:lvl1pPr marL="0" indent="0">
+              <a:buNone/>
+              <a:defRPr sz="2800" b="0">
+                <a:latin typeface="Calibri" panose="020F0502020204030204" pitchFamily="34" charset="0"/>
+                <a:cs typeface="Calibri" panose="020F0502020204030204" pitchFamily="34" charset="0"/>
+              </a:defRPr>
+            </a:lvl1pPr>
+            <a:lvl2pPr marL="457200" indent="0">
+              <a:buNone/>
+              <a:defRPr sz="2000" b="1"/>
+            </a:lvl2pPr>
+            <a:lvl3pPr marL="914400" indent="0">
+              <a:buNone/>
+              <a:defRPr sz="1800" b="1"/>
+            </a:lvl3pPr>
+            <a:lvl4pPr marL="1371600" indent="0">
+              <a:buNone/>
+              <a:defRPr sz="1600" b="1"/>
+            </a:lvl4pPr>
+            <a:lvl5pPr marL="1828800" indent="0">
+              <a:buNone/>
+              <a:defRPr sz="1600" b="1"/>
+            </a:lvl5pPr>
+            <a:lvl6pPr marL="2286000" indent="0">
+              <a:buNone/>
+              <a:defRPr sz="1600" b="1"/>
+            </a:lvl6pPr>
+            <a:lvl7pPr marL="2743200" indent="0">
+              <a:buNone/>
+              <a:defRPr sz="1600" b="1"/>
+            </a:lvl7pPr>
+            <a:lvl8pPr marL="3200400" indent="0">
+              <a:buNone/>
+              <a:defRPr sz="1600" b="1"/>
+            </a:lvl8pPr>
+            <a:lvl9pPr marL="3657600" indent="0">
+              <a:buNone/>
+              <a:defRPr sz="1600" b="1"/>
+            </a:lvl9pPr>
+          </a:lstStyle>
+          <a:p>
+            <a:pPr lvl="0"/>
+            <a:r>
+              <a:rPr lang="en-GB" dirty="0"/>
+              <a:t>Click to edit Master text styles</a:t>
+            </a:r>
+          </a:p>
+        </p:txBody>
+      </p:sp>
+      <p:sp>
+        <p:nvSpPr>
+          <p:cNvPr id="11" name="Text Placeholder 2">
+            <a:extLst>
+              <a:ext uri="{FF2B5EF4-FFF2-40B4-BE49-F238E27FC236}">
+                <a16:creationId xmlns:a16="http://schemas.microsoft.com/office/drawing/2014/main" id="{3D56CF36-BB0B-8444-AEC1-EFB92E4A6A49}"/>
+              </a:ext>
+            </a:extLst>
+          </p:cNvPr>
+          <p:cNvSpPr>
+            <a:spLocks noGrp="1"/>
+          </p:cNvSpPr>
+          <p:nvPr>
+            <p:ph type="body" idx="15"/>
+          </p:nvPr>
+        </p:nvSpPr>
+        <p:spPr>
+          <a:xfrm>
+            <a:off x="5744514" y="1337201"/>
+            <a:ext cx="4596809" cy="580730"/>
+          </a:xfrm>
+          <a:prstGeom prst="rect">
+            <a:avLst/>
+          </a:prstGeom>
+        </p:spPr>
+        <p:txBody>
+          <a:bodyPr anchor="b">
+            <a:normAutofit/>
+          </a:bodyPr>
+          <a:lstStyle>
+            <a:lvl1pPr marL="0" indent="0">
+              <a:buNone/>
+              <a:defRPr sz="2800" b="0">
+                <a:latin typeface="Calibri" panose="020F0502020204030204" pitchFamily="34" charset="0"/>
+                <a:cs typeface="Calibri" panose="020F0502020204030204" pitchFamily="34" charset="0"/>
+              </a:defRPr>
+            </a:lvl1pPr>
+            <a:lvl2pPr marL="457200" indent="0">
+              <a:buNone/>
+              <a:defRPr sz="2000" b="1"/>
+            </a:lvl2pPr>
+            <a:lvl3pPr marL="914400" indent="0">
+              <a:buNone/>
+              <a:defRPr sz="1800" b="1"/>
+            </a:lvl3pPr>
+            <a:lvl4pPr marL="1371600" indent="0">
+              <a:buNone/>
+              <a:defRPr sz="1600" b="1"/>
+            </a:lvl4pPr>
+            <a:lvl5pPr marL="1828800" indent="0">
+              <a:buNone/>
+              <a:defRPr sz="1600" b="1"/>
+            </a:lvl5pPr>
+            <a:lvl6pPr marL="2286000" indent="0">
+              <a:buNone/>
+              <a:defRPr sz="1600" b="1"/>
+            </a:lvl6pPr>
+            <a:lvl7pPr marL="2743200" indent="0">
+              <a:buNone/>
+              <a:defRPr sz="1600" b="1"/>
+            </a:lvl7pPr>
+            <a:lvl8pPr marL="3200400" indent="0">
+              <a:buNone/>
+              <a:defRPr sz="1600" b="1"/>
+            </a:lvl8pPr>
+            <a:lvl9pPr marL="3657600" indent="0">
+              <a:buNone/>
+              <a:defRPr sz="1600" b="1"/>
+            </a:lvl9pPr>
+          </a:lstStyle>
+          <a:p>
+            <a:pPr lvl="0"/>
+            <a:r>
+              <a:rPr lang="en-GB" dirty="0"/>
+              <a:t>Click to edit Master text styles</a:t>
+            </a:r>
+          </a:p>
+        </p:txBody>
+      </p:sp>
+      <p:sp>
+        <p:nvSpPr>
+          <p:cNvPr id="12" name="Text Placeholder 2">
+            <a:extLst>
+              <a:ext uri="{FF2B5EF4-FFF2-40B4-BE49-F238E27FC236}">
+                <a16:creationId xmlns:a16="http://schemas.microsoft.com/office/drawing/2014/main" id="{C1D1C92D-1CA6-3445-B852-82DAC6F10050}"/>
+              </a:ext>
+            </a:extLst>
+          </p:cNvPr>
+          <p:cNvSpPr>
+            <a:spLocks noGrp="1"/>
+          </p:cNvSpPr>
+          <p:nvPr>
+            <p:ph type="body" idx="16"/>
+          </p:nvPr>
+        </p:nvSpPr>
+        <p:spPr>
+          <a:xfrm>
+            <a:off x="296168" y="2017394"/>
+            <a:ext cx="4596809" cy="580730"/>
+          </a:xfrm>
+          <a:prstGeom prst="rect">
+            <a:avLst/>
+          </a:prstGeom>
+        </p:spPr>
+        <p:txBody>
+          <a:bodyPr anchor="b">
+            <a:normAutofit/>
+          </a:bodyPr>
+          <a:lstStyle>
+            <a:lvl1pPr marL="0" indent="0">
+              <a:buNone/>
+              <a:defRPr sz="2800" b="0">
+                <a:latin typeface="Calibri" panose="020F0502020204030204" pitchFamily="34" charset="0"/>
+                <a:cs typeface="Calibri" panose="020F0502020204030204" pitchFamily="34" charset="0"/>
+              </a:defRPr>
+            </a:lvl1pPr>
+            <a:lvl2pPr marL="457200" indent="0">
+              <a:buNone/>
+              <a:defRPr sz="2000" b="1"/>
+            </a:lvl2pPr>
+            <a:lvl3pPr marL="914400" indent="0">
+              <a:buNone/>
+              <a:defRPr sz="1800" b="1"/>
+            </a:lvl3pPr>
+            <a:lvl4pPr marL="1371600" indent="0">
+              <a:buNone/>
+              <a:defRPr sz="1600" b="1"/>
+            </a:lvl4pPr>
+            <a:lvl5pPr marL="1828800" indent="0">
+              <a:buNone/>
+              <a:defRPr sz="1600" b="1"/>
+            </a:lvl5pPr>
+            <a:lvl6pPr marL="2286000" indent="0">
+              <a:buNone/>
+              <a:defRPr sz="1600" b="1"/>
+            </a:lvl6pPr>
+            <a:lvl7pPr marL="2743200" indent="0">
+              <a:buNone/>
+              <a:defRPr sz="1600" b="1"/>
+            </a:lvl7pPr>
+            <a:lvl8pPr marL="3200400" indent="0">
+              <a:buNone/>
+              <a:defRPr sz="1600" b="1"/>
+            </a:lvl8pPr>
+            <a:lvl9pPr marL="3657600" indent="0">
+              <a:buNone/>
+              <a:defRPr sz="1600" b="1"/>
+            </a:lvl9pPr>
+          </a:lstStyle>
+          <a:p>
+            <a:pPr lvl="0"/>
+            <a:r>
+              <a:rPr lang="en-GB" dirty="0"/>
+              <a:t>Click to edit Master text styles</a:t>
+            </a:r>
+          </a:p>
+        </p:txBody>
+      </p:sp>
+      <p:sp>
+        <p:nvSpPr>
+          <p:cNvPr id="13" name="Text Placeholder 2">
+            <a:extLst>
+              <a:ext uri="{FF2B5EF4-FFF2-40B4-BE49-F238E27FC236}">
+                <a16:creationId xmlns:a16="http://schemas.microsoft.com/office/drawing/2014/main" id="{8D36CCBE-052C-7449-98FD-45435FDA745E}"/>
+              </a:ext>
+            </a:extLst>
+          </p:cNvPr>
+          <p:cNvSpPr>
+            <a:spLocks noGrp="1"/>
+          </p:cNvSpPr>
+          <p:nvPr>
+            <p:ph type="body" idx="17"/>
+          </p:nvPr>
+        </p:nvSpPr>
+        <p:spPr>
+          <a:xfrm>
+            <a:off x="296167" y="4717953"/>
+            <a:ext cx="4596809" cy="580730"/>
+          </a:xfrm>
+          <a:prstGeom prst="rect">
+            <a:avLst/>
+          </a:prstGeom>
+        </p:spPr>
+        <p:txBody>
+          <a:bodyPr anchor="b">
+            <a:normAutofit/>
+          </a:bodyPr>
+          <a:lstStyle>
+            <a:lvl1pPr marL="0" indent="0">
+              <a:buNone/>
+              <a:defRPr sz="2800" b="0">
+                <a:latin typeface="Calibri" panose="020F0502020204030204" pitchFamily="34" charset="0"/>
+                <a:cs typeface="Calibri" panose="020F0502020204030204" pitchFamily="34" charset="0"/>
+              </a:defRPr>
+            </a:lvl1pPr>
+            <a:lvl2pPr marL="457200" indent="0">
+              <a:buNone/>
+              <a:defRPr sz="2000" b="1"/>
+            </a:lvl2pPr>
+            <a:lvl3pPr marL="914400" indent="0">
+              <a:buNone/>
+              <a:defRPr sz="1800" b="1"/>
+            </a:lvl3pPr>
+            <a:lvl4pPr marL="1371600" indent="0">
+              <a:buNone/>
+              <a:defRPr sz="1600" b="1"/>
+            </a:lvl4pPr>
+            <a:lvl5pPr marL="1828800" indent="0">
+              <a:buNone/>
+              <a:defRPr sz="1600" b="1"/>
+            </a:lvl5pPr>
+            <a:lvl6pPr marL="2286000" indent="0">
+              <a:buNone/>
+              <a:defRPr sz="1600" b="1"/>
+            </a:lvl6pPr>
+            <a:lvl7pPr marL="2743200" indent="0">
+              <a:buNone/>
+              <a:defRPr sz="1600" b="1"/>
+            </a:lvl7pPr>
+            <a:lvl8pPr marL="3200400" indent="0">
+              <a:buNone/>
+              <a:defRPr sz="1600" b="1"/>
+            </a:lvl8pPr>
+            <a:lvl9pPr marL="3657600" indent="0">
+              <a:buNone/>
+              <a:defRPr sz="1600" b="1"/>
+            </a:lvl9pPr>
+          </a:lstStyle>
+          <a:p>
+            <a:pPr lvl="0"/>
+            <a:r>
+              <a:rPr lang="en-GB" dirty="0"/>
+              <a:t>Click to edit Master text styles</a:t>
+            </a:r>
+          </a:p>
+        </p:txBody>
+      </p:sp>
+      <p:sp>
+        <p:nvSpPr>
+          <p:cNvPr id="14" name="Text Placeholder 2">
+            <a:extLst>
+              <a:ext uri="{FF2B5EF4-FFF2-40B4-BE49-F238E27FC236}">
+                <a16:creationId xmlns:a16="http://schemas.microsoft.com/office/drawing/2014/main" id="{F52D43E9-F335-FA49-8CFA-85D9A5548EDD}"/>
+              </a:ext>
+            </a:extLst>
+          </p:cNvPr>
+          <p:cNvSpPr>
+            <a:spLocks noGrp="1"/>
+          </p:cNvSpPr>
+          <p:nvPr>
+            <p:ph type="body" idx="18"/>
+          </p:nvPr>
+        </p:nvSpPr>
+        <p:spPr>
+          <a:xfrm>
+            <a:off x="296166" y="3362443"/>
+            <a:ext cx="4596809" cy="580730"/>
+          </a:xfrm>
+          <a:prstGeom prst="rect">
+            <a:avLst/>
+          </a:prstGeom>
+        </p:spPr>
+        <p:txBody>
+          <a:bodyPr anchor="b">
+            <a:normAutofit/>
+          </a:bodyPr>
+          <a:lstStyle>
+            <a:lvl1pPr marL="0" indent="0">
+              <a:buNone/>
+              <a:defRPr sz="2800" b="0">
+                <a:latin typeface="Calibri" panose="020F0502020204030204" pitchFamily="34" charset="0"/>
+                <a:cs typeface="Calibri" panose="020F0502020204030204" pitchFamily="34" charset="0"/>
+              </a:defRPr>
+            </a:lvl1pPr>
+            <a:lvl2pPr marL="457200" indent="0">
+              <a:buNone/>
+              <a:defRPr sz="2000" b="1"/>
+            </a:lvl2pPr>
+            <a:lvl3pPr marL="914400" indent="0">
+              <a:buNone/>
+              <a:defRPr sz="1800" b="1"/>
+            </a:lvl3pPr>
+            <a:lvl4pPr marL="1371600" indent="0">
+              <a:buNone/>
+              <a:defRPr sz="1600" b="1"/>
+            </a:lvl4pPr>
+            <a:lvl5pPr marL="1828800" indent="0">
+              <a:buNone/>
+              <a:defRPr sz="1600" b="1"/>
+            </a:lvl5pPr>
+            <a:lvl6pPr marL="2286000" indent="0">
+              <a:buNone/>
+              <a:defRPr sz="1600" b="1"/>
+            </a:lvl6pPr>
+            <a:lvl7pPr marL="2743200" indent="0">
+              <a:buNone/>
+              <a:defRPr sz="1600" b="1"/>
+            </a:lvl7pPr>
+            <a:lvl8pPr marL="3200400" indent="0">
+              <a:buNone/>
+              <a:defRPr sz="1600" b="1"/>
+            </a:lvl8pPr>
+            <a:lvl9pPr marL="3657600" indent="0">
+              <a:buNone/>
+              <a:defRPr sz="1600" b="1"/>
+            </a:lvl9pPr>
+          </a:lstStyle>
+          <a:p>
+            <a:pPr lvl="0"/>
+            <a:r>
+              <a:rPr lang="en-GB" dirty="0"/>
+              <a:t>Click to edit Master text styles</a:t>
+            </a:r>
+          </a:p>
+        </p:txBody>
+      </p:sp>
+    </p:spTree>
+    <p:extLst>
+      <p:ext uri="{BB962C8B-B14F-4D97-AF65-F5344CB8AC3E}">
+        <p14:creationId xmlns:p14="http://schemas.microsoft.com/office/powerpoint/2010/main" val="1251850403"/>
+      </p:ext>
+    </p:extLst>
+  </p:cSld>
+  <p:clrMapOvr>
+    <a:masterClrMapping/>
+  </p:clrMapOvr>
+</p:sldLayout>
+</file>
+
+<file path=ppt/slideLayouts/slideLayout23.xml><?xml version="1.0" encoding="utf-8"?>
+<p:sldLayout xmlns:a="http://schemas.openxmlformats.org/drawingml/2006/main" xmlns:r="http://schemas.openxmlformats.org/officeDocument/2006/relationships" xmlns:p="http://schemas.openxmlformats.org/presentationml/2006/main" preserve="1" userDrawn="1">
+  <p:cSld name="Comparison">
+    <p:spTree>
+      <p:nvGrpSpPr>
+        <p:cNvPr id="1" name=""/>
+        <p:cNvGrpSpPr/>
+        <p:nvPr/>
+      </p:nvGrpSpPr>
+      <p:grpSpPr>
+        <a:xfrm>
+          <a:off x="0" y="0"/>
+          <a:ext cx="0" cy="0"/>
+          <a:chOff x="0" y="0"/>
+          <a:chExt cx="0" cy="0"/>
+        </a:xfrm>
+      </p:grpSpPr>
+      <p:sp>
+        <p:nvSpPr>
+          <p:cNvPr id="3" name="Text Placeholder 2">
+            <a:extLst>
+              <a:ext uri="{FF2B5EF4-FFF2-40B4-BE49-F238E27FC236}">
+                <a16:creationId xmlns:a16="http://schemas.microsoft.com/office/drawing/2014/main" id="{24F02496-467F-5949-B8BA-F462D95B6454}"/>
+              </a:ext>
+            </a:extLst>
+          </p:cNvPr>
+          <p:cNvSpPr>
+            <a:spLocks noGrp="1"/>
+          </p:cNvSpPr>
+          <p:nvPr>
+            <p:ph type="body" idx="1"/>
+          </p:nvPr>
+        </p:nvSpPr>
+        <p:spPr>
+          <a:xfrm>
+            <a:off x="839788" y="1334409"/>
+            <a:ext cx="5157787" cy="580730"/>
+          </a:xfrm>
+          <a:prstGeom prst="rect">
+            <a:avLst/>
+          </a:prstGeom>
+        </p:spPr>
+        <p:txBody>
+          <a:bodyPr anchor="b">
+            <a:normAutofit/>
+          </a:bodyPr>
+          <a:lstStyle>
+            <a:lvl1pPr marL="0" indent="0">
+              <a:buNone/>
+              <a:defRPr sz="2800" b="1">
+                <a:latin typeface="Calibri" panose="020F0502020204030204" pitchFamily="34" charset="0"/>
+                <a:cs typeface="Calibri" panose="020F0502020204030204" pitchFamily="34" charset="0"/>
+              </a:defRPr>
+            </a:lvl1pPr>
+            <a:lvl2pPr marL="457200" indent="0">
+              <a:buNone/>
+              <a:defRPr sz="2000" b="1"/>
+            </a:lvl2pPr>
+            <a:lvl3pPr marL="914400" indent="0">
+              <a:buNone/>
+              <a:defRPr sz="1800" b="1"/>
+            </a:lvl3pPr>
+            <a:lvl4pPr marL="1371600" indent="0">
+              <a:buNone/>
+              <a:defRPr sz="1600" b="1"/>
+            </a:lvl4pPr>
+            <a:lvl5pPr marL="1828800" indent="0">
+              <a:buNone/>
+              <a:defRPr sz="1600" b="1"/>
+            </a:lvl5pPr>
+            <a:lvl6pPr marL="2286000" indent="0">
+              <a:buNone/>
+              <a:defRPr sz="1600" b="1"/>
+            </a:lvl6pPr>
+            <a:lvl7pPr marL="2743200" indent="0">
+              <a:buNone/>
+              <a:defRPr sz="1600" b="1"/>
+            </a:lvl7pPr>
+            <a:lvl8pPr marL="3200400" indent="0">
+              <a:buNone/>
+              <a:defRPr sz="1600" b="1"/>
+            </a:lvl8pPr>
+            <a:lvl9pPr marL="3657600" indent="0">
+              <a:buNone/>
+              <a:defRPr sz="1600" b="1"/>
+            </a:lvl9pPr>
+          </a:lstStyle>
+          <a:p>
+            <a:pPr lvl="0"/>
+            <a:r>
+              <a:rPr lang="en-GB" dirty="0"/>
+              <a:t>Click to edit Master text styles</a:t>
+            </a:r>
+          </a:p>
+        </p:txBody>
+      </p:sp>
+      <p:sp>
+        <p:nvSpPr>
+          <p:cNvPr id="4" name="Content Placeholder 3">
+            <a:extLst>
+              <a:ext uri="{FF2B5EF4-FFF2-40B4-BE49-F238E27FC236}">
+                <a16:creationId xmlns:a16="http://schemas.microsoft.com/office/drawing/2014/main" id="{41BE269B-E567-1B4C-9825-76F0D30ADC6B}"/>
+              </a:ext>
+            </a:extLst>
+          </p:cNvPr>
+          <p:cNvSpPr>
+            <a:spLocks noGrp="1"/>
+          </p:cNvSpPr>
+          <p:nvPr>
+            <p:ph sz="half" idx="2"/>
+          </p:nvPr>
+        </p:nvSpPr>
+        <p:spPr>
+          <a:xfrm>
+            <a:off x="839788" y="2269100"/>
+            <a:ext cx="5157787" cy="3684588"/>
+          </a:xfrm>
+          <a:prstGeom prst="rect">
+            <a:avLst/>
+          </a:prstGeom>
+        </p:spPr>
+        <p:txBody>
+          <a:bodyPr/>
+          <a:lstStyle/>
+          <a:p>
+            <a:pPr lvl="0"/>
+            <a:r>
+              <a:rPr lang="en-GB" dirty="0"/>
+              <a:t>Click to edit Master text styles</a:t>
+            </a:r>
+          </a:p>
+          <a:p>
+            <a:pPr lvl="1"/>
+            <a:r>
+              <a:rPr lang="en-GB" dirty="0"/>
+              <a:t>Second level</a:t>
+            </a:r>
+          </a:p>
+          <a:p>
+            <a:pPr lvl="2"/>
+            <a:r>
+              <a:rPr lang="en-GB" dirty="0"/>
+              <a:t>Third level</a:t>
+            </a:r>
+          </a:p>
+          <a:p>
+            <a:pPr lvl="3"/>
+            <a:r>
+              <a:rPr lang="en-GB" dirty="0"/>
+              <a:t>Fourth level</a:t>
+            </a:r>
+          </a:p>
+          <a:p>
+            <a:pPr lvl="4"/>
+            <a:r>
+              <a:rPr lang="en-GB" dirty="0"/>
+              <a:t>Fifth level</a:t>
+            </a:r>
+            <a:endParaRPr lang="en-CH" dirty="0"/>
+          </a:p>
+        </p:txBody>
+      </p:sp>
+      <p:sp>
+        <p:nvSpPr>
+          <p:cNvPr id="5" name="Text Placeholder 4">
+            <a:extLst>
+              <a:ext uri="{FF2B5EF4-FFF2-40B4-BE49-F238E27FC236}">
+                <a16:creationId xmlns:a16="http://schemas.microsoft.com/office/drawing/2014/main" id="{78E657F9-9844-B640-800D-8F7BBC0EF1A6}"/>
+              </a:ext>
+            </a:extLst>
+          </p:cNvPr>
+          <p:cNvSpPr>
+            <a:spLocks noGrp="1"/>
+          </p:cNvSpPr>
+          <p:nvPr>
+            <p:ph type="body" sz="quarter" idx="3"/>
+          </p:nvPr>
+        </p:nvSpPr>
+        <p:spPr>
+          <a:xfrm>
+            <a:off x="6172200" y="1334409"/>
+            <a:ext cx="5183188" cy="580730"/>
+          </a:xfrm>
+          <a:prstGeom prst="rect">
+            <a:avLst/>
+          </a:prstGeom>
+        </p:spPr>
+        <p:txBody>
+          <a:bodyPr anchor="b">
+            <a:normAutofit/>
+          </a:bodyPr>
+          <a:lstStyle>
+            <a:lvl1pPr marL="0" indent="0">
+              <a:buNone/>
+              <a:defRPr sz="2800" b="1">
+                <a:latin typeface="Calibri" panose="020F0502020204030204" pitchFamily="34" charset="0"/>
+                <a:cs typeface="Calibri" panose="020F0502020204030204" pitchFamily="34" charset="0"/>
+              </a:defRPr>
+            </a:lvl1pPr>
+            <a:lvl2pPr marL="457200" indent="0">
+              <a:buNone/>
+              <a:defRPr sz="2000" b="1"/>
+            </a:lvl2pPr>
+            <a:lvl3pPr marL="914400" indent="0">
+              <a:buNone/>
+              <a:defRPr sz="1800" b="1"/>
+            </a:lvl3pPr>
+            <a:lvl4pPr marL="1371600" indent="0">
+              <a:buNone/>
+              <a:defRPr sz="1600" b="1"/>
+            </a:lvl4pPr>
+            <a:lvl5pPr marL="1828800" indent="0">
+              <a:buNone/>
+              <a:defRPr sz="1600" b="1"/>
+            </a:lvl5pPr>
+            <a:lvl6pPr marL="2286000" indent="0">
+              <a:buNone/>
+              <a:defRPr sz="1600" b="1"/>
+            </a:lvl6pPr>
+            <a:lvl7pPr marL="2743200" indent="0">
+              <a:buNone/>
+              <a:defRPr sz="1600" b="1"/>
+            </a:lvl7pPr>
+            <a:lvl8pPr marL="3200400" indent="0">
+              <a:buNone/>
+              <a:defRPr sz="1600" b="1"/>
+            </a:lvl8pPr>
+            <a:lvl9pPr marL="3657600" indent="0">
+              <a:buNone/>
+              <a:defRPr sz="1600" b="1"/>
+            </a:lvl9pPr>
+          </a:lstStyle>
+          <a:p>
+            <a:pPr lvl="0"/>
+            <a:r>
+              <a:rPr lang="en-GB" dirty="0"/>
+              <a:t>Click to edit Master text styles</a:t>
+            </a:r>
+          </a:p>
+        </p:txBody>
+      </p:sp>
+      <p:sp>
+        <p:nvSpPr>
+          <p:cNvPr id="6" name="Content Placeholder 5">
+            <a:extLst>
+              <a:ext uri="{FF2B5EF4-FFF2-40B4-BE49-F238E27FC236}">
+                <a16:creationId xmlns:a16="http://schemas.microsoft.com/office/drawing/2014/main" id="{D5192A68-8DCD-2043-AF50-D847D452465F}"/>
+              </a:ext>
+            </a:extLst>
+          </p:cNvPr>
+          <p:cNvSpPr>
+            <a:spLocks noGrp="1"/>
+          </p:cNvSpPr>
+          <p:nvPr>
+            <p:ph sz="quarter" idx="4"/>
+          </p:nvPr>
+        </p:nvSpPr>
+        <p:spPr>
+          <a:xfrm>
+            <a:off x="6172200" y="2269100"/>
+            <a:ext cx="5183188" cy="3684588"/>
+          </a:xfrm>
+          <a:prstGeom prst="rect">
+            <a:avLst/>
+          </a:prstGeom>
+        </p:spPr>
+        <p:txBody>
+          <a:bodyPr/>
+          <a:lstStyle/>
+          <a:p>
+            <a:pPr lvl="0"/>
+            <a:r>
+              <a:rPr lang="en-GB"/>
+              <a:t>Click to edit Master text styles</a:t>
+            </a:r>
+          </a:p>
+          <a:p>
+            <a:pPr lvl="1"/>
+            <a:r>
+              <a:rPr lang="en-GB"/>
+              <a:t>Second level</a:t>
+            </a:r>
+          </a:p>
+          <a:p>
+            <a:pPr lvl="2"/>
+            <a:r>
+              <a:rPr lang="en-GB"/>
+              <a:t>Third level</a:t>
+            </a:r>
+          </a:p>
+          <a:p>
+            <a:pPr lvl="3"/>
+            <a:r>
+              <a:rPr lang="en-GB"/>
+              <a:t>Fourth level</a:t>
+            </a:r>
+          </a:p>
+          <a:p>
+            <a:pPr lvl="4"/>
+            <a:r>
+              <a:rPr lang="en-GB"/>
+              <a:t>Fifth level</a:t>
+            </a:r>
+            <a:endParaRPr lang="en-CH"/>
+          </a:p>
+        </p:txBody>
+      </p:sp>
+      <p:sp>
+        <p:nvSpPr>
+          <p:cNvPr id="7" name="Title Placeholder 5">
+            <a:extLst>
+              <a:ext uri="{FF2B5EF4-FFF2-40B4-BE49-F238E27FC236}">
+                <a16:creationId xmlns:a16="http://schemas.microsoft.com/office/drawing/2014/main" id="{C085401B-3FFE-3A4A-992E-256DFEEFCED6}"/>
+              </a:ext>
+            </a:extLst>
+          </p:cNvPr>
+          <p:cNvSpPr>
+            <a:spLocks noGrp="1"/>
+          </p:cNvSpPr>
+          <p:nvPr>
+            <p:ph type="title"/>
+          </p:nvPr>
+        </p:nvSpPr>
+        <p:spPr>
+          <a:xfrm>
+            <a:off x="864404" y="464550"/>
+            <a:ext cx="10516195" cy="580729"/>
+          </a:xfrm>
+          <a:prstGeom prst="rect">
+            <a:avLst/>
+          </a:prstGeom>
+        </p:spPr>
+        <p:txBody>
+          <a:bodyPr vert="horz" lIns="0" tIns="468000" rIns="0" bIns="0" rtlCol="0" anchor="ctr" anchorCtr="0">
+            <a:normAutofit/>
+          </a:bodyPr>
+          <a:lstStyle/>
+          <a:p>
+            <a:r>
+              <a:rPr lang="en-US" dirty="0"/>
+              <a:t>Click to edit Master title style</a:t>
+            </a:r>
+          </a:p>
+        </p:txBody>
+      </p:sp>
+      <p:sp>
+        <p:nvSpPr>
+          <p:cNvPr id="12" name="Text Placeholder 7">
+            <a:extLst>
+              <a:ext uri="{FF2B5EF4-FFF2-40B4-BE49-F238E27FC236}">
+                <a16:creationId xmlns:a16="http://schemas.microsoft.com/office/drawing/2014/main" id="{6071F9A2-C78B-8C45-B5A3-EB36B27CACE0}"/>
+              </a:ext>
+            </a:extLst>
+          </p:cNvPr>
+          <p:cNvSpPr>
+            <a:spLocks noGrp="1"/>
+          </p:cNvSpPr>
+          <p:nvPr>
+            <p:ph type="body" sz="quarter" idx="13" hasCustomPrompt="1"/>
+          </p:nvPr>
+        </p:nvSpPr>
+        <p:spPr>
+          <a:xfrm>
+            <a:off x="8786813" y="6212355"/>
+            <a:ext cx="3109020" cy="338051"/>
+          </a:xfrm>
+        </p:spPr>
+        <p:txBody>
+          <a:bodyPr>
+            <a:noAutofit/>
+          </a:bodyPr>
+          <a:lstStyle>
+            <a:lvl1pPr algn="r">
+              <a:defRPr sz="2000" i="1">
+                <a:latin typeface="Calibri" panose="020F0502020204030204" pitchFamily="34" charset="0"/>
+                <a:cs typeface="Calibri" panose="020F0502020204030204" pitchFamily="34" charset="0"/>
+              </a:defRPr>
+            </a:lvl1pPr>
+          </a:lstStyle>
+          <a:p>
+            <a:pPr lvl="0"/>
+            <a:r>
+              <a:rPr lang="en-US" dirty="0"/>
+              <a:t>Citation</a:t>
+            </a:r>
+          </a:p>
+        </p:txBody>
+      </p:sp>
+      <p:sp>
+        <p:nvSpPr>
+          <p:cNvPr id="13" name="Slide Number Placeholder 11">
+            <a:extLst>
+              <a:ext uri="{FF2B5EF4-FFF2-40B4-BE49-F238E27FC236}">
+                <a16:creationId xmlns:a16="http://schemas.microsoft.com/office/drawing/2014/main" id="{DBC65F4A-1E6E-A847-900D-30E97506DB3D}"/>
+              </a:ext>
+            </a:extLst>
+          </p:cNvPr>
+          <p:cNvSpPr>
+            <a:spLocks noGrp="1"/>
+          </p:cNvSpPr>
+          <p:nvPr>
+            <p:ph type="sldNum" sz="quarter" idx="14"/>
+          </p:nvPr>
+        </p:nvSpPr>
+        <p:spPr>
+          <a:xfrm>
+            <a:off x="11354098" y="6561039"/>
+            <a:ext cx="541764" cy="365001"/>
+          </a:xfrm>
+          <a:prstGeom prst="rect">
+            <a:avLst/>
+          </a:prstGeom>
+        </p:spPr>
+        <p:txBody>
+          <a:bodyPr vert="horz" lIns="91440" tIns="45720" rIns="91440" bIns="45720" rtlCol="0" anchor="ctr"/>
+          <a:lstStyle>
+            <a:lvl1pPr algn="r">
+              <a:defRPr sz="1800" b="1">
+                <a:solidFill>
+                  <a:schemeClr val="tx1"/>
+                </a:solidFill>
+                <a:latin typeface="Calibri" panose="020F0502020204030204" pitchFamily="34" charset="0"/>
+                <a:ea typeface="Helvetica Neue" panose="02000503000000020004" pitchFamily="2" charset="0"/>
+                <a:cs typeface="Calibri" panose="020F0502020204030204" pitchFamily="34" charset="0"/>
+              </a:defRPr>
+            </a:lvl1pPr>
+          </a:lstStyle>
+          <a:p>
+            <a:fld id="{E27620C3-0466-3444-9C0E-A1700790CD0F}" type="slidenum">
+              <a:rPr lang="en-US" smtClean="0"/>
+              <a:pPr/>
+              <a:t>‹#›</a:t>
+            </a:fld>
+            <a:endParaRPr lang="en-US" dirty="0"/>
+          </a:p>
+        </p:txBody>
+      </p:sp>
+    </p:spTree>
+    <p:extLst>
+      <p:ext uri="{BB962C8B-B14F-4D97-AF65-F5344CB8AC3E}">
+        <p14:creationId xmlns:p14="http://schemas.microsoft.com/office/powerpoint/2010/main" val="4055087185"/>
+      </p:ext>
+    </p:extLst>
+  </p:cSld>
+  <p:clrMapOvr>
+    <a:masterClrMapping/>
+  </p:clrMapOvr>
+</p:sldLayout>
+</file>
+
+<file path=ppt/slideLayouts/slideLayout24.xml><?xml version="1.0" encoding="utf-8"?>
+<p:sldLayout xmlns:a="http://schemas.openxmlformats.org/drawingml/2006/main" xmlns:r="http://schemas.openxmlformats.org/officeDocument/2006/relationships" xmlns:p="http://schemas.openxmlformats.org/presentationml/2006/main" preserve="1" userDrawn="1">
+  <p:cSld name="Two Content">
+    <p:spTree>
+      <p:nvGrpSpPr>
+        <p:cNvPr id="1" name=""/>
+        <p:cNvGrpSpPr/>
+        <p:nvPr/>
+      </p:nvGrpSpPr>
+      <p:grpSpPr>
+        <a:xfrm>
+          <a:off x="0" y="0"/>
+          <a:ext cx="0" cy="0"/>
+          <a:chOff x="0" y="0"/>
+          <a:chExt cx="0" cy="0"/>
+        </a:xfrm>
+      </p:grpSpPr>
+      <p:sp>
+        <p:nvSpPr>
+          <p:cNvPr id="3" name="Content Placeholder 2">
+            <a:extLst>
+              <a:ext uri="{FF2B5EF4-FFF2-40B4-BE49-F238E27FC236}">
+                <a16:creationId xmlns:a16="http://schemas.microsoft.com/office/drawing/2014/main" id="{BBD5D69B-EC5A-4048-9801-AE582E2FBBC2}"/>
+              </a:ext>
+            </a:extLst>
+          </p:cNvPr>
+          <p:cNvSpPr>
+            <a:spLocks noGrp="1"/>
+          </p:cNvSpPr>
+          <p:nvPr>
+            <p:ph sz="half" idx="1"/>
+          </p:nvPr>
+        </p:nvSpPr>
+        <p:spPr>
+          <a:xfrm>
+            <a:off x="838200" y="1560152"/>
+            <a:ext cx="5181600" cy="4351338"/>
+          </a:xfrm>
+          <a:prstGeom prst="rect">
+            <a:avLst/>
+          </a:prstGeom>
+        </p:spPr>
+        <p:txBody>
+          <a:bodyPr/>
+          <a:lstStyle/>
+          <a:p>
+            <a:pPr lvl="0"/>
+            <a:r>
+              <a:rPr lang="en-GB"/>
+              <a:t>Click to edit Master text styles</a:t>
+            </a:r>
+          </a:p>
+          <a:p>
+            <a:pPr lvl="1"/>
+            <a:r>
+              <a:rPr lang="en-GB"/>
+              <a:t>Second level</a:t>
+            </a:r>
+          </a:p>
+          <a:p>
+            <a:pPr lvl="2"/>
+            <a:r>
+              <a:rPr lang="en-GB"/>
+              <a:t>Third level</a:t>
+            </a:r>
+          </a:p>
+          <a:p>
+            <a:pPr lvl="3"/>
+            <a:r>
+              <a:rPr lang="en-GB"/>
+              <a:t>Fourth level</a:t>
+            </a:r>
+          </a:p>
+          <a:p>
+            <a:pPr lvl="4"/>
+            <a:r>
+              <a:rPr lang="en-GB"/>
+              <a:t>Fifth level</a:t>
+            </a:r>
+            <a:endParaRPr lang="en-CH"/>
+          </a:p>
+        </p:txBody>
+      </p:sp>
+      <p:sp>
+        <p:nvSpPr>
+          <p:cNvPr id="4" name="Content Placeholder 3">
+            <a:extLst>
+              <a:ext uri="{FF2B5EF4-FFF2-40B4-BE49-F238E27FC236}">
+                <a16:creationId xmlns:a16="http://schemas.microsoft.com/office/drawing/2014/main" id="{E998382A-C5B1-1B4A-B2F4-4F15C6C24826}"/>
+              </a:ext>
+            </a:extLst>
+          </p:cNvPr>
+          <p:cNvSpPr>
+            <a:spLocks noGrp="1"/>
+          </p:cNvSpPr>
+          <p:nvPr>
+            <p:ph sz="half" idx="2"/>
+          </p:nvPr>
+        </p:nvSpPr>
+        <p:spPr>
+          <a:xfrm>
+            <a:off x="6172200" y="1560152"/>
+            <a:ext cx="5181600" cy="4351338"/>
+          </a:xfrm>
+          <a:prstGeom prst="rect">
+            <a:avLst/>
+          </a:prstGeom>
+        </p:spPr>
+        <p:txBody>
+          <a:bodyPr/>
+          <a:lstStyle/>
+          <a:p>
+            <a:pPr lvl="0"/>
+            <a:r>
+              <a:rPr lang="en-GB"/>
+              <a:t>Click to edit Master text styles</a:t>
+            </a:r>
+          </a:p>
+          <a:p>
+            <a:pPr lvl="1"/>
+            <a:r>
+              <a:rPr lang="en-GB"/>
+              <a:t>Second level</a:t>
+            </a:r>
+          </a:p>
+          <a:p>
+            <a:pPr lvl="2"/>
+            <a:r>
+              <a:rPr lang="en-GB"/>
+              <a:t>Third level</a:t>
+            </a:r>
+          </a:p>
+          <a:p>
+            <a:pPr lvl="3"/>
+            <a:r>
+              <a:rPr lang="en-GB"/>
+              <a:t>Fourth level</a:t>
+            </a:r>
+          </a:p>
+          <a:p>
+            <a:pPr lvl="4"/>
+            <a:r>
+              <a:rPr lang="en-GB"/>
+              <a:t>Fifth level</a:t>
+            </a:r>
+            <a:endParaRPr lang="en-CH"/>
+          </a:p>
+        </p:txBody>
+      </p:sp>
+      <p:sp>
+        <p:nvSpPr>
+          <p:cNvPr id="5" name="Title Placeholder 5">
+            <a:extLst>
+              <a:ext uri="{FF2B5EF4-FFF2-40B4-BE49-F238E27FC236}">
+                <a16:creationId xmlns:a16="http://schemas.microsoft.com/office/drawing/2014/main" id="{7053A63D-0261-BC4D-B894-8FCEC65A4AED}"/>
+              </a:ext>
+            </a:extLst>
+          </p:cNvPr>
+          <p:cNvSpPr>
+            <a:spLocks noGrp="1"/>
+          </p:cNvSpPr>
+          <p:nvPr>
+            <p:ph type="title"/>
+          </p:nvPr>
+        </p:nvSpPr>
+        <p:spPr>
+          <a:xfrm>
+            <a:off x="864404" y="464550"/>
+            <a:ext cx="10516195" cy="580729"/>
+          </a:xfrm>
+          <a:prstGeom prst="rect">
+            <a:avLst/>
+          </a:prstGeom>
+        </p:spPr>
+        <p:txBody>
+          <a:bodyPr vert="horz" lIns="0" tIns="468000" rIns="0" bIns="0" rtlCol="0" anchor="ctr" anchorCtr="0">
+            <a:normAutofit/>
+          </a:bodyPr>
+          <a:lstStyle/>
+          <a:p>
+            <a:r>
+              <a:rPr lang="en-US" dirty="0"/>
+              <a:t>Click to edit Master title style</a:t>
+            </a:r>
+          </a:p>
+        </p:txBody>
+      </p:sp>
+      <p:sp>
+        <p:nvSpPr>
+          <p:cNvPr id="7" name="Text Placeholder 7">
+            <a:extLst>
+              <a:ext uri="{FF2B5EF4-FFF2-40B4-BE49-F238E27FC236}">
+                <a16:creationId xmlns:a16="http://schemas.microsoft.com/office/drawing/2014/main" id="{FA7F12B4-06AC-1F4F-BA99-9D9CBE97CC0B}"/>
+              </a:ext>
+            </a:extLst>
+          </p:cNvPr>
+          <p:cNvSpPr>
+            <a:spLocks noGrp="1"/>
+          </p:cNvSpPr>
+          <p:nvPr>
+            <p:ph type="body" sz="quarter" idx="13" hasCustomPrompt="1"/>
+          </p:nvPr>
+        </p:nvSpPr>
+        <p:spPr>
+          <a:xfrm>
+            <a:off x="8786813" y="6212355"/>
+            <a:ext cx="3109020" cy="338051"/>
+          </a:xfrm>
+        </p:spPr>
+        <p:txBody>
+          <a:bodyPr>
+            <a:noAutofit/>
+          </a:bodyPr>
+          <a:lstStyle>
+            <a:lvl1pPr algn="r">
+              <a:defRPr sz="2000" i="1">
+                <a:latin typeface="Calibri" panose="020F0502020204030204" pitchFamily="34" charset="0"/>
+                <a:cs typeface="Calibri" panose="020F0502020204030204" pitchFamily="34" charset="0"/>
+              </a:defRPr>
+            </a:lvl1pPr>
+          </a:lstStyle>
+          <a:p>
+            <a:pPr lvl="0"/>
+            <a:r>
+              <a:rPr lang="en-US" dirty="0"/>
+              <a:t>Citation</a:t>
+            </a:r>
+          </a:p>
+        </p:txBody>
+      </p:sp>
+      <p:sp>
+        <p:nvSpPr>
+          <p:cNvPr id="8" name="Slide Number Placeholder 11">
+            <a:extLst>
+              <a:ext uri="{FF2B5EF4-FFF2-40B4-BE49-F238E27FC236}">
+                <a16:creationId xmlns:a16="http://schemas.microsoft.com/office/drawing/2014/main" id="{E29C608F-1D21-E442-8CA4-163897CE9DC1}"/>
+              </a:ext>
+            </a:extLst>
+          </p:cNvPr>
+          <p:cNvSpPr>
+            <a:spLocks noGrp="1"/>
+          </p:cNvSpPr>
+          <p:nvPr>
+            <p:ph type="sldNum" sz="quarter" idx="4"/>
+          </p:nvPr>
+        </p:nvSpPr>
+        <p:spPr>
+          <a:xfrm>
+            <a:off x="11354098" y="6550406"/>
+            <a:ext cx="541764" cy="365001"/>
+          </a:xfrm>
+          <a:prstGeom prst="rect">
+            <a:avLst/>
+          </a:prstGeom>
+        </p:spPr>
+        <p:txBody>
+          <a:bodyPr vert="horz" lIns="91440" tIns="45720" rIns="91440" bIns="45720" rtlCol="0" anchor="ctr"/>
+          <a:lstStyle>
+            <a:lvl1pPr algn="r">
+              <a:defRPr sz="1800" b="1">
+                <a:solidFill>
+                  <a:schemeClr val="tx1"/>
+                </a:solidFill>
+                <a:latin typeface="Calibri" panose="020F0502020204030204" pitchFamily="34" charset="0"/>
+                <a:ea typeface="Helvetica Neue" panose="02000503000000020004" pitchFamily="2" charset="0"/>
+                <a:cs typeface="Calibri" panose="020F0502020204030204" pitchFamily="34" charset="0"/>
+              </a:defRPr>
+            </a:lvl1pPr>
+          </a:lstStyle>
+          <a:p>
+            <a:fld id="{E27620C3-0466-3444-9C0E-A1700790CD0F}" type="slidenum">
+              <a:rPr lang="en-US" smtClean="0"/>
+              <a:pPr/>
+              <a:t>‹#›</a:t>
+            </a:fld>
+            <a:endParaRPr lang="en-US" dirty="0"/>
+          </a:p>
+        </p:txBody>
+      </p:sp>
+    </p:spTree>
+    <p:extLst>
+      <p:ext uri="{BB962C8B-B14F-4D97-AF65-F5344CB8AC3E}">
+        <p14:creationId xmlns:p14="http://schemas.microsoft.com/office/powerpoint/2010/main" val="3887783854"/>
       </p:ext>
     </p:extLst>
   </p:cSld>
@@ -1158,7 +5240,7 @@
           <a:p>
             <a:fld id="{C09AFAD3-4891-3243-8451-D90C3E87E3DB}" type="datetimeFigureOut">
               <a:rPr lang="en-CH" smtClean="0"/>
-              <a:t>03.09.23</a:t>
+              <a:t>27.12.24</a:t>
             </a:fld>
             <a:endParaRPr lang="en-CH"/>
           </a:p>
@@ -1426,7 +5508,7 @@
           <a:p>
             <a:fld id="{C09AFAD3-4891-3243-8451-D90C3E87E3DB}" type="datetimeFigureOut">
               <a:rPr lang="en-CH" smtClean="0"/>
-              <a:t>03.09.23</a:t>
+              <a:t>27.12.24</a:t>
             </a:fld>
             <a:endParaRPr lang="en-CH"/>
           </a:p>
@@ -1841,7 +5923,7 @@
           <a:p>
             <a:fld id="{C09AFAD3-4891-3243-8451-D90C3E87E3DB}" type="datetimeFigureOut">
               <a:rPr lang="en-CH" smtClean="0"/>
-              <a:t>03.09.23</a:t>
+              <a:t>27.12.24</a:t>
             </a:fld>
             <a:endParaRPr lang="en-CH"/>
           </a:p>
@@ -1983,7 +6065,7 @@
           <a:p>
             <a:fld id="{C09AFAD3-4891-3243-8451-D90C3E87E3DB}" type="datetimeFigureOut">
               <a:rPr lang="en-CH" smtClean="0"/>
-              <a:t>03.09.23</a:t>
+              <a:t>27.12.24</a:t>
             </a:fld>
             <a:endParaRPr lang="en-CH"/>
           </a:p>
@@ -2096,7 +6178,7 @@
           <a:p>
             <a:fld id="{C09AFAD3-4891-3243-8451-D90C3E87E3DB}" type="datetimeFigureOut">
               <a:rPr lang="en-CH" smtClean="0"/>
-              <a:t>03.09.23</a:t>
+              <a:t>27.12.24</a:t>
             </a:fld>
             <a:endParaRPr lang="en-CH"/>
           </a:p>
@@ -2409,7 +6491,7 @@
           <a:p>
             <a:fld id="{C09AFAD3-4891-3243-8451-D90C3E87E3DB}" type="datetimeFigureOut">
               <a:rPr lang="en-CH" smtClean="0"/>
-              <a:t>03.09.23</a:t>
+              <a:t>27.12.24</a:t>
             </a:fld>
             <a:endParaRPr lang="en-CH"/>
           </a:p>
@@ -2698,7 +6780,7 @@
           <a:p>
             <a:fld id="{C09AFAD3-4891-3243-8451-D90C3E87E3DB}" type="datetimeFigureOut">
               <a:rPr lang="en-CH" smtClean="0"/>
-              <a:t>03.09.23</a:t>
+              <a:t>27.12.24</a:t>
             </a:fld>
             <a:endParaRPr lang="en-CH"/>
           </a:p>
@@ -2941,7 +7023,7 @@
           <a:p>
             <a:fld id="{C09AFAD3-4891-3243-8451-D90C3E87E3DB}" type="datetimeFigureOut">
               <a:rPr lang="en-CH" smtClean="0"/>
-              <a:t>03.09.23</a:t>
+              <a:t>27.12.24</a:t>
             </a:fld>
             <a:endParaRPr lang="en-CH"/>
           </a:p>
@@ -3341,6 +7423,564 @@
 </p:sldMaster>
 </file>
 
+<file path=ppt/slideMasters/slideMaster2.xml><?xml version="1.0" encoding="utf-8"?>
+<p:sldMaster xmlns:a="http://schemas.openxmlformats.org/drawingml/2006/main" xmlns:r="http://schemas.openxmlformats.org/officeDocument/2006/relationships" xmlns:p="http://schemas.openxmlformats.org/presentationml/2006/main" preserve="1">
+  <p:cSld>
+    <p:bg>
+      <p:bgPr>
+        <a:solidFill>
+          <a:srgbClr val="FFFFFF"/>
+        </a:solidFill>
+        <a:effectLst/>
+      </p:bgPr>
+    </p:bg>
+    <p:spTree>
+      <p:nvGrpSpPr>
+        <p:cNvPr id="1" name=""/>
+        <p:cNvGrpSpPr/>
+        <p:nvPr/>
+      </p:nvGrpSpPr>
+      <p:grpSpPr>
+        <a:xfrm>
+          <a:off x="0" y="0"/>
+          <a:ext cx="0" cy="0"/>
+          <a:chOff x="0" y="0"/>
+          <a:chExt cx="0" cy="0"/>
+        </a:xfrm>
+      </p:grpSpPr>
+      <p:sp>
+        <p:nvSpPr>
+          <p:cNvPr id="46" name="Line 3"/>
+          <p:cNvSpPr/>
+          <p:nvPr/>
+        </p:nvSpPr>
+        <p:spPr>
+          <a:xfrm>
+            <a:off x="197438" y="1149621"/>
+            <a:ext cx="11796975" cy="0"/>
+          </a:xfrm>
+          <a:prstGeom prst="line">
+            <a:avLst/>
+          </a:prstGeom>
+          <a:ln w="38100">
+            <a:solidFill>
+              <a:schemeClr val="tx2">
+                <a:lumMod val="40000"/>
+                <a:lumOff val="60000"/>
+              </a:schemeClr>
+            </a:solidFill>
+            <a:miter/>
+          </a:ln>
+        </p:spPr>
+      </p:sp>
+      <p:sp>
+        <p:nvSpPr>
+          <p:cNvPr id="4" name="Text Placeholder 3">
+            <a:extLst>
+              <a:ext uri="{FF2B5EF4-FFF2-40B4-BE49-F238E27FC236}">
+                <a16:creationId xmlns:a16="http://schemas.microsoft.com/office/drawing/2014/main" id="{445E1189-9039-0A48-A2E9-8942CD8B759C}"/>
+              </a:ext>
+            </a:extLst>
+          </p:cNvPr>
+          <p:cNvSpPr>
+            <a:spLocks noGrp="1"/>
+          </p:cNvSpPr>
+          <p:nvPr>
+            <p:ph type="body" idx="1"/>
+          </p:nvPr>
+        </p:nvSpPr>
+        <p:spPr>
+          <a:xfrm>
+            <a:off x="837903" y="1577972"/>
+            <a:ext cx="10516195" cy="4350990"/>
+          </a:xfrm>
+          <a:prstGeom prst="rect">
+            <a:avLst/>
+          </a:prstGeom>
+        </p:spPr>
+        <p:txBody>
+          <a:bodyPr vert="horz" lIns="91440" tIns="45720" rIns="91440" bIns="45720" rtlCol="0">
+            <a:normAutofit/>
+          </a:bodyPr>
+          <a:lstStyle/>
+          <a:p>
+            <a:pPr lvl="0"/>
+            <a:r>
+              <a:rPr lang="en-US" dirty="0"/>
+              <a:t>Edit Master text styles</a:t>
+            </a:r>
+          </a:p>
+          <a:p>
+            <a:pPr lvl="1"/>
+            <a:r>
+              <a:rPr lang="en-US" dirty="0"/>
+              <a:t>Second level</a:t>
+            </a:r>
+          </a:p>
+          <a:p>
+            <a:pPr lvl="2"/>
+            <a:r>
+              <a:rPr lang="en-US" dirty="0"/>
+              <a:t>Third level</a:t>
+            </a:r>
+          </a:p>
+        </p:txBody>
+      </p:sp>
+      <p:sp>
+        <p:nvSpPr>
+          <p:cNvPr id="12" name="Slide Number Placeholder 11">
+            <a:extLst>
+              <a:ext uri="{FF2B5EF4-FFF2-40B4-BE49-F238E27FC236}">
+                <a16:creationId xmlns:a16="http://schemas.microsoft.com/office/drawing/2014/main" id="{B19D839E-1466-174B-ABF2-B54F1408A800}"/>
+              </a:ext>
+            </a:extLst>
+          </p:cNvPr>
+          <p:cNvSpPr>
+            <a:spLocks noGrp="1"/>
+          </p:cNvSpPr>
+          <p:nvPr>
+            <p:ph type="sldNum" sz="quarter" idx="4"/>
+          </p:nvPr>
+        </p:nvSpPr>
+        <p:spPr>
+          <a:xfrm>
+            <a:off x="11354098" y="6550406"/>
+            <a:ext cx="541764" cy="365001"/>
+          </a:xfrm>
+          <a:prstGeom prst="rect">
+            <a:avLst/>
+          </a:prstGeom>
+        </p:spPr>
+        <p:txBody>
+          <a:bodyPr vert="horz" lIns="91440" tIns="45720" rIns="91440" bIns="45720" rtlCol="0" anchor="ctr"/>
+          <a:lstStyle>
+            <a:lvl1pPr algn="r">
+              <a:defRPr sz="1800" b="1">
+                <a:solidFill>
+                  <a:schemeClr val="tx1"/>
+                </a:solidFill>
+                <a:latin typeface="Calibri" panose="020F0502020204030204" pitchFamily="34" charset="0"/>
+                <a:ea typeface="Helvetica Neue" panose="02000503000000020004" pitchFamily="2" charset="0"/>
+                <a:cs typeface="Calibri" panose="020F0502020204030204" pitchFamily="34" charset="0"/>
+              </a:defRPr>
+            </a:lvl1pPr>
+          </a:lstStyle>
+          <a:p>
+            <a:fld id="{E27620C3-0466-3444-9C0E-A1700790CD0F}" type="slidenum">
+              <a:rPr lang="en-US" smtClean="0"/>
+              <a:pPr/>
+              <a:t>‹#›</a:t>
+            </a:fld>
+            <a:endParaRPr lang="en-US" dirty="0"/>
+          </a:p>
+        </p:txBody>
+      </p:sp>
+      <p:sp>
+        <p:nvSpPr>
+          <p:cNvPr id="13" name="Line 3">
+            <a:extLst>
+              <a:ext uri="{FF2B5EF4-FFF2-40B4-BE49-F238E27FC236}">
+                <a16:creationId xmlns:a16="http://schemas.microsoft.com/office/drawing/2014/main" id="{FDD3C60F-7F32-4E41-9D27-2FB8B1CE63D7}"/>
+              </a:ext>
+            </a:extLst>
+          </p:cNvPr>
+          <p:cNvSpPr/>
+          <p:nvPr userDrawn="1"/>
+        </p:nvSpPr>
+        <p:spPr>
+          <a:xfrm>
+            <a:off x="224015" y="6614033"/>
+            <a:ext cx="11796975" cy="0"/>
+          </a:xfrm>
+          <a:prstGeom prst="line">
+            <a:avLst/>
+          </a:prstGeom>
+          <a:ln w="38100">
+            <a:solidFill>
+              <a:schemeClr val="tx2">
+                <a:lumMod val="40000"/>
+                <a:lumOff val="60000"/>
+              </a:schemeClr>
+            </a:solidFill>
+            <a:miter/>
+          </a:ln>
+        </p:spPr>
+      </p:sp>
+      <p:pic>
+        <p:nvPicPr>
+          <p:cNvPr id="10" name="Picture 9" descr="Text, table&#10;&#10;Description automatically generated">
+            <a:extLst>
+              <a:ext uri="{FF2B5EF4-FFF2-40B4-BE49-F238E27FC236}">
+                <a16:creationId xmlns:a16="http://schemas.microsoft.com/office/drawing/2014/main" id="{0FBF6721-89E9-8C4D-819F-61F2F5C5EE25}"/>
+              </a:ext>
+            </a:extLst>
+          </p:cNvPr>
+          <p:cNvPicPr>
+            <a:picLocks noChangeAspect="1"/>
+          </p:cNvPicPr>
+          <p:nvPr/>
+        </p:nvPicPr>
+        <p:blipFill>
+          <a:blip r:embed="rId15"/>
+          <a:stretch>
+            <a:fillRect/>
+          </a:stretch>
+        </p:blipFill>
+        <p:spPr>
+          <a:xfrm>
+            <a:off x="10698526" y="105847"/>
+            <a:ext cx="926454" cy="926454"/>
+          </a:xfrm>
+          <a:prstGeom prst="rect">
+            <a:avLst/>
+          </a:prstGeom>
+        </p:spPr>
+      </p:pic>
+      <p:sp>
+        <p:nvSpPr>
+          <p:cNvPr id="6" name="Title Placeholder 5">
+            <a:extLst>
+              <a:ext uri="{FF2B5EF4-FFF2-40B4-BE49-F238E27FC236}">
+                <a16:creationId xmlns:a16="http://schemas.microsoft.com/office/drawing/2014/main" id="{714EF2D1-0B17-3E47-8204-6797491CFEB8}"/>
+              </a:ext>
+            </a:extLst>
+          </p:cNvPr>
+          <p:cNvSpPr>
+            <a:spLocks noGrp="1"/>
+          </p:cNvSpPr>
+          <p:nvPr>
+            <p:ph type="title"/>
+          </p:nvPr>
+        </p:nvSpPr>
+        <p:spPr>
+          <a:xfrm>
+            <a:off x="864404" y="464550"/>
+            <a:ext cx="10516195" cy="580729"/>
+          </a:xfrm>
+          <a:prstGeom prst="rect">
+            <a:avLst/>
+          </a:prstGeom>
+        </p:spPr>
+        <p:txBody>
+          <a:bodyPr vert="horz" lIns="0" tIns="468000" rIns="0" bIns="0" rtlCol="0" anchor="ctr" anchorCtr="0">
+            <a:normAutofit/>
+          </a:bodyPr>
+          <a:lstStyle/>
+          <a:p>
+            <a:r>
+              <a:rPr lang="en-US" dirty="0"/>
+              <a:t>Click to edit Master title style</a:t>
+            </a:r>
+          </a:p>
+        </p:txBody>
+      </p:sp>
+    </p:spTree>
+    <p:extLst>
+      <p:ext uri="{BB962C8B-B14F-4D97-AF65-F5344CB8AC3E}">
+        <p14:creationId xmlns:p14="http://schemas.microsoft.com/office/powerpoint/2010/main" val="1393952986"/>
+      </p:ext>
+    </p:extLst>
+  </p:cSld>
+  <p:clrMap bg1="lt1" tx1="dk1" bg2="lt2" tx2="dk2" accent1="accent1" accent2="accent2" accent3="accent3" accent4="accent4" accent5="accent5" accent6="accent6" hlink="hlink" folHlink="folHlink"/>
+  <p:sldLayoutIdLst>
+    <p:sldLayoutId id="2147483661" r:id="rId1"/>
+    <p:sldLayoutId id="2147483662" r:id="rId2"/>
+    <p:sldLayoutId id="2147483663" r:id="rId3"/>
+    <p:sldLayoutId id="2147483664" r:id="rId4"/>
+    <p:sldLayoutId id="2147483665" r:id="rId5"/>
+    <p:sldLayoutId id="2147483666" r:id="rId6"/>
+    <p:sldLayoutId id="2147483667" r:id="rId7"/>
+    <p:sldLayoutId id="2147483668" r:id="rId8"/>
+    <p:sldLayoutId id="2147483669" r:id="rId9"/>
+    <p:sldLayoutId id="2147483670" r:id="rId10"/>
+    <p:sldLayoutId id="2147483671" r:id="rId11"/>
+    <p:sldLayoutId id="2147483672" r:id="rId12"/>
+    <p:sldLayoutId id="2147483673" r:id="rId13"/>
+  </p:sldLayoutIdLst>
+  <p:hf hdr="0" ftr="0"/>
+  <p:txStyles>
+    <p:titleStyle>
+      <a:lvl1pPr algn="ctr" defTabSz="642915" rtl="0" eaLnBrk="1" fontAlgn="t" latinLnBrk="0" hangingPunct="1">
+        <a:lnSpc>
+          <a:spcPct val="0"/>
+        </a:lnSpc>
+        <a:spcBef>
+          <a:spcPct val="0"/>
+        </a:spcBef>
+        <a:buNone/>
+        <a:defRPr sz="3400" b="0" i="0" kern="1200" baseline="0">
+          <a:solidFill>
+            <a:schemeClr val="tx1"/>
+          </a:solidFill>
+          <a:latin typeface="Calibri" panose="020F0502020204030204" pitchFamily="34" charset="0"/>
+          <a:ea typeface="+mj-ea"/>
+          <a:cs typeface="Arial" panose="020B0604020202020204" pitchFamily="34" charset="0"/>
+        </a:defRPr>
+      </a:lvl1pPr>
+    </p:titleStyle>
+    <p:bodyStyle>
+      <a:lvl1pPr marL="0" indent="0" algn="l" defTabSz="642915" rtl="0" eaLnBrk="1" latinLnBrk="0" hangingPunct="1">
+        <a:lnSpc>
+          <a:spcPct val="90000"/>
+        </a:lnSpc>
+        <a:spcBef>
+          <a:spcPts val="703"/>
+        </a:spcBef>
+        <a:buFont typeface="Arial" panose="020B0604020202020204" pitchFamily="34" charset="0"/>
+        <a:buNone/>
+        <a:defRPr sz="3000" kern="1200">
+          <a:solidFill>
+            <a:schemeClr val="tx1"/>
+          </a:solidFill>
+          <a:latin typeface="Calibri" panose="020F0502020204030204" pitchFamily="34" charset="0"/>
+          <a:ea typeface="+mn-ea"/>
+          <a:cs typeface="Calibri" panose="020F0502020204030204" pitchFamily="34" charset="0"/>
+        </a:defRPr>
+      </a:lvl1pPr>
+      <a:lvl2pPr marL="482186" indent="-160729" algn="l" defTabSz="642915" rtl="0" eaLnBrk="1" latinLnBrk="0" hangingPunct="1">
+        <a:lnSpc>
+          <a:spcPct val="90000"/>
+        </a:lnSpc>
+        <a:spcBef>
+          <a:spcPts val="352"/>
+        </a:spcBef>
+        <a:buFont typeface="Arial" panose="020B0604020202020204" pitchFamily="34" charset="0"/>
+        <a:buChar char="•"/>
+        <a:defRPr sz="2800" kern="1200">
+          <a:solidFill>
+            <a:schemeClr val="tx1"/>
+          </a:solidFill>
+          <a:latin typeface="Calibri" panose="020F0502020204030204" pitchFamily="34" charset="0"/>
+          <a:ea typeface="+mn-ea"/>
+          <a:cs typeface="Calibri" panose="020F0502020204030204" pitchFamily="34" charset="0"/>
+        </a:defRPr>
+      </a:lvl2pPr>
+      <a:lvl3pPr marL="803643" indent="-160729" algn="l" defTabSz="642915" rtl="0" eaLnBrk="1" latinLnBrk="0" hangingPunct="1">
+        <a:lnSpc>
+          <a:spcPct val="90000"/>
+        </a:lnSpc>
+        <a:spcBef>
+          <a:spcPts val="352"/>
+        </a:spcBef>
+        <a:buFont typeface="Arial" panose="020B0604020202020204" pitchFamily="34" charset="0"/>
+        <a:buChar char="•"/>
+        <a:defRPr sz="2400" kern="1200">
+          <a:solidFill>
+            <a:schemeClr val="tx1"/>
+          </a:solidFill>
+          <a:latin typeface="Calibri" panose="020F0502020204030204" pitchFamily="34" charset="0"/>
+          <a:ea typeface="+mn-ea"/>
+          <a:cs typeface="Calibri" panose="020F0502020204030204" pitchFamily="34" charset="0"/>
+        </a:defRPr>
+      </a:lvl3pPr>
+      <a:lvl4pPr marL="1125101" indent="-160729" algn="l" defTabSz="642915" rtl="0" eaLnBrk="1" latinLnBrk="0" hangingPunct="1">
+        <a:lnSpc>
+          <a:spcPct val="90000"/>
+        </a:lnSpc>
+        <a:spcBef>
+          <a:spcPts val="352"/>
+        </a:spcBef>
+        <a:buFont typeface="Arial" panose="020B0604020202020204" pitchFamily="34" charset="0"/>
+        <a:buChar char="•"/>
+        <a:defRPr sz="1266" kern="1200">
+          <a:solidFill>
+            <a:schemeClr val="tx1"/>
+          </a:solidFill>
+          <a:latin typeface="Calibri" panose="020F0502020204030204" pitchFamily="34" charset="0"/>
+          <a:ea typeface="+mn-ea"/>
+          <a:cs typeface="Calibri" panose="020F0502020204030204" pitchFamily="34" charset="0"/>
+        </a:defRPr>
+      </a:lvl4pPr>
+      <a:lvl5pPr marL="1446558" indent="-160729" algn="l" defTabSz="642915" rtl="0" eaLnBrk="1" latinLnBrk="0" hangingPunct="1">
+        <a:lnSpc>
+          <a:spcPct val="90000"/>
+        </a:lnSpc>
+        <a:spcBef>
+          <a:spcPts val="352"/>
+        </a:spcBef>
+        <a:buFont typeface="Arial" panose="020B0604020202020204" pitchFamily="34" charset="0"/>
+        <a:buChar char="•"/>
+        <a:defRPr sz="1266" kern="1200">
+          <a:solidFill>
+            <a:schemeClr val="tx1"/>
+          </a:solidFill>
+          <a:latin typeface="Calibri" panose="020F0502020204030204" pitchFamily="34" charset="0"/>
+          <a:ea typeface="+mn-ea"/>
+          <a:cs typeface="Calibri" panose="020F0502020204030204" pitchFamily="34" charset="0"/>
+        </a:defRPr>
+      </a:lvl5pPr>
+      <a:lvl6pPr marL="1768015" indent="-160729" algn="l" defTabSz="642915" rtl="0" eaLnBrk="1" latinLnBrk="0" hangingPunct="1">
+        <a:lnSpc>
+          <a:spcPct val="90000"/>
+        </a:lnSpc>
+        <a:spcBef>
+          <a:spcPts val="352"/>
+        </a:spcBef>
+        <a:buFont typeface="Arial" panose="020B0604020202020204" pitchFamily="34" charset="0"/>
+        <a:buChar char="•"/>
+        <a:defRPr sz="1266" kern="1200">
+          <a:solidFill>
+            <a:schemeClr val="tx1"/>
+          </a:solidFill>
+          <a:latin typeface="+mn-lt"/>
+          <a:ea typeface="+mn-ea"/>
+          <a:cs typeface="+mn-cs"/>
+        </a:defRPr>
+      </a:lvl6pPr>
+      <a:lvl7pPr marL="2089473" indent="-160729" algn="l" defTabSz="642915" rtl="0" eaLnBrk="1" latinLnBrk="0" hangingPunct="1">
+        <a:lnSpc>
+          <a:spcPct val="90000"/>
+        </a:lnSpc>
+        <a:spcBef>
+          <a:spcPts val="352"/>
+        </a:spcBef>
+        <a:buFont typeface="Arial" panose="020B0604020202020204" pitchFamily="34" charset="0"/>
+        <a:buChar char="•"/>
+        <a:defRPr sz="1266" kern="1200">
+          <a:solidFill>
+            <a:schemeClr val="tx1"/>
+          </a:solidFill>
+          <a:latin typeface="+mn-lt"/>
+          <a:ea typeface="+mn-ea"/>
+          <a:cs typeface="+mn-cs"/>
+        </a:defRPr>
+      </a:lvl7pPr>
+      <a:lvl8pPr marL="2410930" indent="-160729" algn="l" defTabSz="642915" rtl="0" eaLnBrk="1" latinLnBrk="0" hangingPunct="1">
+        <a:lnSpc>
+          <a:spcPct val="90000"/>
+        </a:lnSpc>
+        <a:spcBef>
+          <a:spcPts val="352"/>
+        </a:spcBef>
+        <a:buFont typeface="Arial" panose="020B0604020202020204" pitchFamily="34" charset="0"/>
+        <a:buChar char="•"/>
+        <a:defRPr sz="1266" kern="1200">
+          <a:solidFill>
+            <a:schemeClr val="tx1"/>
+          </a:solidFill>
+          <a:latin typeface="+mn-lt"/>
+          <a:ea typeface="+mn-ea"/>
+          <a:cs typeface="+mn-cs"/>
+        </a:defRPr>
+      </a:lvl8pPr>
+      <a:lvl9pPr marL="2732387" indent="-160729" algn="l" defTabSz="642915" rtl="0" eaLnBrk="1" latinLnBrk="0" hangingPunct="1">
+        <a:lnSpc>
+          <a:spcPct val="90000"/>
+        </a:lnSpc>
+        <a:spcBef>
+          <a:spcPts val="352"/>
+        </a:spcBef>
+        <a:buFont typeface="Arial" panose="020B0604020202020204" pitchFamily="34" charset="0"/>
+        <a:buChar char="•"/>
+        <a:defRPr sz="1266" kern="1200">
+          <a:solidFill>
+            <a:schemeClr val="tx1"/>
+          </a:solidFill>
+          <a:latin typeface="+mn-lt"/>
+          <a:ea typeface="+mn-ea"/>
+          <a:cs typeface="+mn-cs"/>
+        </a:defRPr>
+      </a:lvl9pPr>
+    </p:bodyStyle>
+    <p:otherStyle>
+      <a:defPPr>
+        <a:defRPr lang="en-US"/>
+      </a:defPPr>
+      <a:lvl1pPr marL="0" algn="l" defTabSz="642915" rtl="0" eaLnBrk="1" latinLnBrk="0" hangingPunct="1">
+        <a:defRPr sz="1266" kern="1200">
+          <a:solidFill>
+            <a:schemeClr val="tx1"/>
+          </a:solidFill>
+          <a:latin typeface="+mn-lt"/>
+          <a:ea typeface="+mn-ea"/>
+          <a:cs typeface="+mn-cs"/>
+        </a:defRPr>
+      </a:lvl1pPr>
+      <a:lvl2pPr marL="321457" algn="l" defTabSz="642915" rtl="0" eaLnBrk="1" latinLnBrk="0" hangingPunct="1">
+        <a:defRPr sz="1266" kern="1200">
+          <a:solidFill>
+            <a:schemeClr val="tx1"/>
+          </a:solidFill>
+          <a:latin typeface="+mn-lt"/>
+          <a:ea typeface="+mn-ea"/>
+          <a:cs typeface="+mn-cs"/>
+        </a:defRPr>
+      </a:lvl2pPr>
+      <a:lvl3pPr marL="642915" algn="l" defTabSz="642915" rtl="0" eaLnBrk="1" latinLnBrk="0" hangingPunct="1">
+        <a:defRPr sz="1266" kern="1200">
+          <a:solidFill>
+            <a:schemeClr val="tx1"/>
+          </a:solidFill>
+          <a:latin typeface="+mn-lt"/>
+          <a:ea typeface="+mn-ea"/>
+          <a:cs typeface="+mn-cs"/>
+        </a:defRPr>
+      </a:lvl3pPr>
+      <a:lvl4pPr marL="964372" algn="l" defTabSz="642915" rtl="0" eaLnBrk="1" latinLnBrk="0" hangingPunct="1">
+        <a:defRPr sz="1266" kern="1200">
+          <a:solidFill>
+            <a:schemeClr val="tx1"/>
+          </a:solidFill>
+          <a:latin typeface="+mn-lt"/>
+          <a:ea typeface="+mn-ea"/>
+          <a:cs typeface="+mn-cs"/>
+        </a:defRPr>
+      </a:lvl4pPr>
+      <a:lvl5pPr marL="1285829" algn="l" defTabSz="642915" rtl="0" eaLnBrk="1" latinLnBrk="0" hangingPunct="1">
+        <a:defRPr sz="1266" kern="1200">
+          <a:solidFill>
+            <a:schemeClr val="tx1"/>
+          </a:solidFill>
+          <a:latin typeface="+mn-lt"/>
+          <a:ea typeface="+mn-ea"/>
+          <a:cs typeface="+mn-cs"/>
+        </a:defRPr>
+      </a:lvl5pPr>
+      <a:lvl6pPr marL="1607287" algn="l" defTabSz="642915" rtl="0" eaLnBrk="1" latinLnBrk="0" hangingPunct="1">
+        <a:defRPr sz="1266" kern="1200">
+          <a:solidFill>
+            <a:schemeClr val="tx1"/>
+          </a:solidFill>
+          <a:latin typeface="+mn-lt"/>
+          <a:ea typeface="+mn-ea"/>
+          <a:cs typeface="+mn-cs"/>
+        </a:defRPr>
+      </a:lvl6pPr>
+      <a:lvl7pPr marL="1928744" algn="l" defTabSz="642915" rtl="0" eaLnBrk="1" latinLnBrk="0" hangingPunct="1">
+        <a:defRPr sz="1266" kern="1200">
+          <a:solidFill>
+            <a:schemeClr val="tx1"/>
+          </a:solidFill>
+          <a:latin typeface="+mn-lt"/>
+          <a:ea typeface="+mn-ea"/>
+          <a:cs typeface="+mn-cs"/>
+        </a:defRPr>
+      </a:lvl7pPr>
+      <a:lvl8pPr marL="2250201" algn="l" defTabSz="642915" rtl="0" eaLnBrk="1" latinLnBrk="0" hangingPunct="1">
+        <a:defRPr sz="1266" kern="1200">
+          <a:solidFill>
+            <a:schemeClr val="tx1"/>
+          </a:solidFill>
+          <a:latin typeface="+mn-lt"/>
+          <a:ea typeface="+mn-ea"/>
+          <a:cs typeface="+mn-cs"/>
+        </a:defRPr>
+      </a:lvl8pPr>
+      <a:lvl9pPr marL="2571659" algn="l" defTabSz="642915" rtl="0" eaLnBrk="1" latinLnBrk="0" hangingPunct="1">
+        <a:defRPr sz="1266" kern="1200">
+          <a:solidFill>
+            <a:schemeClr val="tx1"/>
+          </a:solidFill>
+          <a:latin typeface="+mn-lt"/>
+          <a:ea typeface="+mn-ea"/>
+          <a:cs typeface="+mn-cs"/>
+        </a:defRPr>
+      </a:lvl9pPr>
+    </p:otherStyle>
+  </p:txStyles>
+</p:sldMaster>
+</file>
+
 <file path=ppt/slides/slide1.xml><?xml version="1.0" encoding="utf-8"?>
 <p:sld xmlns:a="http://schemas.openxmlformats.org/drawingml/2006/main" xmlns:r="http://schemas.openxmlformats.org/officeDocument/2006/relationships" xmlns:p="http://schemas.openxmlformats.org/presentationml/2006/main">
   <p:cSld>
@@ -3360,10 +8000,10 @@
       </p:grpSpPr>
       <p:grpSp>
         <p:nvGrpSpPr>
-          <p:cNvPr id="6" name="Group 5">
-            <a:extLst>
-              <a:ext uri="{FF2B5EF4-FFF2-40B4-BE49-F238E27FC236}">
-                <a16:creationId xmlns:a16="http://schemas.microsoft.com/office/drawing/2014/main" id="{4F8DF736-57F3-19F3-6281-93A3459C8BAC}"/>
+          <p:cNvPr id="7" name="Group 6">
+            <a:extLst>
+              <a:ext uri="{FF2B5EF4-FFF2-40B4-BE49-F238E27FC236}">
+                <a16:creationId xmlns:a16="http://schemas.microsoft.com/office/drawing/2014/main" id="{2F013696-A34E-2251-821C-EB741027707E}"/>
               </a:ext>
             </a:extLst>
           </p:cNvPr>
@@ -3372,10 +8012,10 @@
         </p:nvGrpSpPr>
         <p:grpSpPr>
           <a:xfrm>
-            <a:off x="0" y="416"/>
-            <a:ext cx="12192000" cy="5183584"/>
-            <a:chOff x="0" y="416"/>
-            <a:chExt cx="12192000" cy="5183584"/>
+            <a:off x="2646797" y="68241"/>
+            <a:ext cx="9559517" cy="5089798"/>
+            <a:chOff x="2646797" y="68241"/>
+            <a:chExt cx="9559517" cy="5089798"/>
           </a:xfrm>
         </p:grpSpPr>
         <p:pic>
@@ -3383,7 +8023,7 @@
             <p:cNvPr id="4" name="Picture 3">
               <a:extLst>
                 <a:ext uri="{FF2B5EF4-FFF2-40B4-BE49-F238E27FC236}">
-                  <a16:creationId xmlns:a16="http://schemas.microsoft.com/office/drawing/2014/main" id="{B451F8A6-FA2F-7B29-902B-73684A648514}"/>
+                  <a16:creationId xmlns:a16="http://schemas.microsoft.com/office/drawing/2014/main" id="{3EABF1BC-D748-A94A-BCC8-6E99062376C1}"/>
                 </a:ext>
               </a:extLst>
             </p:cNvPr>
@@ -3393,15 +8033,14 @@
             <p:nvPr/>
           </p:nvPicPr>
           <p:blipFill>
-            <a:blip r:embed="rId2"/>
-            <a:stretch>
-              <a:fillRect/>
-            </a:stretch>
+            <a:blip r:embed="rId3"/>
+            <a:srcRect/>
+            <a:stretch/>
           </p:blipFill>
           <p:spPr>
             <a:xfrm>
-              <a:off x="0" y="416"/>
-              <a:ext cx="12192000" cy="5183584"/>
+              <a:off x="2646797" y="68241"/>
+              <a:ext cx="9559517" cy="5089798"/>
             </a:xfrm>
             <a:prstGeom prst="rect">
               <a:avLst/>
@@ -3410,10 +8049,10 @@
         </p:pic>
         <p:grpSp>
           <p:nvGrpSpPr>
-            <p:cNvPr id="50" name="Group 49">
+            <p:cNvPr id="6" name="Group 5">
               <a:extLst>
                 <a:ext uri="{FF2B5EF4-FFF2-40B4-BE49-F238E27FC236}">
-                  <a16:creationId xmlns:a16="http://schemas.microsoft.com/office/drawing/2014/main" id="{EACFB6C7-4F47-3CA1-6AE4-92252709A4C3}"/>
+                  <a16:creationId xmlns:a16="http://schemas.microsoft.com/office/drawing/2014/main" id="{A226BB29-1E9F-0F77-0C74-F6F4300C049F}"/>
                 </a:ext>
               </a:extLst>
             </p:cNvPr>
@@ -3422,2133 +8061,2402 @@
           </p:nvGrpSpPr>
           <p:grpSpPr>
             <a:xfrm>
-              <a:off x="8366616" y="342000"/>
-              <a:ext cx="2496843" cy="1940400"/>
-              <a:chOff x="8366616" y="342000"/>
-              <a:chExt cx="2496843" cy="1940400"/>
+              <a:off x="3543469" y="339977"/>
+              <a:ext cx="7319990" cy="1942423"/>
+              <a:chOff x="3543469" y="339977"/>
+              <a:chExt cx="7319990" cy="1942423"/>
             </a:xfrm>
           </p:grpSpPr>
-          <p:sp>
-            <p:nvSpPr>
-              <p:cNvPr id="21" name="Rectangle 20">
+          <p:grpSp>
+            <p:nvGrpSpPr>
+              <p:cNvPr id="50" name="Group 49">
                 <a:extLst>
                   <a:ext uri="{FF2B5EF4-FFF2-40B4-BE49-F238E27FC236}">
-                    <a16:creationId xmlns:a16="http://schemas.microsoft.com/office/drawing/2014/main" id="{77997135-F5BD-5EC7-0388-7F6DC95E5C30}"/>
+                    <a16:creationId xmlns:a16="http://schemas.microsoft.com/office/drawing/2014/main" id="{EACFB6C7-4F47-3CA1-6AE4-92252709A4C3}"/>
                   </a:ext>
                 </a:extLst>
               </p:cNvPr>
-              <p:cNvSpPr/>
+              <p:cNvGrpSpPr/>
               <p:nvPr/>
-            </p:nvSpPr>
-            <p:spPr>
+            </p:nvGrpSpPr>
+            <p:grpSpPr>
               <a:xfrm>
-                <a:off x="8366616" y="2234658"/>
-                <a:ext cx="423934" cy="45719"/>
+                <a:off x="8366616" y="342000"/>
+                <a:ext cx="2496843" cy="1940400"/>
+                <a:chOff x="8366616" y="342000"/>
+                <a:chExt cx="2496843" cy="1940400"/>
               </a:xfrm>
-              <a:prstGeom prst="rect">
-                <a:avLst/>
-              </a:prstGeom>
-              <a:solidFill>
-                <a:schemeClr val="bg1">
-                  <a:lumMod val="65000"/>
-                  <a:alpha val="46640"/>
-                </a:schemeClr>
-              </a:solidFill>
-              <a:ln>
-                <a:noFill/>
-              </a:ln>
-            </p:spPr>
-            <p:style>
-              <a:lnRef idx="2">
-                <a:schemeClr val="accent1">
-                  <a:shade val="15000"/>
-                </a:schemeClr>
-              </a:lnRef>
-              <a:fillRef idx="1">
-                <a:schemeClr val="accent1"/>
-              </a:fillRef>
-              <a:effectRef idx="0">
-                <a:schemeClr val="accent1"/>
-              </a:effectRef>
-              <a:fontRef idx="minor">
-                <a:schemeClr val="lt1"/>
-              </a:fontRef>
-            </p:style>
-            <p:txBody>
-              <a:bodyPr rtlCol="0" anchor="ctr"/>
-              <a:lstStyle/>
-              <a:p>
-                <a:pPr algn="ctr"/>
-                <a:endParaRPr lang="en-CH" dirty="0"/>
-              </a:p>
-            </p:txBody>
-          </p:sp>
-          <p:sp>
-            <p:nvSpPr>
-              <p:cNvPr id="22" name="Rectangle 21">
+            </p:grpSpPr>
+            <p:sp>
+              <p:nvSpPr>
+                <p:cNvPr id="21" name="Rectangle 20">
+                  <a:extLst>
+                    <a:ext uri="{FF2B5EF4-FFF2-40B4-BE49-F238E27FC236}">
+                      <a16:creationId xmlns:a16="http://schemas.microsoft.com/office/drawing/2014/main" id="{77997135-F5BD-5EC7-0388-7F6DC95E5C30}"/>
+                    </a:ext>
+                  </a:extLst>
+                </p:cNvPr>
+                <p:cNvSpPr/>
+                <p:nvPr/>
+              </p:nvSpPr>
+              <p:spPr>
+                <a:xfrm>
+                  <a:off x="8366616" y="2234658"/>
+                  <a:ext cx="423934" cy="45719"/>
+                </a:xfrm>
+                <a:prstGeom prst="rect">
+                  <a:avLst/>
+                </a:prstGeom>
+                <a:solidFill>
+                  <a:schemeClr val="bg1">
+                    <a:lumMod val="65000"/>
+                    <a:alpha val="46640"/>
+                  </a:schemeClr>
+                </a:solidFill>
+                <a:ln>
+                  <a:noFill/>
+                </a:ln>
+              </p:spPr>
+              <p:style>
+                <a:lnRef idx="2">
+                  <a:schemeClr val="accent1">
+                    <a:shade val="15000"/>
+                  </a:schemeClr>
+                </a:lnRef>
+                <a:fillRef idx="1">
+                  <a:schemeClr val="accent1"/>
+                </a:fillRef>
+                <a:effectRef idx="0">
+                  <a:schemeClr val="accent1"/>
+                </a:effectRef>
+                <a:fontRef idx="minor">
+                  <a:schemeClr val="lt1"/>
+                </a:fontRef>
+              </p:style>
+              <p:txBody>
+                <a:bodyPr rtlCol="0" anchor="ctr"/>
+                <a:lstStyle/>
+                <a:p>
+                  <a:pPr algn="ctr"/>
+                  <a:endParaRPr lang="en-CH" dirty="0"/>
+                </a:p>
+              </p:txBody>
+            </p:sp>
+            <p:sp>
+              <p:nvSpPr>
+                <p:cNvPr id="22" name="Rectangle 21">
+                  <a:extLst>
+                    <a:ext uri="{FF2B5EF4-FFF2-40B4-BE49-F238E27FC236}">
+                      <a16:creationId xmlns:a16="http://schemas.microsoft.com/office/drawing/2014/main" id="{10870902-91DF-CEA0-921B-57DF434B0443}"/>
+                    </a:ext>
+                  </a:extLst>
+                </p:cNvPr>
+                <p:cNvSpPr/>
+                <p:nvPr/>
+              </p:nvSpPr>
+              <p:spPr>
+                <a:xfrm>
+                  <a:off x="8373600" y="342000"/>
+                  <a:ext cx="423934" cy="58334"/>
+                </a:xfrm>
+                <a:prstGeom prst="rect">
+                  <a:avLst/>
+                </a:prstGeom>
+                <a:solidFill>
+                  <a:schemeClr val="bg1">
+                    <a:lumMod val="65000"/>
+                    <a:alpha val="46640"/>
+                  </a:schemeClr>
+                </a:solidFill>
+                <a:ln>
+                  <a:noFill/>
+                </a:ln>
+              </p:spPr>
+              <p:style>
+                <a:lnRef idx="2">
+                  <a:schemeClr val="accent1">
+                    <a:shade val="15000"/>
+                  </a:schemeClr>
+                </a:lnRef>
+                <a:fillRef idx="1">
+                  <a:schemeClr val="accent1"/>
+                </a:fillRef>
+                <a:effectRef idx="0">
+                  <a:schemeClr val="accent1"/>
+                </a:effectRef>
+                <a:fontRef idx="minor">
+                  <a:schemeClr val="lt1"/>
+                </a:fontRef>
+              </p:style>
+              <p:txBody>
+                <a:bodyPr lIns="90000" rtlCol="0" anchor="ctr"/>
+                <a:lstStyle/>
+                <a:p>
+                  <a:pPr algn="ctr"/>
+                  <a:endParaRPr lang="en-CH" dirty="0"/>
+                </a:p>
+              </p:txBody>
+            </p:sp>
+            <p:sp>
+              <p:nvSpPr>
+                <p:cNvPr id="23" name="Rectangle 22">
+                  <a:extLst>
+                    <a:ext uri="{FF2B5EF4-FFF2-40B4-BE49-F238E27FC236}">
+                      <a16:creationId xmlns:a16="http://schemas.microsoft.com/office/drawing/2014/main" id="{BC2A34B0-355B-DCDD-46EC-B95DC35E8058}"/>
+                    </a:ext>
+                  </a:extLst>
+                </p:cNvPr>
+                <p:cNvSpPr/>
+                <p:nvPr/>
+              </p:nvSpPr>
+              <p:spPr>
+                <a:xfrm>
+                  <a:off x="8371100" y="989411"/>
+                  <a:ext cx="426433" cy="80934"/>
+                </a:xfrm>
+                <a:prstGeom prst="rect">
+                  <a:avLst/>
+                </a:prstGeom>
+                <a:solidFill>
+                  <a:schemeClr val="bg1">
+                    <a:lumMod val="65000"/>
+                    <a:alpha val="46640"/>
+                  </a:schemeClr>
+                </a:solidFill>
+                <a:ln>
+                  <a:noFill/>
+                </a:ln>
+              </p:spPr>
+              <p:style>
+                <a:lnRef idx="2">
+                  <a:schemeClr val="accent1">
+                    <a:shade val="15000"/>
+                  </a:schemeClr>
+                </a:lnRef>
+                <a:fillRef idx="1">
+                  <a:schemeClr val="accent1"/>
+                </a:fillRef>
+                <a:effectRef idx="0">
+                  <a:schemeClr val="accent1"/>
+                </a:effectRef>
+                <a:fontRef idx="minor">
+                  <a:schemeClr val="lt1"/>
+                </a:fontRef>
+              </p:style>
+              <p:txBody>
+                <a:bodyPr lIns="18000" tIns="0" rIns="18000" bIns="0" rtlCol="0" anchor="ctr"/>
+                <a:lstStyle/>
+                <a:p>
+                  <a:pPr algn="ctr"/>
+                  <a:r>
+                    <a:rPr lang="en-CH" sz="600" dirty="0">
+                      <a:solidFill>
+                        <a:schemeClr val="bg1">
+                          <a:lumMod val="50000"/>
+                        </a:schemeClr>
+                      </a:solidFill>
+                    </a:rPr>
+                    <a:t>Region 4</a:t>
+                  </a:r>
+                </a:p>
+              </p:txBody>
+            </p:sp>
+            <p:sp>
+              <p:nvSpPr>
+                <p:cNvPr id="24" name="Rectangle 23">
+                  <a:extLst>
+                    <a:ext uri="{FF2B5EF4-FFF2-40B4-BE49-F238E27FC236}">
+                      <a16:creationId xmlns:a16="http://schemas.microsoft.com/office/drawing/2014/main" id="{4FB0D505-6666-2582-3A3A-6A68D133B167}"/>
+                    </a:ext>
+                  </a:extLst>
+                </p:cNvPr>
+                <p:cNvSpPr/>
+                <p:nvPr/>
+              </p:nvSpPr>
+              <p:spPr>
+                <a:xfrm>
+                  <a:off x="9256249" y="987794"/>
+                  <a:ext cx="362853" cy="82550"/>
+                </a:xfrm>
+                <a:prstGeom prst="rect">
+                  <a:avLst/>
+                </a:prstGeom>
+                <a:solidFill>
+                  <a:schemeClr val="bg1">
+                    <a:lumMod val="65000"/>
+                    <a:alpha val="46640"/>
+                  </a:schemeClr>
+                </a:solidFill>
+                <a:ln>
+                  <a:noFill/>
+                </a:ln>
+              </p:spPr>
+              <p:style>
+                <a:lnRef idx="2">
+                  <a:schemeClr val="accent1">
+                    <a:shade val="15000"/>
+                  </a:schemeClr>
+                </a:lnRef>
+                <a:fillRef idx="1">
+                  <a:schemeClr val="accent1"/>
+                </a:fillRef>
+                <a:effectRef idx="0">
+                  <a:schemeClr val="accent1"/>
+                </a:effectRef>
+                <a:fontRef idx="minor">
+                  <a:schemeClr val="lt1"/>
+                </a:fontRef>
+              </p:style>
+              <p:txBody>
+                <a:bodyPr lIns="18000" tIns="0" rIns="18000" bIns="0" rtlCol="0" anchor="ctr"/>
+                <a:lstStyle/>
+                <a:p>
+                  <a:pPr algn="ctr"/>
+                  <a:r>
+                    <a:rPr lang="en-CH" sz="600" dirty="0">
+                      <a:solidFill>
+                        <a:schemeClr val="bg1">
+                          <a:lumMod val="50000"/>
+                        </a:schemeClr>
+                      </a:solidFill>
+                    </a:rPr>
+                    <a:t>Region 3</a:t>
+                  </a:r>
+                  <a:endParaRPr lang="en-CH" sz="600" dirty="0">
+                    <a:solidFill>
+                      <a:schemeClr val="bg1">
+                        <a:lumMod val="65000"/>
+                      </a:schemeClr>
+                    </a:solidFill>
+                  </a:endParaRPr>
+                </a:p>
+              </p:txBody>
+            </p:sp>
+            <p:sp>
+              <p:nvSpPr>
+                <p:cNvPr id="25" name="Rectangle 24">
+                  <a:extLst>
+                    <a:ext uri="{FF2B5EF4-FFF2-40B4-BE49-F238E27FC236}">
+                      <a16:creationId xmlns:a16="http://schemas.microsoft.com/office/drawing/2014/main" id="{542426BE-F399-01A3-FB2B-B76974C90C34}"/>
+                    </a:ext>
+                  </a:extLst>
+                </p:cNvPr>
+                <p:cNvSpPr/>
+                <p:nvPr/>
+              </p:nvSpPr>
+              <p:spPr>
+                <a:xfrm>
+                  <a:off x="9797600" y="989409"/>
+                  <a:ext cx="435020" cy="82550"/>
+                </a:xfrm>
+                <a:prstGeom prst="rect">
+                  <a:avLst/>
+                </a:prstGeom>
+                <a:solidFill>
+                  <a:schemeClr val="bg1">
+                    <a:lumMod val="65000"/>
+                    <a:alpha val="46640"/>
+                  </a:schemeClr>
+                </a:solidFill>
+                <a:ln>
+                  <a:noFill/>
+                </a:ln>
+              </p:spPr>
+              <p:style>
+                <a:lnRef idx="2">
+                  <a:schemeClr val="accent1">
+                    <a:shade val="15000"/>
+                  </a:schemeClr>
+                </a:lnRef>
+                <a:fillRef idx="1">
+                  <a:schemeClr val="accent1"/>
+                </a:fillRef>
+                <a:effectRef idx="0">
+                  <a:schemeClr val="accent1"/>
+                </a:effectRef>
+                <a:fontRef idx="minor">
+                  <a:schemeClr val="lt1"/>
+                </a:fontRef>
+              </p:style>
+              <p:txBody>
+                <a:bodyPr lIns="18000" tIns="0" rIns="18000" bIns="0" rtlCol="0" anchor="ctr"/>
+                <a:lstStyle/>
+                <a:p>
+                  <a:pPr algn="ctr"/>
+                  <a:r>
+                    <a:rPr lang="en-CH" sz="600" dirty="0">
+                      <a:solidFill>
+                        <a:schemeClr val="bg1">
+                          <a:lumMod val="50000"/>
+                        </a:schemeClr>
+                      </a:solidFill>
+                    </a:rPr>
+                    <a:t>Region 2</a:t>
+                  </a:r>
+                </a:p>
+              </p:txBody>
+            </p:sp>
+            <p:sp>
+              <p:nvSpPr>
+                <p:cNvPr id="26" name="Rectangle 25">
+                  <a:extLst>
+                    <a:ext uri="{FF2B5EF4-FFF2-40B4-BE49-F238E27FC236}">
+                      <a16:creationId xmlns:a16="http://schemas.microsoft.com/office/drawing/2014/main" id="{88EBE136-6906-792A-7EDD-A607EB51C792}"/>
+                    </a:ext>
+                  </a:extLst>
+                </p:cNvPr>
+                <p:cNvSpPr/>
+                <p:nvPr/>
+              </p:nvSpPr>
+              <p:spPr>
+                <a:xfrm>
+                  <a:off x="10502150" y="988718"/>
+                  <a:ext cx="361307" cy="77077"/>
+                </a:xfrm>
+                <a:prstGeom prst="rect">
+                  <a:avLst/>
+                </a:prstGeom>
+                <a:solidFill>
+                  <a:schemeClr val="bg1">
+                    <a:lumMod val="65000"/>
+                    <a:alpha val="46640"/>
+                  </a:schemeClr>
+                </a:solidFill>
+                <a:ln>
+                  <a:noFill/>
+                </a:ln>
+              </p:spPr>
+              <p:style>
+                <a:lnRef idx="2">
+                  <a:schemeClr val="accent1">
+                    <a:shade val="15000"/>
+                  </a:schemeClr>
+                </a:lnRef>
+                <a:fillRef idx="1">
+                  <a:schemeClr val="accent1"/>
+                </a:fillRef>
+                <a:effectRef idx="0">
+                  <a:schemeClr val="accent1"/>
+                </a:effectRef>
+                <a:fontRef idx="minor">
+                  <a:schemeClr val="lt1"/>
+                </a:fontRef>
+              </p:style>
+              <p:txBody>
+                <a:bodyPr lIns="18000" tIns="0" rIns="18000" bIns="0" rtlCol="0" anchor="ctr"/>
+                <a:lstStyle/>
+                <a:p>
+                  <a:pPr algn="ctr"/>
+                  <a:r>
+                    <a:rPr lang="en-CH" sz="600" dirty="0">
+                      <a:solidFill>
+                        <a:schemeClr val="bg1">
+                          <a:lumMod val="50000"/>
+                        </a:schemeClr>
+                      </a:solidFill>
+                    </a:rPr>
+                    <a:t>Region 1</a:t>
+                  </a:r>
+                </a:p>
+              </p:txBody>
+            </p:sp>
+            <p:sp>
+              <p:nvSpPr>
+                <p:cNvPr id="27" name="Rectangle 26">
+                  <a:extLst>
+                    <a:ext uri="{FF2B5EF4-FFF2-40B4-BE49-F238E27FC236}">
+                      <a16:creationId xmlns:a16="http://schemas.microsoft.com/office/drawing/2014/main" id="{9FCBE530-EBF0-5A58-F40C-C80930745ED0}"/>
+                    </a:ext>
+                  </a:extLst>
+                </p:cNvPr>
+                <p:cNvSpPr/>
+                <p:nvPr/>
+              </p:nvSpPr>
+              <p:spPr>
+                <a:xfrm>
+                  <a:off x="9254365" y="2234658"/>
+                  <a:ext cx="362852" cy="45719"/>
+                </a:xfrm>
+                <a:prstGeom prst="rect">
+                  <a:avLst/>
+                </a:prstGeom>
+                <a:solidFill>
+                  <a:schemeClr val="bg1">
+                    <a:lumMod val="65000"/>
+                    <a:alpha val="46640"/>
+                  </a:schemeClr>
+                </a:solidFill>
+                <a:ln>
+                  <a:noFill/>
+                </a:ln>
+              </p:spPr>
+              <p:style>
+                <a:lnRef idx="2">
+                  <a:schemeClr val="accent1">
+                    <a:shade val="15000"/>
+                  </a:schemeClr>
+                </a:lnRef>
+                <a:fillRef idx="1">
+                  <a:schemeClr val="accent1"/>
+                </a:fillRef>
+                <a:effectRef idx="0">
+                  <a:schemeClr val="accent1"/>
+                </a:effectRef>
+                <a:fontRef idx="minor">
+                  <a:schemeClr val="lt1"/>
+                </a:fontRef>
+              </p:style>
+              <p:txBody>
+                <a:bodyPr rtlCol="0" anchor="ctr"/>
+                <a:lstStyle/>
+                <a:p>
+                  <a:pPr algn="ctr"/>
+                  <a:endParaRPr lang="en-CH" dirty="0"/>
+                </a:p>
+              </p:txBody>
+            </p:sp>
+            <p:sp>
+              <p:nvSpPr>
+                <p:cNvPr id="28" name="Rectangle 27">
+                  <a:extLst>
+                    <a:ext uri="{FF2B5EF4-FFF2-40B4-BE49-F238E27FC236}">
+                      <a16:creationId xmlns:a16="http://schemas.microsoft.com/office/drawing/2014/main" id="{2E75E586-6C1B-3BC4-F8AD-771B0B441771}"/>
+                    </a:ext>
+                  </a:extLst>
+                </p:cNvPr>
+                <p:cNvSpPr/>
+                <p:nvPr/>
+              </p:nvSpPr>
+              <p:spPr>
+                <a:xfrm>
+                  <a:off x="9797547" y="2234822"/>
+                  <a:ext cx="435020" cy="45719"/>
+                </a:xfrm>
+                <a:prstGeom prst="rect">
+                  <a:avLst/>
+                </a:prstGeom>
+                <a:solidFill>
+                  <a:schemeClr val="bg1">
+                    <a:lumMod val="65000"/>
+                    <a:alpha val="46640"/>
+                  </a:schemeClr>
+                </a:solidFill>
+                <a:ln>
+                  <a:noFill/>
+                </a:ln>
+              </p:spPr>
+              <p:style>
+                <a:lnRef idx="2">
+                  <a:schemeClr val="accent1">
+                    <a:shade val="15000"/>
+                  </a:schemeClr>
+                </a:lnRef>
+                <a:fillRef idx="1">
+                  <a:schemeClr val="accent1"/>
+                </a:fillRef>
+                <a:effectRef idx="0">
+                  <a:schemeClr val="accent1"/>
+                </a:effectRef>
+                <a:fontRef idx="minor">
+                  <a:schemeClr val="lt1"/>
+                </a:fontRef>
+              </p:style>
+              <p:txBody>
+                <a:bodyPr rtlCol="0" anchor="ctr"/>
+                <a:lstStyle/>
+                <a:p>
+                  <a:pPr algn="ctr"/>
+                  <a:endParaRPr lang="en-CH" dirty="0"/>
+                </a:p>
+              </p:txBody>
+            </p:sp>
+            <p:sp>
+              <p:nvSpPr>
+                <p:cNvPr id="29" name="Rectangle 28">
+                  <a:extLst>
+                    <a:ext uri="{FF2B5EF4-FFF2-40B4-BE49-F238E27FC236}">
+                      <a16:creationId xmlns:a16="http://schemas.microsoft.com/office/drawing/2014/main" id="{D3A19EDE-EF87-73EF-6E6F-69442CD641BC}"/>
+                    </a:ext>
+                  </a:extLst>
+                </p:cNvPr>
+                <p:cNvSpPr/>
+                <p:nvPr/>
+              </p:nvSpPr>
+              <p:spPr>
+                <a:xfrm>
+                  <a:off x="10502150" y="2234822"/>
+                  <a:ext cx="359376" cy="45719"/>
+                </a:xfrm>
+                <a:prstGeom prst="rect">
+                  <a:avLst/>
+                </a:prstGeom>
+                <a:solidFill>
+                  <a:schemeClr val="bg1">
+                    <a:lumMod val="65000"/>
+                    <a:alpha val="46640"/>
+                  </a:schemeClr>
+                </a:solidFill>
+                <a:ln>
+                  <a:noFill/>
+                </a:ln>
+              </p:spPr>
+              <p:style>
+                <a:lnRef idx="2">
+                  <a:schemeClr val="accent1">
+                    <a:shade val="15000"/>
+                  </a:schemeClr>
+                </a:lnRef>
+                <a:fillRef idx="1">
+                  <a:schemeClr val="accent1"/>
+                </a:fillRef>
+                <a:effectRef idx="0">
+                  <a:schemeClr val="accent1"/>
+                </a:effectRef>
+                <a:fontRef idx="minor">
+                  <a:schemeClr val="lt1"/>
+                </a:fontRef>
+              </p:style>
+              <p:txBody>
+                <a:bodyPr rtlCol="0" anchor="ctr"/>
+                <a:lstStyle/>
+                <a:p>
+                  <a:pPr algn="ctr"/>
+                  <a:endParaRPr lang="en-CH" dirty="0"/>
+                </a:p>
+              </p:txBody>
+            </p:sp>
+            <p:sp>
+              <p:nvSpPr>
+                <p:cNvPr id="30" name="Rectangle 29">
+                  <a:extLst>
+                    <a:ext uri="{FF2B5EF4-FFF2-40B4-BE49-F238E27FC236}">
+                      <a16:creationId xmlns:a16="http://schemas.microsoft.com/office/drawing/2014/main" id="{8D6D06D1-A3B0-3E78-B7F0-16AF278A4151}"/>
+                    </a:ext>
+                  </a:extLst>
+                </p:cNvPr>
+                <p:cNvSpPr/>
+                <p:nvPr/>
+              </p:nvSpPr>
+              <p:spPr>
+                <a:xfrm>
+                  <a:off x="9259253" y="342000"/>
+                  <a:ext cx="354663" cy="53785"/>
+                </a:xfrm>
+                <a:prstGeom prst="rect">
+                  <a:avLst/>
+                </a:prstGeom>
+                <a:solidFill>
+                  <a:schemeClr val="bg1">
+                    <a:lumMod val="65000"/>
+                    <a:alpha val="46640"/>
+                  </a:schemeClr>
+                </a:solidFill>
+                <a:ln>
+                  <a:noFill/>
+                </a:ln>
+              </p:spPr>
+              <p:style>
+                <a:lnRef idx="2">
+                  <a:schemeClr val="accent1">
+                    <a:shade val="15000"/>
+                  </a:schemeClr>
+                </a:lnRef>
+                <a:fillRef idx="1">
+                  <a:schemeClr val="accent1"/>
+                </a:fillRef>
+                <a:effectRef idx="0">
+                  <a:schemeClr val="accent1"/>
+                </a:effectRef>
+                <a:fontRef idx="minor">
+                  <a:schemeClr val="lt1"/>
+                </a:fontRef>
+              </p:style>
+              <p:txBody>
+                <a:bodyPr lIns="90000" rtlCol="0" anchor="ctr"/>
+                <a:lstStyle/>
+                <a:p>
+                  <a:pPr algn="ctr"/>
+                  <a:endParaRPr lang="en-CH" dirty="0"/>
+                </a:p>
+              </p:txBody>
+            </p:sp>
+            <p:sp>
+              <p:nvSpPr>
+                <p:cNvPr id="31" name="Rectangle 30">
+                  <a:extLst>
+                    <a:ext uri="{FF2B5EF4-FFF2-40B4-BE49-F238E27FC236}">
+                      <a16:creationId xmlns:a16="http://schemas.microsoft.com/office/drawing/2014/main" id="{25DA2971-4186-FB0C-0C20-4B43FA5F9521}"/>
+                    </a:ext>
+                  </a:extLst>
+                </p:cNvPr>
+                <p:cNvSpPr/>
+                <p:nvPr/>
+              </p:nvSpPr>
+              <p:spPr>
+                <a:xfrm>
+                  <a:off x="10506863" y="342000"/>
+                  <a:ext cx="354663" cy="53785"/>
+                </a:xfrm>
+                <a:prstGeom prst="rect">
+                  <a:avLst/>
+                </a:prstGeom>
+                <a:solidFill>
+                  <a:schemeClr val="bg1">
+                    <a:lumMod val="65000"/>
+                    <a:alpha val="46640"/>
+                  </a:schemeClr>
+                </a:solidFill>
+                <a:ln>
+                  <a:noFill/>
+                </a:ln>
+              </p:spPr>
+              <p:style>
+                <a:lnRef idx="2">
+                  <a:schemeClr val="accent1">
+                    <a:shade val="15000"/>
+                  </a:schemeClr>
+                </a:lnRef>
+                <a:fillRef idx="1">
+                  <a:schemeClr val="accent1"/>
+                </a:fillRef>
+                <a:effectRef idx="0">
+                  <a:schemeClr val="accent1"/>
+                </a:effectRef>
+                <a:fontRef idx="minor">
+                  <a:schemeClr val="lt1"/>
+                </a:fontRef>
+              </p:style>
+              <p:txBody>
+                <a:bodyPr rtlCol="0" anchor="ctr"/>
+                <a:lstStyle/>
+                <a:p>
+                  <a:pPr algn="ctr"/>
+                  <a:endParaRPr lang="en-CH" dirty="0"/>
+                </a:p>
+              </p:txBody>
+            </p:sp>
+            <p:sp>
+              <p:nvSpPr>
+                <p:cNvPr id="32" name="Rectangle 31">
+                  <a:extLst>
+                    <a:ext uri="{FF2B5EF4-FFF2-40B4-BE49-F238E27FC236}">
+                      <a16:creationId xmlns:a16="http://schemas.microsoft.com/office/drawing/2014/main" id="{73797757-AAE8-278D-0B24-E7A4562E19E3}"/>
+                    </a:ext>
+                  </a:extLst>
+                </p:cNvPr>
+                <p:cNvSpPr/>
+                <p:nvPr/>
+              </p:nvSpPr>
+              <p:spPr>
+                <a:xfrm>
+                  <a:off x="9799661" y="342000"/>
+                  <a:ext cx="429397" cy="53785"/>
+                </a:xfrm>
+                <a:prstGeom prst="rect">
+                  <a:avLst/>
+                </a:prstGeom>
+                <a:solidFill>
+                  <a:schemeClr val="bg1">
+                    <a:lumMod val="65000"/>
+                    <a:alpha val="46640"/>
+                  </a:schemeClr>
+                </a:solidFill>
+                <a:ln>
+                  <a:noFill/>
+                </a:ln>
+              </p:spPr>
+              <p:style>
+                <a:lnRef idx="2">
+                  <a:schemeClr val="accent1">
+                    <a:shade val="15000"/>
+                  </a:schemeClr>
+                </a:lnRef>
+                <a:fillRef idx="1">
+                  <a:schemeClr val="accent1"/>
+                </a:fillRef>
+                <a:effectRef idx="0">
+                  <a:schemeClr val="accent1"/>
+                </a:effectRef>
+                <a:fontRef idx="minor">
+                  <a:schemeClr val="lt1"/>
+                </a:fontRef>
+              </p:style>
+              <p:txBody>
+                <a:bodyPr lIns="90000" rtlCol="0" anchor="ctr"/>
+                <a:lstStyle/>
+                <a:p>
+                  <a:pPr algn="ctr"/>
+                  <a:endParaRPr lang="en-CH" dirty="0"/>
+                </a:p>
+              </p:txBody>
+            </p:sp>
+            <p:cxnSp>
+              <p:nvCxnSpPr>
+                <p:cNvPr id="34" name="Straight Connector 33">
+                  <a:extLst>
+                    <a:ext uri="{FF2B5EF4-FFF2-40B4-BE49-F238E27FC236}">
+                      <a16:creationId xmlns:a16="http://schemas.microsoft.com/office/drawing/2014/main" id="{AD6D409D-82AD-4FD7-725A-2533518CECE2}"/>
+                    </a:ext>
+                  </a:extLst>
+                </p:cNvPr>
+                <p:cNvCxnSpPr>
+                  <a:cxnSpLocks/>
+                </p:cNvCxnSpPr>
+                <p:nvPr/>
+              </p:nvCxnSpPr>
+              <p:spPr>
+                <a:xfrm>
+                  <a:off x="8791916" y="342000"/>
+                  <a:ext cx="0" cy="1940400"/>
+                </a:xfrm>
+                <a:prstGeom prst="line">
+                  <a:avLst/>
+                </a:prstGeom>
+                <a:ln w="15875">
+                  <a:solidFill>
+                    <a:srgbClr val="D5D5D5"/>
+                  </a:solidFill>
+                </a:ln>
+              </p:spPr>
+              <p:style>
+                <a:lnRef idx="1">
+                  <a:schemeClr val="accent1"/>
+                </a:lnRef>
+                <a:fillRef idx="0">
+                  <a:schemeClr val="accent1"/>
+                </a:fillRef>
+                <a:effectRef idx="0">
+                  <a:schemeClr val="accent1"/>
+                </a:effectRef>
+                <a:fontRef idx="minor">
+                  <a:schemeClr val="tx1"/>
+                </a:fontRef>
+              </p:style>
+            </p:cxnSp>
+            <p:cxnSp>
+              <p:nvCxnSpPr>
+                <p:cNvPr id="43" name="Straight Connector 42">
+                  <a:extLst>
+                    <a:ext uri="{FF2B5EF4-FFF2-40B4-BE49-F238E27FC236}">
+                      <a16:creationId xmlns:a16="http://schemas.microsoft.com/office/drawing/2014/main" id="{4E3CA855-2E4A-882B-C666-609B92A9D0CC}"/>
+                    </a:ext>
+                  </a:extLst>
+                </p:cNvPr>
+                <p:cNvCxnSpPr>
+                  <a:cxnSpLocks/>
+                </p:cNvCxnSpPr>
+                <p:nvPr/>
+              </p:nvCxnSpPr>
+              <p:spPr>
+                <a:xfrm>
+                  <a:off x="8371101" y="342000"/>
+                  <a:ext cx="0" cy="1940400"/>
+                </a:xfrm>
+                <a:prstGeom prst="line">
+                  <a:avLst/>
+                </a:prstGeom>
+                <a:ln w="15875">
+                  <a:solidFill>
+                    <a:srgbClr val="D5D5D5"/>
+                  </a:solidFill>
+                </a:ln>
+              </p:spPr>
+              <p:style>
+                <a:lnRef idx="1">
+                  <a:schemeClr val="accent1"/>
+                </a:lnRef>
+                <a:fillRef idx="0">
+                  <a:schemeClr val="accent1"/>
+                </a:fillRef>
+                <a:effectRef idx="0">
+                  <a:schemeClr val="accent1"/>
+                </a:effectRef>
+                <a:fontRef idx="minor">
+                  <a:schemeClr val="tx1"/>
+                </a:fontRef>
+              </p:style>
+            </p:cxnSp>
+            <p:cxnSp>
+              <p:nvCxnSpPr>
+                <p:cNvPr id="44" name="Straight Connector 43">
+                  <a:extLst>
+                    <a:ext uri="{FF2B5EF4-FFF2-40B4-BE49-F238E27FC236}">
+                      <a16:creationId xmlns:a16="http://schemas.microsoft.com/office/drawing/2014/main" id="{0036DB90-D9F3-57D1-49FD-8920A0A08B90}"/>
+                    </a:ext>
+                  </a:extLst>
+                </p:cNvPr>
+                <p:cNvCxnSpPr>
+                  <a:cxnSpLocks/>
+                </p:cNvCxnSpPr>
+                <p:nvPr/>
+              </p:nvCxnSpPr>
+              <p:spPr>
+                <a:xfrm>
+                  <a:off x="9255395" y="342000"/>
+                  <a:ext cx="0" cy="1940400"/>
+                </a:xfrm>
+                <a:prstGeom prst="line">
+                  <a:avLst/>
+                </a:prstGeom>
+                <a:ln w="15875">
+                  <a:solidFill>
+                    <a:srgbClr val="D5D5D5"/>
+                  </a:solidFill>
+                </a:ln>
+              </p:spPr>
+              <p:style>
+                <a:lnRef idx="1">
+                  <a:schemeClr val="accent1"/>
+                </a:lnRef>
+                <a:fillRef idx="0">
+                  <a:schemeClr val="accent1"/>
+                </a:fillRef>
+                <a:effectRef idx="0">
+                  <a:schemeClr val="accent1"/>
+                </a:effectRef>
+                <a:fontRef idx="minor">
+                  <a:schemeClr val="tx1"/>
+                </a:fontRef>
+              </p:style>
+            </p:cxnSp>
+            <p:cxnSp>
+              <p:nvCxnSpPr>
+                <p:cNvPr id="45" name="Straight Connector 44">
+                  <a:extLst>
+                    <a:ext uri="{FF2B5EF4-FFF2-40B4-BE49-F238E27FC236}">
+                      <a16:creationId xmlns:a16="http://schemas.microsoft.com/office/drawing/2014/main" id="{95D5A061-C1F6-2EAD-871E-DC96D56B338B}"/>
+                    </a:ext>
+                  </a:extLst>
+                </p:cNvPr>
+                <p:cNvCxnSpPr>
+                  <a:cxnSpLocks/>
+                </p:cNvCxnSpPr>
+                <p:nvPr/>
+              </p:nvCxnSpPr>
+              <p:spPr>
+                <a:xfrm>
+                  <a:off x="9619103" y="342000"/>
+                  <a:ext cx="0" cy="1940400"/>
+                </a:xfrm>
+                <a:prstGeom prst="line">
+                  <a:avLst/>
+                </a:prstGeom>
+                <a:ln w="15875">
+                  <a:solidFill>
+                    <a:srgbClr val="D5D5D5"/>
+                  </a:solidFill>
+                </a:ln>
+              </p:spPr>
+              <p:style>
+                <a:lnRef idx="1">
+                  <a:schemeClr val="accent1"/>
+                </a:lnRef>
+                <a:fillRef idx="0">
+                  <a:schemeClr val="accent1"/>
+                </a:fillRef>
+                <a:effectRef idx="0">
+                  <a:schemeClr val="accent1"/>
+                </a:effectRef>
+                <a:fontRef idx="minor">
+                  <a:schemeClr val="tx1"/>
+                </a:fontRef>
+              </p:style>
+            </p:cxnSp>
+            <p:cxnSp>
+              <p:nvCxnSpPr>
+                <p:cNvPr id="46" name="Straight Connector 45">
+                  <a:extLst>
+                    <a:ext uri="{FF2B5EF4-FFF2-40B4-BE49-F238E27FC236}">
+                      <a16:creationId xmlns:a16="http://schemas.microsoft.com/office/drawing/2014/main" id="{1059DF45-645E-859E-1D5E-F7DFB4C61FFB}"/>
+                    </a:ext>
+                  </a:extLst>
+                </p:cNvPr>
+                <p:cNvCxnSpPr>
+                  <a:cxnSpLocks/>
+                </p:cNvCxnSpPr>
+                <p:nvPr/>
+              </p:nvCxnSpPr>
+              <p:spPr>
+                <a:xfrm>
+                  <a:off x="10502151" y="342000"/>
+                  <a:ext cx="0" cy="1940400"/>
+                </a:xfrm>
+                <a:prstGeom prst="line">
+                  <a:avLst/>
+                </a:prstGeom>
+                <a:ln w="15875">
+                  <a:solidFill>
+                    <a:srgbClr val="D5D5D5"/>
+                  </a:solidFill>
+                </a:ln>
+              </p:spPr>
+              <p:style>
+                <a:lnRef idx="1">
+                  <a:schemeClr val="accent1"/>
+                </a:lnRef>
+                <a:fillRef idx="0">
+                  <a:schemeClr val="accent1"/>
+                </a:fillRef>
+                <a:effectRef idx="0">
+                  <a:schemeClr val="accent1"/>
+                </a:effectRef>
+                <a:fontRef idx="minor">
+                  <a:schemeClr val="tx1"/>
+                </a:fontRef>
+              </p:style>
+            </p:cxnSp>
+            <p:cxnSp>
+              <p:nvCxnSpPr>
+                <p:cNvPr id="47" name="Straight Connector 46">
+                  <a:extLst>
+                    <a:ext uri="{FF2B5EF4-FFF2-40B4-BE49-F238E27FC236}">
+                      <a16:creationId xmlns:a16="http://schemas.microsoft.com/office/drawing/2014/main" id="{B56D53CE-BBD9-009F-6E95-87998BBBB817}"/>
+                    </a:ext>
+                  </a:extLst>
+                </p:cNvPr>
+                <p:cNvCxnSpPr>
+                  <a:cxnSpLocks/>
+                </p:cNvCxnSpPr>
+                <p:nvPr/>
+              </p:nvCxnSpPr>
+              <p:spPr>
+                <a:xfrm>
+                  <a:off x="10863459" y="342000"/>
+                  <a:ext cx="0" cy="1940400"/>
+                </a:xfrm>
+                <a:prstGeom prst="line">
+                  <a:avLst/>
+                </a:prstGeom>
+                <a:ln w="15875">
+                  <a:solidFill>
+                    <a:srgbClr val="D5D5D5"/>
+                  </a:solidFill>
+                </a:ln>
+              </p:spPr>
+              <p:style>
+                <a:lnRef idx="1">
+                  <a:schemeClr val="accent1"/>
+                </a:lnRef>
+                <a:fillRef idx="0">
+                  <a:schemeClr val="accent1"/>
+                </a:fillRef>
+                <a:effectRef idx="0">
+                  <a:schemeClr val="accent1"/>
+                </a:effectRef>
+                <a:fontRef idx="minor">
+                  <a:schemeClr val="tx1"/>
+                </a:fontRef>
+              </p:style>
+            </p:cxnSp>
+            <p:cxnSp>
+              <p:nvCxnSpPr>
+                <p:cNvPr id="48" name="Straight Connector 47">
+                  <a:extLst>
+                    <a:ext uri="{FF2B5EF4-FFF2-40B4-BE49-F238E27FC236}">
+                      <a16:creationId xmlns:a16="http://schemas.microsoft.com/office/drawing/2014/main" id="{708B6F8C-7E7A-B23A-7767-CB1A70944582}"/>
+                    </a:ext>
+                  </a:extLst>
+                </p:cNvPr>
+                <p:cNvCxnSpPr>
+                  <a:cxnSpLocks/>
+                </p:cNvCxnSpPr>
+                <p:nvPr/>
+              </p:nvCxnSpPr>
+              <p:spPr>
+                <a:xfrm>
+                  <a:off x="9798630" y="342000"/>
+                  <a:ext cx="0" cy="1940400"/>
+                </a:xfrm>
+                <a:prstGeom prst="line">
+                  <a:avLst/>
+                </a:prstGeom>
+                <a:ln w="15875">
+                  <a:solidFill>
+                    <a:srgbClr val="D5D5D5"/>
+                  </a:solidFill>
+                </a:ln>
+              </p:spPr>
+              <p:style>
+                <a:lnRef idx="1">
+                  <a:schemeClr val="accent1"/>
+                </a:lnRef>
+                <a:fillRef idx="0">
+                  <a:schemeClr val="accent1"/>
+                </a:fillRef>
+                <a:effectRef idx="0">
+                  <a:schemeClr val="accent1"/>
+                </a:effectRef>
+                <a:fontRef idx="minor">
+                  <a:schemeClr val="tx1"/>
+                </a:fontRef>
+              </p:style>
+            </p:cxnSp>
+            <p:cxnSp>
+              <p:nvCxnSpPr>
+                <p:cNvPr id="49" name="Straight Connector 48">
+                  <a:extLst>
+                    <a:ext uri="{FF2B5EF4-FFF2-40B4-BE49-F238E27FC236}">
+                      <a16:creationId xmlns:a16="http://schemas.microsoft.com/office/drawing/2014/main" id="{E67AA16A-1DE7-A088-E3D4-1A5117ACA67D}"/>
+                    </a:ext>
+                  </a:extLst>
+                </p:cNvPr>
+                <p:cNvCxnSpPr>
+                  <a:cxnSpLocks/>
+                </p:cNvCxnSpPr>
+                <p:nvPr/>
+              </p:nvCxnSpPr>
+              <p:spPr>
+                <a:xfrm>
+                  <a:off x="10232593" y="342000"/>
+                  <a:ext cx="0" cy="1940400"/>
+                </a:xfrm>
+                <a:prstGeom prst="line">
+                  <a:avLst/>
+                </a:prstGeom>
+                <a:ln w="15875">
+                  <a:solidFill>
+                    <a:srgbClr val="D5D5D5"/>
+                  </a:solidFill>
+                </a:ln>
+              </p:spPr>
+              <p:style>
+                <a:lnRef idx="1">
+                  <a:schemeClr val="accent1"/>
+                </a:lnRef>
+                <a:fillRef idx="0">
+                  <a:schemeClr val="accent1"/>
+                </a:fillRef>
+                <a:effectRef idx="0">
+                  <a:schemeClr val="accent1"/>
+                </a:effectRef>
+                <a:fontRef idx="minor">
+                  <a:schemeClr val="tx1"/>
+                </a:fontRef>
+              </p:style>
+            </p:cxnSp>
+          </p:grpSp>
+          <p:grpSp>
+            <p:nvGrpSpPr>
+              <p:cNvPr id="71" name="Group 70">
                 <a:extLst>
                   <a:ext uri="{FF2B5EF4-FFF2-40B4-BE49-F238E27FC236}">
-                    <a16:creationId xmlns:a16="http://schemas.microsoft.com/office/drawing/2014/main" id="{10870902-91DF-CEA0-921B-57DF434B0443}"/>
+                    <a16:creationId xmlns:a16="http://schemas.microsoft.com/office/drawing/2014/main" id="{3E55E63E-B1C7-EB42-6649-4FCAEFBDE231}"/>
                   </a:ext>
                 </a:extLst>
               </p:cNvPr>
-              <p:cNvSpPr/>
+              <p:cNvGrpSpPr/>
               <p:nvPr/>
-            </p:nvSpPr>
-            <p:spPr>
+            </p:nvGrpSpPr>
+            <p:grpSpPr>
               <a:xfrm>
-                <a:off x="8373600" y="342000"/>
-                <a:ext cx="423934" cy="66950"/>
+                <a:off x="3543469" y="339977"/>
+                <a:ext cx="2496843" cy="1940400"/>
+                <a:chOff x="3119889" y="339977"/>
+                <a:chExt cx="2496843" cy="1940400"/>
               </a:xfrm>
-              <a:prstGeom prst="rect">
-                <a:avLst/>
-              </a:prstGeom>
-              <a:solidFill>
-                <a:schemeClr val="bg1">
-                  <a:lumMod val="65000"/>
-                  <a:alpha val="46640"/>
-                </a:schemeClr>
-              </a:solidFill>
-              <a:ln>
-                <a:noFill/>
-              </a:ln>
-            </p:spPr>
-            <p:style>
-              <a:lnRef idx="2">
-                <a:schemeClr val="accent1">
-                  <a:shade val="15000"/>
-                </a:schemeClr>
-              </a:lnRef>
-              <a:fillRef idx="1">
-                <a:schemeClr val="accent1"/>
-              </a:fillRef>
-              <a:effectRef idx="0">
-                <a:schemeClr val="accent1"/>
-              </a:effectRef>
-              <a:fontRef idx="minor">
-                <a:schemeClr val="lt1"/>
-              </a:fontRef>
-            </p:style>
-            <p:txBody>
-              <a:bodyPr lIns="90000" rtlCol="0" anchor="ctr"/>
-              <a:lstStyle/>
-              <a:p>
-                <a:pPr algn="ctr"/>
-                <a:endParaRPr lang="en-CH" dirty="0"/>
-              </a:p>
-            </p:txBody>
-          </p:sp>
-          <p:sp>
-            <p:nvSpPr>
-              <p:cNvPr id="23" name="Rectangle 22">
-                <a:extLst>
-                  <a:ext uri="{FF2B5EF4-FFF2-40B4-BE49-F238E27FC236}">
-                    <a16:creationId xmlns:a16="http://schemas.microsoft.com/office/drawing/2014/main" id="{BC2A34B0-355B-DCDD-46EC-B95DC35E8058}"/>
-                  </a:ext>
-                </a:extLst>
-              </p:cNvPr>
-              <p:cNvSpPr/>
-              <p:nvPr/>
-            </p:nvSpPr>
-            <p:spPr>
-              <a:xfrm>
-                <a:off x="8371100" y="989411"/>
-                <a:ext cx="426433" cy="80934"/>
-              </a:xfrm>
-              <a:prstGeom prst="rect">
-                <a:avLst/>
-              </a:prstGeom>
-              <a:solidFill>
-                <a:schemeClr val="bg1">
-                  <a:lumMod val="65000"/>
-                  <a:alpha val="46640"/>
-                </a:schemeClr>
-              </a:solidFill>
-              <a:ln>
-                <a:noFill/>
-              </a:ln>
-            </p:spPr>
-            <p:style>
-              <a:lnRef idx="2">
-                <a:schemeClr val="accent1">
-                  <a:shade val="15000"/>
-                </a:schemeClr>
-              </a:lnRef>
-              <a:fillRef idx="1">
-                <a:schemeClr val="accent1"/>
-              </a:fillRef>
-              <a:effectRef idx="0">
-                <a:schemeClr val="accent1"/>
-              </a:effectRef>
-              <a:fontRef idx="minor">
-                <a:schemeClr val="lt1"/>
-              </a:fontRef>
-            </p:style>
-            <p:txBody>
-              <a:bodyPr lIns="18000" tIns="0" rIns="18000" bIns="0" rtlCol="0" anchor="ctr"/>
-              <a:lstStyle/>
-              <a:p>
-                <a:pPr algn="ctr"/>
-                <a:r>
-                  <a:rPr lang="en-CH" sz="600" dirty="0">
+            </p:grpSpPr>
+            <p:sp>
+              <p:nvSpPr>
+                <p:cNvPr id="51" name="Rectangle 50">
+                  <a:extLst>
+                    <a:ext uri="{FF2B5EF4-FFF2-40B4-BE49-F238E27FC236}">
+                      <a16:creationId xmlns:a16="http://schemas.microsoft.com/office/drawing/2014/main" id="{25E06933-8DFD-1169-68E8-605E8B5D184E}"/>
+                    </a:ext>
+                  </a:extLst>
+                </p:cNvPr>
+                <p:cNvSpPr/>
+                <p:nvPr/>
+              </p:nvSpPr>
+              <p:spPr>
+                <a:xfrm>
+                  <a:off x="3119889" y="2232635"/>
+                  <a:ext cx="423934" cy="45719"/>
+                </a:xfrm>
+                <a:prstGeom prst="rect">
+                  <a:avLst/>
+                </a:prstGeom>
+                <a:solidFill>
+                  <a:schemeClr val="bg1">
+                    <a:lumMod val="65000"/>
+                    <a:alpha val="46640"/>
+                  </a:schemeClr>
+                </a:solidFill>
+                <a:ln>
+                  <a:noFill/>
+                </a:ln>
+              </p:spPr>
+              <p:style>
+                <a:lnRef idx="2">
+                  <a:schemeClr val="accent1">
+                    <a:shade val="15000"/>
+                  </a:schemeClr>
+                </a:lnRef>
+                <a:fillRef idx="1">
+                  <a:schemeClr val="accent1"/>
+                </a:fillRef>
+                <a:effectRef idx="0">
+                  <a:schemeClr val="accent1"/>
+                </a:effectRef>
+                <a:fontRef idx="minor">
+                  <a:schemeClr val="lt1"/>
+                </a:fontRef>
+              </p:style>
+              <p:txBody>
+                <a:bodyPr rtlCol="0" anchor="ctr"/>
+                <a:lstStyle/>
+                <a:p>
+                  <a:pPr algn="ctr"/>
+                  <a:endParaRPr lang="en-CH" dirty="0"/>
+                </a:p>
+              </p:txBody>
+            </p:sp>
+            <p:sp>
+              <p:nvSpPr>
+                <p:cNvPr id="52" name="Rectangle 51">
+                  <a:extLst>
+                    <a:ext uri="{FF2B5EF4-FFF2-40B4-BE49-F238E27FC236}">
+                      <a16:creationId xmlns:a16="http://schemas.microsoft.com/office/drawing/2014/main" id="{5EB9E10A-3682-AC68-6963-BD65494ED0BE}"/>
+                    </a:ext>
+                  </a:extLst>
+                </p:cNvPr>
+                <p:cNvSpPr/>
+                <p:nvPr/>
+              </p:nvSpPr>
+              <p:spPr>
+                <a:xfrm>
+                  <a:off x="3126873" y="339977"/>
+                  <a:ext cx="423934" cy="66950"/>
+                </a:xfrm>
+                <a:prstGeom prst="rect">
+                  <a:avLst/>
+                </a:prstGeom>
+                <a:solidFill>
+                  <a:schemeClr val="bg1">
+                    <a:lumMod val="65000"/>
+                    <a:alpha val="46640"/>
+                  </a:schemeClr>
+                </a:solidFill>
+                <a:ln>
+                  <a:noFill/>
+                </a:ln>
+              </p:spPr>
+              <p:style>
+                <a:lnRef idx="2">
+                  <a:schemeClr val="accent1">
+                    <a:shade val="15000"/>
+                  </a:schemeClr>
+                </a:lnRef>
+                <a:fillRef idx="1">
+                  <a:schemeClr val="accent1"/>
+                </a:fillRef>
+                <a:effectRef idx="0">
+                  <a:schemeClr val="accent1"/>
+                </a:effectRef>
+                <a:fontRef idx="minor">
+                  <a:schemeClr val="lt1"/>
+                </a:fontRef>
+              </p:style>
+              <p:txBody>
+                <a:bodyPr lIns="90000" rtlCol="0" anchor="ctr"/>
+                <a:lstStyle/>
+                <a:p>
+                  <a:pPr algn="ctr"/>
+                  <a:endParaRPr lang="en-CH" dirty="0"/>
+                </a:p>
+              </p:txBody>
+            </p:sp>
+            <p:sp>
+              <p:nvSpPr>
+                <p:cNvPr id="53" name="Rectangle 52">
+                  <a:extLst>
+                    <a:ext uri="{FF2B5EF4-FFF2-40B4-BE49-F238E27FC236}">
+                      <a16:creationId xmlns:a16="http://schemas.microsoft.com/office/drawing/2014/main" id="{B1386FC0-A19B-74E5-C237-783C6E7226C7}"/>
+                    </a:ext>
+                  </a:extLst>
+                </p:cNvPr>
+                <p:cNvSpPr/>
+                <p:nvPr/>
+              </p:nvSpPr>
+              <p:spPr>
+                <a:xfrm>
+                  <a:off x="3124373" y="987388"/>
+                  <a:ext cx="426433" cy="80934"/>
+                </a:xfrm>
+                <a:prstGeom prst="rect">
+                  <a:avLst/>
+                </a:prstGeom>
+                <a:solidFill>
+                  <a:schemeClr val="bg1">
+                    <a:lumMod val="65000"/>
+                    <a:alpha val="46640"/>
+                  </a:schemeClr>
+                </a:solidFill>
+                <a:ln>
+                  <a:noFill/>
+                </a:ln>
+              </p:spPr>
+              <p:style>
+                <a:lnRef idx="2">
+                  <a:schemeClr val="accent1">
+                    <a:shade val="15000"/>
+                  </a:schemeClr>
+                </a:lnRef>
+                <a:fillRef idx="1">
+                  <a:schemeClr val="accent1"/>
+                </a:fillRef>
+                <a:effectRef idx="0">
+                  <a:schemeClr val="accent1"/>
+                </a:effectRef>
+                <a:fontRef idx="minor">
+                  <a:schemeClr val="lt1"/>
+                </a:fontRef>
+              </p:style>
+              <p:txBody>
+                <a:bodyPr lIns="18000" tIns="0" rIns="18000" bIns="0" rtlCol="0" anchor="ctr"/>
+                <a:lstStyle/>
+                <a:p>
+                  <a:pPr algn="ctr"/>
+                  <a:r>
+                    <a:rPr lang="en-CH" sz="600" dirty="0">
+                      <a:solidFill>
+                        <a:schemeClr val="bg1">
+                          <a:lumMod val="50000"/>
+                        </a:schemeClr>
+                      </a:solidFill>
+                    </a:rPr>
+                    <a:t>Region 4</a:t>
+                  </a:r>
+                </a:p>
+              </p:txBody>
+            </p:sp>
+            <p:sp>
+              <p:nvSpPr>
+                <p:cNvPr id="54" name="Rectangle 53">
+                  <a:extLst>
+                    <a:ext uri="{FF2B5EF4-FFF2-40B4-BE49-F238E27FC236}">
+                      <a16:creationId xmlns:a16="http://schemas.microsoft.com/office/drawing/2014/main" id="{40D47C16-7D6B-BCDC-4779-8F61F579B740}"/>
+                    </a:ext>
+                  </a:extLst>
+                </p:cNvPr>
+                <p:cNvSpPr/>
+                <p:nvPr/>
+              </p:nvSpPr>
+              <p:spPr>
+                <a:xfrm>
+                  <a:off x="4009522" y="985771"/>
+                  <a:ext cx="362853" cy="82550"/>
+                </a:xfrm>
+                <a:prstGeom prst="rect">
+                  <a:avLst/>
+                </a:prstGeom>
+                <a:solidFill>
+                  <a:schemeClr val="bg1">
+                    <a:lumMod val="65000"/>
+                    <a:alpha val="46640"/>
+                  </a:schemeClr>
+                </a:solidFill>
+                <a:ln>
+                  <a:noFill/>
+                </a:ln>
+              </p:spPr>
+              <p:style>
+                <a:lnRef idx="2">
+                  <a:schemeClr val="accent1">
+                    <a:shade val="15000"/>
+                  </a:schemeClr>
+                </a:lnRef>
+                <a:fillRef idx="1">
+                  <a:schemeClr val="accent1"/>
+                </a:fillRef>
+                <a:effectRef idx="0">
+                  <a:schemeClr val="accent1"/>
+                </a:effectRef>
+                <a:fontRef idx="minor">
+                  <a:schemeClr val="lt1"/>
+                </a:fontRef>
+              </p:style>
+              <p:txBody>
+                <a:bodyPr lIns="18000" tIns="0" rIns="18000" bIns="0" rtlCol="0" anchor="ctr"/>
+                <a:lstStyle/>
+                <a:p>
+                  <a:pPr algn="ctr"/>
+                  <a:r>
+                    <a:rPr lang="en-CH" sz="600" dirty="0">
+                      <a:solidFill>
+                        <a:schemeClr val="bg1">
+                          <a:lumMod val="50000"/>
+                        </a:schemeClr>
+                      </a:solidFill>
+                    </a:rPr>
+                    <a:t>Region 3</a:t>
+                  </a:r>
+                  <a:endParaRPr lang="en-CH" sz="600" dirty="0">
                     <a:solidFill>
                       <a:schemeClr val="bg1">
-                        <a:lumMod val="50000"/>
+                        <a:lumMod val="65000"/>
                       </a:schemeClr>
                     </a:solidFill>
-                  </a:rPr>
-                  <a:t>Region 4</a:t>
-                </a:r>
-              </a:p>
-            </p:txBody>
-          </p:sp>
-          <p:sp>
-            <p:nvSpPr>
-              <p:cNvPr id="24" name="Rectangle 23">
-                <a:extLst>
-                  <a:ext uri="{FF2B5EF4-FFF2-40B4-BE49-F238E27FC236}">
-                    <a16:creationId xmlns:a16="http://schemas.microsoft.com/office/drawing/2014/main" id="{4FB0D505-6666-2582-3A3A-6A68D133B167}"/>
-                  </a:ext>
-                </a:extLst>
-              </p:cNvPr>
-              <p:cNvSpPr/>
-              <p:nvPr/>
-            </p:nvSpPr>
-            <p:spPr>
-              <a:xfrm>
-                <a:off x="9256249" y="987794"/>
-                <a:ext cx="362853" cy="82550"/>
-              </a:xfrm>
-              <a:prstGeom prst="rect">
-                <a:avLst/>
-              </a:prstGeom>
-              <a:solidFill>
-                <a:schemeClr val="bg1">
-                  <a:lumMod val="65000"/>
-                  <a:alpha val="46640"/>
-                </a:schemeClr>
-              </a:solidFill>
-              <a:ln>
-                <a:noFill/>
-              </a:ln>
-            </p:spPr>
-            <p:style>
-              <a:lnRef idx="2">
-                <a:schemeClr val="accent1">
-                  <a:shade val="15000"/>
-                </a:schemeClr>
-              </a:lnRef>
-              <a:fillRef idx="1">
-                <a:schemeClr val="accent1"/>
-              </a:fillRef>
-              <a:effectRef idx="0">
-                <a:schemeClr val="accent1"/>
-              </a:effectRef>
-              <a:fontRef idx="minor">
-                <a:schemeClr val="lt1"/>
-              </a:fontRef>
-            </p:style>
-            <p:txBody>
-              <a:bodyPr lIns="18000" tIns="0" rIns="18000" bIns="0" rtlCol="0" anchor="ctr"/>
-              <a:lstStyle/>
-              <a:p>
-                <a:pPr algn="ctr"/>
-                <a:r>
-                  <a:rPr lang="en-CH" sz="600" dirty="0">
-                    <a:solidFill>
-                      <a:schemeClr val="bg1">
-                        <a:lumMod val="50000"/>
-                      </a:schemeClr>
-                    </a:solidFill>
-                  </a:rPr>
-                  <a:t>Region 3</a:t>
-                </a:r>
-                <a:endParaRPr lang="en-CH" sz="600" dirty="0">
+                  </a:endParaRPr>
+                </a:p>
+              </p:txBody>
+            </p:sp>
+            <p:sp>
+              <p:nvSpPr>
+                <p:cNvPr id="55" name="Rectangle 54">
+                  <a:extLst>
+                    <a:ext uri="{FF2B5EF4-FFF2-40B4-BE49-F238E27FC236}">
+                      <a16:creationId xmlns:a16="http://schemas.microsoft.com/office/drawing/2014/main" id="{54B22DB8-F790-D404-4130-FD12B6B1BF49}"/>
+                    </a:ext>
+                  </a:extLst>
+                </p:cNvPr>
+                <p:cNvSpPr/>
+                <p:nvPr/>
+              </p:nvSpPr>
+              <p:spPr>
+                <a:xfrm>
+                  <a:off x="4550873" y="987386"/>
+                  <a:ext cx="435020" cy="82550"/>
+                </a:xfrm>
+                <a:prstGeom prst="rect">
+                  <a:avLst/>
+                </a:prstGeom>
+                <a:solidFill>
+                  <a:schemeClr val="bg1">
+                    <a:lumMod val="65000"/>
+                    <a:alpha val="46640"/>
+                  </a:schemeClr>
+                </a:solidFill>
+                <a:ln>
+                  <a:noFill/>
+                </a:ln>
+              </p:spPr>
+              <p:style>
+                <a:lnRef idx="2">
+                  <a:schemeClr val="accent1">
+                    <a:shade val="15000"/>
+                  </a:schemeClr>
+                </a:lnRef>
+                <a:fillRef idx="1">
+                  <a:schemeClr val="accent1"/>
+                </a:fillRef>
+                <a:effectRef idx="0">
+                  <a:schemeClr val="accent1"/>
+                </a:effectRef>
+                <a:fontRef idx="minor">
+                  <a:schemeClr val="lt1"/>
+                </a:fontRef>
+              </p:style>
+              <p:txBody>
+                <a:bodyPr lIns="18000" tIns="0" rIns="18000" bIns="0" rtlCol="0" anchor="ctr"/>
+                <a:lstStyle/>
+                <a:p>
+                  <a:pPr algn="ctr"/>
+                  <a:r>
+                    <a:rPr lang="en-CH" sz="600" dirty="0">
+                      <a:solidFill>
+                        <a:schemeClr val="bg1">
+                          <a:lumMod val="50000"/>
+                        </a:schemeClr>
+                      </a:solidFill>
+                    </a:rPr>
+                    <a:t>Region 2</a:t>
+                  </a:r>
+                </a:p>
+              </p:txBody>
+            </p:sp>
+            <p:sp>
+              <p:nvSpPr>
+                <p:cNvPr id="56" name="Rectangle 55">
+                  <a:extLst>
+                    <a:ext uri="{FF2B5EF4-FFF2-40B4-BE49-F238E27FC236}">
+                      <a16:creationId xmlns:a16="http://schemas.microsoft.com/office/drawing/2014/main" id="{3B0C94AE-7247-11FC-E203-E7FF483EFC80}"/>
+                    </a:ext>
+                  </a:extLst>
+                </p:cNvPr>
+                <p:cNvSpPr/>
+                <p:nvPr/>
+              </p:nvSpPr>
+              <p:spPr>
+                <a:xfrm>
+                  <a:off x="5255423" y="992751"/>
+                  <a:ext cx="361307" cy="77077"/>
+                </a:xfrm>
+                <a:prstGeom prst="rect">
+                  <a:avLst/>
+                </a:prstGeom>
+                <a:solidFill>
+                  <a:schemeClr val="bg1">
+                    <a:lumMod val="65000"/>
+                    <a:alpha val="46640"/>
+                  </a:schemeClr>
+                </a:solidFill>
+                <a:ln>
+                  <a:noFill/>
+                </a:ln>
+              </p:spPr>
+              <p:style>
+                <a:lnRef idx="2">
+                  <a:schemeClr val="accent1">
+                    <a:shade val="15000"/>
+                  </a:schemeClr>
+                </a:lnRef>
+                <a:fillRef idx="1">
+                  <a:schemeClr val="accent1"/>
+                </a:fillRef>
+                <a:effectRef idx="0">
+                  <a:schemeClr val="accent1"/>
+                </a:effectRef>
+                <a:fontRef idx="minor">
+                  <a:schemeClr val="lt1"/>
+                </a:fontRef>
+              </p:style>
+              <p:txBody>
+                <a:bodyPr lIns="18000" tIns="0" rIns="18000" bIns="0" rtlCol="0" anchor="ctr"/>
+                <a:lstStyle/>
+                <a:p>
+                  <a:pPr algn="ctr"/>
+                  <a:r>
+                    <a:rPr lang="en-CH" sz="600" dirty="0">
+                      <a:solidFill>
+                        <a:schemeClr val="bg1">
+                          <a:lumMod val="50000"/>
+                        </a:schemeClr>
+                      </a:solidFill>
+                    </a:rPr>
+                    <a:t>Region 1</a:t>
+                  </a:r>
+                </a:p>
+              </p:txBody>
+            </p:sp>
+            <p:sp>
+              <p:nvSpPr>
+                <p:cNvPr id="57" name="Rectangle 56">
+                  <a:extLst>
+                    <a:ext uri="{FF2B5EF4-FFF2-40B4-BE49-F238E27FC236}">
+                      <a16:creationId xmlns:a16="http://schemas.microsoft.com/office/drawing/2014/main" id="{FBCC0209-3773-0034-DE63-35A3DBC4A0BA}"/>
+                    </a:ext>
+                  </a:extLst>
+                </p:cNvPr>
+                <p:cNvSpPr/>
+                <p:nvPr/>
+              </p:nvSpPr>
+              <p:spPr>
+                <a:xfrm>
+                  <a:off x="4007638" y="2232635"/>
+                  <a:ext cx="362852" cy="45719"/>
+                </a:xfrm>
+                <a:prstGeom prst="rect">
+                  <a:avLst/>
+                </a:prstGeom>
+                <a:solidFill>
+                  <a:schemeClr val="bg1">
+                    <a:lumMod val="65000"/>
+                    <a:alpha val="46640"/>
+                  </a:schemeClr>
+                </a:solidFill>
+                <a:ln>
+                  <a:noFill/>
+                </a:ln>
+              </p:spPr>
+              <p:style>
+                <a:lnRef idx="2">
+                  <a:schemeClr val="accent1">
+                    <a:shade val="15000"/>
+                  </a:schemeClr>
+                </a:lnRef>
+                <a:fillRef idx="1">
+                  <a:schemeClr val="accent1"/>
+                </a:fillRef>
+                <a:effectRef idx="0">
+                  <a:schemeClr val="accent1"/>
+                </a:effectRef>
+                <a:fontRef idx="minor">
+                  <a:schemeClr val="lt1"/>
+                </a:fontRef>
+              </p:style>
+              <p:txBody>
+                <a:bodyPr rtlCol="0" anchor="ctr"/>
+                <a:lstStyle/>
+                <a:p>
+                  <a:pPr algn="ctr"/>
+                  <a:endParaRPr lang="en-CH" dirty="0"/>
+                </a:p>
+              </p:txBody>
+            </p:sp>
+            <p:sp>
+              <p:nvSpPr>
+                <p:cNvPr id="58" name="Rectangle 57">
+                  <a:extLst>
+                    <a:ext uri="{FF2B5EF4-FFF2-40B4-BE49-F238E27FC236}">
+                      <a16:creationId xmlns:a16="http://schemas.microsoft.com/office/drawing/2014/main" id="{7064CF30-C5F7-DBE1-346E-B8EE7644438A}"/>
+                    </a:ext>
+                  </a:extLst>
+                </p:cNvPr>
+                <p:cNvSpPr/>
+                <p:nvPr/>
+              </p:nvSpPr>
+              <p:spPr>
+                <a:xfrm>
+                  <a:off x="4550820" y="2232799"/>
+                  <a:ext cx="435020" cy="45719"/>
+                </a:xfrm>
+                <a:prstGeom prst="rect">
+                  <a:avLst/>
+                </a:prstGeom>
+                <a:solidFill>
+                  <a:schemeClr val="bg1">
+                    <a:lumMod val="65000"/>
+                    <a:alpha val="46640"/>
+                  </a:schemeClr>
+                </a:solidFill>
+                <a:ln>
+                  <a:noFill/>
+                </a:ln>
+              </p:spPr>
+              <p:style>
+                <a:lnRef idx="2">
+                  <a:schemeClr val="accent1">
+                    <a:shade val="15000"/>
+                  </a:schemeClr>
+                </a:lnRef>
+                <a:fillRef idx="1">
+                  <a:schemeClr val="accent1"/>
+                </a:fillRef>
+                <a:effectRef idx="0">
+                  <a:schemeClr val="accent1"/>
+                </a:effectRef>
+                <a:fontRef idx="minor">
+                  <a:schemeClr val="lt1"/>
+                </a:fontRef>
+              </p:style>
+              <p:txBody>
+                <a:bodyPr rtlCol="0" anchor="ctr"/>
+                <a:lstStyle/>
+                <a:p>
+                  <a:pPr algn="ctr"/>
+                  <a:endParaRPr lang="en-CH" dirty="0"/>
+                </a:p>
+              </p:txBody>
+            </p:sp>
+            <p:sp>
+              <p:nvSpPr>
+                <p:cNvPr id="59" name="Rectangle 58">
+                  <a:extLst>
+                    <a:ext uri="{FF2B5EF4-FFF2-40B4-BE49-F238E27FC236}">
+                      <a16:creationId xmlns:a16="http://schemas.microsoft.com/office/drawing/2014/main" id="{A50146C3-FB77-4409-54EF-7E5A17CA5F01}"/>
+                    </a:ext>
+                  </a:extLst>
+                </p:cNvPr>
+                <p:cNvSpPr/>
+                <p:nvPr/>
+              </p:nvSpPr>
+              <p:spPr>
+                <a:xfrm>
+                  <a:off x="5255423" y="2232799"/>
+                  <a:ext cx="359376" cy="45719"/>
+                </a:xfrm>
+                <a:prstGeom prst="rect">
+                  <a:avLst/>
+                </a:prstGeom>
+                <a:solidFill>
+                  <a:schemeClr val="bg1">
+                    <a:lumMod val="65000"/>
+                    <a:alpha val="46640"/>
+                  </a:schemeClr>
+                </a:solidFill>
+                <a:ln>
+                  <a:noFill/>
+                </a:ln>
+              </p:spPr>
+              <p:style>
+                <a:lnRef idx="2">
+                  <a:schemeClr val="accent1">
+                    <a:shade val="15000"/>
+                  </a:schemeClr>
+                </a:lnRef>
+                <a:fillRef idx="1">
+                  <a:schemeClr val="accent1"/>
+                </a:fillRef>
+                <a:effectRef idx="0">
+                  <a:schemeClr val="accent1"/>
+                </a:effectRef>
+                <a:fontRef idx="minor">
+                  <a:schemeClr val="lt1"/>
+                </a:fontRef>
+              </p:style>
+              <p:txBody>
+                <a:bodyPr rtlCol="0" anchor="ctr"/>
+                <a:lstStyle/>
+                <a:p>
+                  <a:pPr algn="ctr"/>
+                  <a:endParaRPr lang="en-CH" dirty="0"/>
+                </a:p>
+              </p:txBody>
+            </p:sp>
+            <p:sp>
+              <p:nvSpPr>
+                <p:cNvPr id="60" name="Rectangle 59">
+                  <a:extLst>
+                    <a:ext uri="{FF2B5EF4-FFF2-40B4-BE49-F238E27FC236}">
+                      <a16:creationId xmlns:a16="http://schemas.microsoft.com/office/drawing/2014/main" id="{8F9327B5-571E-C426-326A-D2C097E4995D}"/>
+                    </a:ext>
+                  </a:extLst>
+                </p:cNvPr>
+                <p:cNvSpPr/>
+                <p:nvPr/>
+              </p:nvSpPr>
+              <p:spPr>
+                <a:xfrm>
+                  <a:off x="4012526" y="339977"/>
+                  <a:ext cx="354663" cy="66950"/>
+                </a:xfrm>
+                <a:prstGeom prst="rect">
+                  <a:avLst/>
+                </a:prstGeom>
+                <a:solidFill>
+                  <a:schemeClr val="bg1">
+                    <a:lumMod val="65000"/>
+                    <a:alpha val="46640"/>
+                  </a:schemeClr>
+                </a:solidFill>
+                <a:ln>
+                  <a:noFill/>
+                </a:ln>
+              </p:spPr>
+              <p:style>
+                <a:lnRef idx="2">
+                  <a:schemeClr val="accent1">
+                    <a:shade val="15000"/>
+                  </a:schemeClr>
+                </a:lnRef>
+                <a:fillRef idx="1">
+                  <a:schemeClr val="accent1"/>
+                </a:fillRef>
+                <a:effectRef idx="0">
+                  <a:schemeClr val="accent1"/>
+                </a:effectRef>
+                <a:fontRef idx="minor">
+                  <a:schemeClr val="lt1"/>
+                </a:fontRef>
+              </p:style>
+              <p:txBody>
+                <a:bodyPr lIns="90000" rtlCol="0" anchor="ctr"/>
+                <a:lstStyle/>
+                <a:p>
+                  <a:pPr algn="ctr"/>
+                  <a:endParaRPr lang="en-CH" dirty="0"/>
+                </a:p>
+              </p:txBody>
+            </p:sp>
+            <p:sp>
+              <p:nvSpPr>
+                <p:cNvPr id="61" name="Rectangle 60">
+                  <a:extLst>
+                    <a:ext uri="{FF2B5EF4-FFF2-40B4-BE49-F238E27FC236}">
+                      <a16:creationId xmlns:a16="http://schemas.microsoft.com/office/drawing/2014/main" id="{90D35404-AF3A-132E-BD97-32C445E8E23A}"/>
+                    </a:ext>
+                  </a:extLst>
+                </p:cNvPr>
+                <p:cNvSpPr/>
+                <p:nvPr/>
+              </p:nvSpPr>
+              <p:spPr>
+                <a:xfrm>
+                  <a:off x="5260136" y="339977"/>
+                  <a:ext cx="354663" cy="66950"/>
+                </a:xfrm>
+                <a:prstGeom prst="rect">
+                  <a:avLst/>
+                </a:prstGeom>
+                <a:solidFill>
+                  <a:schemeClr val="bg1">
+                    <a:lumMod val="65000"/>
+                    <a:alpha val="46640"/>
+                  </a:schemeClr>
+                </a:solidFill>
+                <a:ln>
+                  <a:noFill/>
+                </a:ln>
+              </p:spPr>
+              <p:style>
+                <a:lnRef idx="2">
+                  <a:schemeClr val="accent1">
+                    <a:shade val="15000"/>
+                  </a:schemeClr>
+                </a:lnRef>
+                <a:fillRef idx="1">
+                  <a:schemeClr val="accent1"/>
+                </a:fillRef>
+                <a:effectRef idx="0">
+                  <a:schemeClr val="accent1"/>
+                </a:effectRef>
+                <a:fontRef idx="minor">
+                  <a:schemeClr val="lt1"/>
+                </a:fontRef>
+              </p:style>
+              <p:txBody>
+                <a:bodyPr rtlCol="0" anchor="ctr"/>
+                <a:lstStyle/>
+                <a:p>
+                  <a:pPr algn="ctr"/>
+                  <a:endParaRPr lang="en-CH" dirty="0"/>
+                </a:p>
+              </p:txBody>
+            </p:sp>
+            <p:sp>
+              <p:nvSpPr>
+                <p:cNvPr id="62" name="Rectangle 61">
+                  <a:extLst>
+                    <a:ext uri="{FF2B5EF4-FFF2-40B4-BE49-F238E27FC236}">
+                      <a16:creationId xmlns:a16="http://schemas.microsoft.com/office/drawing/2014/main" id="{3CD3A365-9370-3FAF-C265-83FEF54456E5}"/>
+                    </a:ext>
+                  </a:extLst>
+                </p:cNvPr>
+                <p:cNvSpPr/>
+                <p:nvPr/>
+              </p:nvSpPr>
+              <p:spPr>
+                <a:xfrm>
+                  <a:off x="4552934" y="339977"/>
+                  <a:ext cx="429397" cy="66950"/>
+                </a:xfrm>
+                <a:prstGeom prst="rect">
+                  <a:avLst/>
+                </a:prstGeom>
+                <a:solidFill>
+                  <a:schemeClr val="bg1">
+                    <a:lumMod val="65000"/>
+                    <a:alpha val="46640"/>
+                  </a:schemeClr>
+                </a:solidFill>
+                <a:ln>
+                  <a:noFill/>
+                </a:ln>
+              </p:spPr>
+              <p:style>
+                <a:lnRef idx="2">
+                  <a:schemeClr val="accent1">
+                    <a:shade val="15000"/>
+                  </a:schemeClr>
+                </a:lnRef>
+                <a:fillRef idx="1">
+                  <a:schemeClr val="accent1"/>
+                </a:fillRef>
+                <a:effectRef idx="0">
+                  <a:schemeClr val="accent1"/>
+                </a:effectRef>
+                <a:fontRef idx="minor">
+                  <a:schemeClr val="lt1"/>
+                </a:fontRef>
+              </p:style>
+              <p:txBody>
+                <a:bodyPr lIns="90000" rtlCol="0" anchor="ctr"/>
+                <a:lstStyle/>
+                <a:p>
+                  <a:pPr algn="ctr"/>
+                  <a:endParaRPr lang="en-CH" dirty="0"/>
+                </a:p>
+              </p:txBody>
+            </p:sp>
+            <p:cxnSp>
+              <p:nvCxnSpPr>
+                <p:cNvPr id="63" name="Straight Connector 62">
+                  <a:extLst>
+                    <a:ext uri="{FF2B5EF4-FFF2-40B4-BE49-F238E27FC236}">
+                      <a16:creationId xmlns:a16="http://schemas.microsoft.com/office/drawing/2014/main" id="{BBFA681A-8F0B-F357-621E-6E0A25BCE922}"/>
+                    </a:ext>
+                  </a:extLst>
+                </p:cNvPr>
+                <p:cNvCxnSpPr>
+                  <a:cxnSpLocks/>
+                </p:cNvCxnSpPr>
+                <p:nvPr/>
+              </p:nvCxnSpPr>
+              <p:spPr>
+                <a:xfrm>
+                  <a:off x="3551913" y="339977"/>
+                  <a:ext cx="0" cy="1940400"/>
+                </a:xfrm>
+                <a:prstGeom prst="line">
+                  <a:avLst/>
+                </a:prstGeom>
+                <a:ln w="15875">
                   <a:solidFill>
-                    <a:schemeClr val="bg1">
-                      <a:lumMod val="65000"/>
-                    </a:schemeClr>
+                    <a:srgbClr val="D5D5D5"/>
                   </a:solidFill>
-                </a:endParaRPr>
-              </a:p>
-            </p:txBody>
-          </p:sp>
-          <p:sp>
-            <p:nvSpPr>
-              <p:cNvPr id="25" name="Rectangle 24">
-                <a:extLst>
-                  <a:ext uri="{FF2B5EF4-FFF2-40B4-BE49-F238E27FC236}">
-                    <a16:creationId xmlns:a16="http://schemas.microsoft.com/office/drawing/2014/main" id="{542426BE-F399-01A3-FB2B-B76974C90C34}"/>
-                  </a:ext>
-                </a:extLst>
-              </p:cNvPr>
-              <p:cNvSpPr/>
-              <p:nvPr/>
-            </p:nvSpPr>
-            <p:spPr>
-              <a:xfrm>
-                <a:off x="9797600" y="989409"/>
-                <a:ext cx="435020" cy="82550"/>
-              </a:xfrm>
-              <a:prstGeom prst="rect">
-                <a:avLst/>
-              </a:prstGeom>
-              <a:solidFill>
-                <a:schemeClr val="bg1">
-                  <a:lumMod val="65000"/>
-                  <a:alpha val="46640"/>
-                </a:schemeClr>
-              </a:solidFill>
-              <a:ln>
-                <a:noFill/>
-              </a:ln>
-            </p:spPr>
-            <p:style>
-              <a:lnRef idx="2">
-                <a:schemeClr val="accent1">
-                  <a:shade val="15000"/>
-                </a:schemeClr>
-              </a:lnRef>
-              <a:fillRef idx="1">
-                <a:schemeClr val="accent1"/>
-              </a:fillRef>
-              <a:effectRef idx="0">
-                <a:schemeClr val="accent1"/>
-              </a:effectRef>
-              <a:fontRef idx="minor">
-                <a:schemeClr val="lt1"/>
-              </a:fontRef>
-            </p:style>
-            <p:txBody>
-              <a:bodyPr lIns="18000" tIns="0" rIns="18000" bIns="0" rtlCol="0" anchor="ctr"/>
-              <a:lstStyle/>
-              <a:p>
-                <a:pPr algn="ctr"/>
-                <a:r>
-                  <a:rPr lang="en-CH" sz="600" dirty="0">
-                    <a:solidFill>
-                      <a:schemeClr val="bg1">
-                        <a:lumMod val="50000"/>
-                      </a:schemeClr>
-                    </a:solidFill>
-                  </a:rPr>
-                  <a:t>Region 2</a:t>
-                </a:r>
-              </a:p>
-            </p:txBody>
-          </p:sp>
-          <p:sp>
-            <p:nvSpPr>
-              <p:cNvPr id="26" name="Rectangle 25">
-                <a:extLst>
-                  <a:ext uri="{FF2B5EF4-FFF2-40B4-BE49-F238E27FC236}">
-                    <a16:creationId xmlns:a16="http://schemas.microsoft.com/office/drawing/2014/main" id="{88EBE136-6906-792A-7EDD-A607EB51C792}"/>
-                  </a:ext>
-                </a:extLst>
-              </p:cNvPr>
-              <p:cNvSpPr/>
-              <p:nvPr/>
-            </p:nvSpPr>
-            <p:spPr>
-              <a:xfrm>
-                <a:off x="10502150" y="993267"/>
-                <a:ext cx="361307" cy="77077"/>
-              </a:xfrm>
-              <a:prstGeom prst="rect">
-                <a:avLst/>
-              </a:prstGeom>
-              <a:solidFill>
-                <a:schemeClr val="bg1">
-                  <a:lumMod val="65000"/>
-                  <a:alpha val="46640"/>
-                </a:schemeClr>
-              </a:solidFill>
-              <a:ln>
-                <a:noFill/>
-              </a:ln>
-            </p:spPr>
-            <p:style>
-              <a:lnRef idx="2">
-                <a:schemeClr val="accent1">
-                  <a:shade val="15000"/>
-                </a:schemeClr>
-              </a:lnRef>
-              <a:fillRef idx="1">
-                <a:schemeClr val="accent1"/>
-              </a:fillRef>
-              <a:effectRef idx="0">
-                <a:schemeClr val="accent1"/>
-              </a:effectRef>
-              <a:fontRef idx="minor">
-                <a:schemeClr val="lt1"/>
-              </a:fontRef>
-            </p:style>
-            <p:txBody>
-              <a:bodyPr lIns="18000" tIns="0" rIns="18000" bIns="0" rtlCol="0" anchor="ctr"/>
-              <a:lstStyle/>
-              <a:p>
-                <a:pPr algn="ctr"/>
-                <a:r>
-                  <a:rPr lang="en-CH" sz="600" dirty="0">
-                    <a:solidFill>
-                      <a:schemeClr val="bg1">
-                        <a:lumMod val="50000"/>
-                      </a:schemeClr>
-                    </a:solidFill>
-                  </a:rPr>
-                  <a:t>Region 1</a:t>
-                </a:r>
-              </a:p>
-            </p:txBody>
-          </p:sp>
-          <p:sp>
-            <p:nvSpPr>
-              <p:cNvPr id="27" name="Rectangle 26">
-                <a:extLst>
-                  <a:ext uri="{FF2B5EF4-FFF2-40B4-BE49-F238E27FC236}">
-                    <a16:creationId xmlns:a16="http://schemas.microsoft.com/office/drawing/2014/main" id="{9FCBE530-EBF0-5A58-F40C-C80930745ED0}"/>
-                  </a:ext>
-                </a:extLst>
-              </p:cNvPr>
-              <p:cNvSpPr/>
-              <p:nvPr/>
-            </p:nvSpPr>
-            <p:spPr>
-              <a:xfrm>
-                <a:off x="9254365" y="2234658"/>
-                <a:ext cx="362852" cy="45719"/>
-              </a:xfrm>
-              <a:prstGeom prst="rect">
-                <a:avLst/>
-              </a:prstGeom>
-              <a:solidFill>
-                <a:schemeClr val="bg1">
-                  <a:lumMod val="65000"/>
-                  <a:alpha val="46640"/>
-                </a:schemeClr>
-              </a:solidFill>
-              <a:ln>
-                <a:noFill/>
-              </a:ln>
-            </p:spPr>
-            <p:style>
-              <a:lnRef idx="2">
-                <a:schemeClr val="accent1">
-                  <a:shade val="15000"/>
-                </a:schemeClr>
-              </a:lnRef>
-              <a:fillRef idx="1">
-                <a:schemeClr val="accent1"/>
-              </a:fillRef>
-              <a:effectRef idx="0">
-                <a:schemeClr val="accent1"/>
-              </a:effectRef>
-              <a:fontRef idx="minor">
-                <a:schemeClr val="lt1"/>
-              </a:fontRef>
-            </p:style>
-            <p:txBody>
-              <a:bodyPr rtlCol="0" anchor="ctr"/>
-              <a:lstStyle/>
-              <a:p>
-                <a:pPr algn="ctr"/>
-                <a:endParaRPr lang="en-CH" dirty="0"/>
-              </a:p>
-            </p:txBody>
-          </p:sp>
-          <p:sp>
-            <p:nvSpPr>
-              <p:cNvPr id="28" name="Rectangle 27">
-                <a:extLst>
-                  <a:ext uri="{FF2B5EF4-FFF2-40B4-BE49-F238E27FC236}">
-                    <a16:creationId xmlns:a16="http://schemas.microsoft.com/office/drawing/2014/main" id="{2E75E586-6C1B-3BC4-F8AD-771B0B441771}"/>
-                  </a:ext>
-                </a:extLst>
-              </p:cNvPr>
-              <p:cNvSpPr/>
-              <p:nvPr/>
-            </p:nvSpPr>
-            <p:spPr>
-              <a:xfrm>
-                <a:off x="9797547" y="2234822"/>
-                <a:ext cx="435020" cy="45719"/>
-              </a:xfrm>
-              <a:prstGeom prst="rect">
-                <a:avLst/>
-              </a:prstGeom>
-              <a:solidFill>
-                <a:schemeClr val="bg1">
-                  <a:lumMod val="65000"/>
-                  <a:alpha val="46640"/>
-                </a:schemeClr>
-              </a:solidFill>
-              <a:ln>
-                <a:noFill/>
-              </a:ln>
-            </p:spPr>
-            <p:style>
-              <a:lnRef idx="2">
-                <a:schemeClr val="accent1">
-                  <a:shade val="15000"/>
-                </a:schemeClr>
-              </a:lnRef>
-              <a:fillRef idx="1">
-                <a:schemeClr val="accent1"/>
-              </a:fillRef>
-              <a:effectRef idx="0">
-                <a:schemeClr val="accent1"/>
-              </a:effectRef>
-              <a:fontRef idx="minor">
-                <a:schemeClr val="lt1"/>
-              </a:fontRef>
-            </p:style>
-            <p:txBody>
-              <a:bodyPr rtlCol="0" anchor="ctr"/>
-              <a:lstStyle/>
-              <a:p>
-                <a:pPr algn="ctr"/>
-                <a:endParaRPr lang="en-CH" dirty="0"/>
-              </a:p>
-            </p:txBody>
-          </p:sp>
-          <p:sp>
-            <p:nvSpPr>
-              <p:cNvPr id="29" name="Rectangle 28">
-                <a:extLst>
-                  <a:ext uri="{FF2B5EF4-FFF2-40B4-BE49-F238E27FC236}">
-                    <a16:creationId xmlns:a16="http://schemas.microsoft.com/office/drawing/2014/main" id="{D3A19EDE-EF87-73EF-6E6F-69442CD641BC}"/>
-                  </a:ext>
-                </a:extLst>
-              </p:cNvPr>
-              <p:cNvSpPr/>
-              <p:nvPr/>
-            </p:nvSpPr>
-            <p:spPr>
-              <a:xfrm>
-                <a:off x="10502150" y="2234822"/>
-                <a:ext cx="359376" cy="45719"/>
-              </a:xfrm>
-              <a:prstGeom prst="rect">
-                <a:avLst/>
-              </a:prstGeom>
-              <a:solidFill>
-                <a:schemeClr val="bg1">
-                  <a:lumMod val="65000"/>
-                  <a:alpha val="46640"/>
-                </a:schemeClr>
-              </a:solidFill>
-              <a:ln>
-                <a:noFill/>
-              </a:ln>
-            </p:spPr>
-            <p:style>
-              <a:lnRef idx="2">
-                <a:schemeClr val="accent1">
-                  <a:shade val="15000"/>
-                </a:schemeClr>
-              </a:lnRef>
-              <a:fillRef idx="1">
-                <a:schemeClr val="accent1"/>
-              </a:fillRef>
-              <a:effectRef idx="0">
-                <a:schemeClr val="accent1"/>
-              </a:effectRef>
-              <a:fontRef idx="minor">
-                <a:schemeClr val="lt1"/>
-              </a:fontRef>
-            </p:style>
-            <p:txBody>
-              <a:bodyPr rtlCol="0" anchor="ctr"/>
-              <a:lstStyle/>
-              <a:p>
-                <a:pPr algn="ctr"/>
-                <a:endParaRPr lang="en-CH" dirty="0"/>
-              </a:p>
-            </p:txBody>
-          </p:sp>
-          <p:sp>
-            <p:nvSpPr>
-              <p:cNvPr id="30" name="Rectangle 29">
-                <a:extLst>
-                  <a:ext uri="{FF2B5EF4-FFF2-40B4-BE49-F238E27FC236}">
-                    <a16:creationId xmlns:a16="http://schemas.microsoft.com/office/drawing/2014/main" id="{8D6D06D1-A3B0-3E78-B7F0-16AF278A4151}"/>
-                  </a:ext>
-                </a:extLst>
-              </p:cNvPr>
-              <p:cNvSpPr/>
-              <p:nvPr/>
-            </p:nvSpPr>
-            <p:spPr>
-              <a:xfrm>
-                <a:off x="9259253" y="342000"/>
-                <a:ext cx="354663" cy="66950"/>
-              </a:xfrm>
-              <a:prstGeom prst="rect">
-                <a:avLst/>
-              </a:prstGeom>
-              <a:solidFill>
-                <a:schemeClr val="bg1">
-                  <a:lumMod val="65000"/>
-                  <a:alpha val="46640"/>
-                </a:schemeClr>
-              </a:solidFill>
-              <a:ln>
-                <a:noFill/>
-              </a:ln>
-            </p:spPr>
-            <p:style>
-              <a:lnRef idx="2">
-                <a:schemeClr val="accent1">
-                  <a:shade val="15000"/>
-                </a:schemeClr>
-              </a:lnRef>
-              <a:fillRef idx="1">
-                <a:schemeClr val="accent1"/>
-              </a:fillRef>
-              <a:effectRef idx="0">
-                <a:schemeClr val="accent1"/>
-              </a:effectRef>
-              <a:fontRef idx="minor">
-                <a:schemeClr val="lt1"/>
-              </a:fontRef>
-            </p:style>
-            <p:txBody>
-              <a:bodyPr lIns="90000" rtlCol="0" anchor="ctr"/>
-              <a:lstStyle/>
-              <a:p>
-                <a:pPr algn="ctr"/>
-                <a:endParaRPr lang="en-CH" dirty="0"/>
-              </a:p>
-            </p:txBody>
-          </p:sp>
-          <p:sp>
-            <p:nvSpPr>
-              <p:cNvPr id="31" name="Rectangle 30">
-                <a:extLst>
-                  <a:ext uri="{FF2B5EF4-FFF2-40B4-BE49-F238E27FC236}">
-                    <a16:creationId xmlns:a16="http://schemas.microsoft.com/office/drawing/2014/main" id="{25DA2971-4186-FB0C-0C20-4B43FA5F9521}"/>
-                  </a:ext>
-                </a:extLst>
-              </p:cNvPr>
-              <p:cNvSpPr/>
-              <p:nvPr/>
-            </p:nvSpPr>
-            <p:spPr>
-              <a:xfrm>
-                <a:off x="10506863" y="342000"/>
-                <a:ext cx="354663" cy="66950"/>
-              </a:xfrm>
-              <a:prstGeom prst="rect">
-                <a:avLst/>
-              </a:prstGeom>
-              <a:solidFill>
-                <a:schemeClr val="bg1">
-                  <a:lumMod val="65000"/>
-                  <a:alpha val="46640"/>
-                </a:schemeClr>
-              </a:solidFill>
-              <a:ln>
-                <a:noFill/>
-              </a:ln>
-            </p:spPr>
-            <p:style>
-              <a:lnRef idx="2">
-                <a:schemeClr val="accent1">
-                  <a:shade val="15000"/>
-                </a:schemeClr>
-              </a:lnRef>
-              <a:fillRef idx="1">
-                <a:schemeClr val="accent1"/>
-              </a:fillRef>
-              <a:effectRef idx="0">
-                <a:schemeClr val="accent1"/>
-              </a:effectRef>
-              <a:fontRef idx="minor">
-                <a:schemeClr val="lt1"/>
-              </a:fontRef>
-            </p:style>
-            <p:txBody>
-              <a:bodyPr rtlCol="0" anchor="ctr"/>
-              <a:lstStyle/>
-              <a:p>
-                <a:pPr algn="ctr"/>
-                <a:endParaRPr lang="en-CH" dirty="0"/>
-              </a:p>
-            </p:txBody>
-          </p:sp>
-          <p:sp>
-            <p:nvSpPr>
-              <p:cNvPr id="32" name="Rectangle 31">
-                <a:extLst>
-                  <a:ext uri="{FF2B5EF4-FFF2-40B4-BE49-F238E27FC236}">
-                    <a16:creationId xmlns:a16="http://schemas.microsoft.com/office/drawing/2014/main" id="{73797757-AAE8-278D-0B24-E7A4562E19E3}"/>
-                  </a:ext>
-                </a:extLst>
-              </p:cNvPr>
-              <p:cNvSpPr/>
-              <p:nvPr/>
-            </p:nvSpPr>
-            <p:spPr>
-              <a:xfrm>
-                <a:off x="9799661" y="342000"/>
-                <a:ext cx="429397" cy="66950"/>
-              </a:xfrm>
-              <a:prstGeom prst="rect">
-                <a:avLst/>
-              </a:prstGeom>
-              <a:solidFill>
-                <a:schemeClr val="bg1">
-                  <a:lumMod val="65000"/>
-                  <a:alpha val="46640"/>
-                </a:schemeClr>
-              </a:solidFill>
-              <a:ln>
-                <a:noFill/>
-              </a:ln>
-            </p:spPr>
-            <p:style>
-              <a:lnRef idx="2">
-                <a:schemeClr val="accent1">
-                  <a:shade val="15000"/>
-                </a:schemeClr>
-              </a:lnRef>
-              <a:fillRef idx="1">
-                <a:schemeClr val="accent1"/>
-              </a:fillRef>
-              <a:effectRef idx="0">
-                <a:schemeClr val="accent1"/>
-              </a:effectRef>
-              <a:fontRef idx="minor">
-                <a:schemeClr val="lt1"/>
-              </a:fontRef>
-            </p:style>
-            <p:txBody>
-              <a:bodyPr lIns="90000" rtlCol="0" anchor="ctr"/>
-              <a:lstStyle/>
-              <a:p>
-                <a:pPr algn="ctr"/>
-                <a:endParaRPr lang="en-CH" dirty="0"/>
-              </a:p>
-            </p:txBody>
-          </p:sp>
-          <p:cxnSp>
-            <p:nvCxnSpPr>
-              <p:cNvPr id="34" name="Straight Connector 33">
-                <a:extLst>
-                  <a:ext uri="{FF2B5EF4-FFF2-40B4-BE49-F238E27FC236}">
-                    <a16:creationId xmlns:a16="http://schemas.microsoft.com/office/drawing/2014/main" id="{AD6D409D-82AD-4FD7-725A-2533518CECE2}"/>
-                  </a:ext>
-                </a:extLst>
-              </p:cNvPr>
-              <p:cNvCxnSpPr>
-                <a:cxnSpLocks/>
-              </p:cNvCxnSpPr>
-              <p:nvPr/>
-            </p:nvCxnSpPr>
-            <p:spPr>
-              <a:xfrm>
-                <a:off x="8798640" y="342000"/>
-                <a:ext cx="0" cy="1940400"/>
-              </a:xfrm>
-              <a:prstGeom prst="line">
-                <a:avLst/>
-              </a:prstGeom>
-              <a:ln w="15875">
-                <a:solidFill>
-                  <a:srgbClr val="D5D5D5"/>
-                </a:solidFill>
-              </a:ln>
-            </p:spPr>
-            <p:style>
-              <a:lnRef idx="1">
-                <a:schemeClr val="accent1"/>
-              </a:lnRef>
-              <a:fillRef idx="0">
-                <a:schemeClr val="accent1"/>
-              </a:fillRef>
-              <a:effectRef idx="0">
-                <a:schemeClr val="accent1"/>
-              </a:effectRef>
-              <a:fontRef idx="minor">
-                <a:schemeClr val="tx1"/>
-              </a:fontRef>
-            </p:style>
-          </p:cxnSp>
-          <p:cxnSp>
-            <p:nvCxnSpPr>
-              <p:cNvPr id="43" name="Straight Connector 42">
-                <a:extLst>
-                  <a:ext uri="{FF2B5EF4-FFF2-40B4-BE49-F238E27FC236}">
-                    <a16:creationId xmlns:a16="http://schemas.microsoft.com/office/drawing/2014/main" id="{4E3CA855-2E4A-882B-C666-609B92A9D0CC}"/>
-                  </a:ext>
-                </a:extLst>
-              </p:cNvPr>
-              <p:cNvCxnSpPr>
-                <a:cxnSpLocks/>
-              </p:cNvCxnSpPr>
-              <p:nvPr/>
-            </p:nvCxnSpPr>
-            <p:spPr>
-              <a:xfrm>
-                <a:off x="8371101" y="342000"/>
-                <a:ext cx="0" cy="1940400"/>
-              </a:xfrm>
-              <a:prstGeom prst="line">
-                <a:avLst/>
-              </a:prstGeom>
-              <a:ln w="15875">
-                <a:solidFill>
-                  <a:srgbClr val="D5D5D5"/>
-                </a:solidFill>
-              </a:ln>
-            </p:spPr>
-            <p:style>
-              <a:lnRef idx="1">
-                <a:schemeClr val="accent1"/>
-              </a:lnRef>
-              <a:fillRef idx="0">
-                <a:schemeClr val="accent1"/>
-              </a:fillRef>
-              <a:effectRef idx="0">
-                <a:schemeClr val="accent1"/>
-              </a:effectRef>
-              <a:fontRef idx="minor">
-                <a:schemeClr val="tx1"/>
-              </a:fontRef>
-            </p:style>
-          </p:cxnSp>
-          <p:cxnSp>
-            <p:nvCxnSpPr>
-              <p:cNvPr id="44" name="Straight Connector 43">
-                <a:extLst>
-                  <a:ext uri="{FF2B5EF4-FFF2-40B4-BE49-F238E27FC236}">
-                    <a16:creationId xmlns:a16="http://schemas.microsoft.com/office/drawing/2014/main" id="{0036DB90-D9F3-57D1-49FD-8920A0A08B90}"/>
-                  </a:ext>
-                </a:extLst>
-              </p:cNvPr>
-              <p:cNvCxnSpPr>
-                <a:cxnSpLocks/>
-              </p:cNvCxnSpPr>
-              <p:nvPr/>
-            </p:nvCxnSpPr>
-            <p:spPr>
-              <a:xfrm>
-                <a:off x="9255395" y="342000"/>
-                <a:ext cx="0" cy="1940400"/>
-              </a:xfrm>
-              <a:prstGeom prst="line">
-                <a:avLst/>
-              </a:prstGeom>
-              <a:ln w="15875">
-                <a:solidFill>
-                  <a:srgbClr val="D5D5D5"/>
-                </a:solidFill>
-              </a:ln>
-            </p:spPr>
-            <p:style>
-              <a:lnRef idx="1">
-                <a:schemeClr val="accent1"/>
-              </a:lnRef>
-              <a:fillRef idx="0">
-                <a:schemeClr val="accent1"/>
-              </a:fillRef>
-              <a:effectRef idx="0">
-                <a:schemeClr val="accent1"/>
-              </a:effectRef>
-              <a:fontRef idx="minor">
-                <a:schemeClr val="tx1"/>
-              </a:fontRef>
-            </p:style>
-          </p:cxnSp>
-          <p:cxnSp>
-            <p:nvCxnSpPr>
-              <p:cNvPr id="45" name="Straight Connector 44">
-                <a:extLst>
-                  <a:ext uri="{FF2B5EF4-FFF2-40B4-BE49-F238E27FC236}">
-                    <a16:creationId xmlns:a16="http://schemas.microsoft.com/office/drawing/2014/main" id="{95D5A061-C1F6-2EAD-871E-DC96D56B338B}"/>
-                  </a:ext>
-                </a:extLst>
-              </p:cNvPr>
-              <p:cNvCxnSpPr>
-                <a:cxnSpLocks/>
-              </p:cNvCxnSpPr>
-              <p:nvPr/>
-            </p:nvCxnSpPr>
-            <p:spPr>
-              <a:xfrm>
-                <a:off x="9619103" y="342000"/>
-                <a:ext cx="0" cy="1940400"/>
-              </a:xfrm>
-              <a:prstGeom prst="line">
-                <a:avLst/>
-              </a:prstGeom>
-              <a:ln w="15875">
-                <a:solidFill>
-                  <a:srgbClr val="D5D5D5"/>
-                </a:solidFill>
-              </a:ln>
-            </p:spPr>
-            <p:style>
-              <a:lnRef idx="1">
-                <a:schemeClr val="accent1"/>
-              </a:lnRef>
-              <a:fillRef idx="0">
-                <a:schemeClr val="accent1"/>
-              </a:fillRef>
-              <a:effectRef idx="0">
-                <a:schemeClr val="accent1"/>
-              </a:effectRef>
-              <a:fontRef idx="minor">
-                <a:schemeClr val="tx1"/>
-              </a:fontRef>
-            </p:style>
-          </p:cxnSp>
-          <p:cxnSp>
-            <p:nvCxnSpPr>
-              <p:cNvPr id="46" name="Straight Connector 45">
-                <a:extLst>
-                  <a:ext uri="{FF2B5EF4-FFF2-40B4-BE49-F238E27FC236}">
-                    <a16:creationId xmlns:a16="http://schemas.microsoft.com/office/drawing/2014/main" id="{1059DF45-645E-859E-1D5E-F7DFB4C61FFB}"/>
-                  </a:ext>
-                </a:extLst>
-              </p:cNvPr>
-              <p:cNvCxnSpPr>
-                <a:cxnSpLocks/>
-              </p:cNvCxnSpPr>
-              <p:nvPr/>
-            </p:nvCxnSpPr>
-            <p:spPr>
-              <a:xfrm>
-                <a:off x="10502151" y="342000"/>
-                <a:ext cx="0" cy="1940400"/>
-              </a:xfrm>
-              <a:prstGeom prst="line">
-                <a:avLst/>
-              </a:prstGeom>
-              <a:ln w="15875">
-                <a:solidFill>
-                  <a:srgbClr val="D5D5D5"/>
-                </a:solidFill>
-              </a:ln>
-            </p:spPr>
-            <p:style>
-              <a:lnRef idx="1">
-                <a:schemeClr val="accent1"/>
-              </a:lnRef>
-              <a:fillRef idx="0">
-                <a:schemeClr val="accent1"/>
-              </a:fillRef>
-              <a:effectRef idx="0">
-                <a:schemeClr val="accent1"/>
-              </a:effectRef>
-              <a:fontRef idx="minor">
-                <a:schemeClr val="tx1"/>
-              </a:fontRef>
-            </p:style>
-          </p:cxnSp>
-          <p:cxnSp>
-            <p:nvCxnSpPr>
-              <p:cNvPr id="47" name="Straight Connector 46">
-                <a:extLst>
-                  <a:ext uri="{FF2B5EF4-FFF2-40B4-BE49-F238E27FC236}">
-                    <a16:creationId xmlns:a16="http://schemas.microsoft.com/office/drawing/2014/main" id="{B56D53CE-BBD9-009F-6E95-87998BBBB817}"/>
-                  </a:ext>
-                </a:extLst>
-              </p:cNvPr>
-              <p:cNvCxnSpPr>
-                <a:cxnSpLocks/>
-              </p:cNvCxnSpPr>
-              <p:nvPr/>
-            </p:nvCxnSpPr>
-            <p:spPr>
-              <a:xfrm>
-                <a:off x="10863459" y="342000"/>
-                <a:ext cx="0" cy="1940400"/>
-              </a:xfrm>
-              <a:prstGeom prst="line">
-                <a:avLst/>
-              </a:prstGeom>
-              <a:ln w="15875">
-                <a:solidFill>
-                  <a:srgbClr val="D5D5D5"/>
-                </a:solidFill>
-              </a:ln>
-            </p:spPr>
-            <p:style>
-              <a:lnRef idx="1">
-                <a:schemeClr val="accent1"/>
-              </a:lnRef>
-              <a:fillRef idx="0">
-                <a:schemeClr val="accent1"/>
-              </a:fillRef>
-              <a:effectRef idx="0">
-                <a:schemeClr val="accent1"/>
-              </a:effectRef>
-              <a:fontRef idx="minor">
-                <a:schemeClr val="tx1"/>
-              </a:fontRef>
-            </p:style>
-          </p:cxnSp>
-          <p:cxnSp>
-            <p:nvCxnSpPr>
-              <p:cNvPr id="48" name="Straight Connector 47">
-                <a:extLst>
-                  <a:ext uri="{FF2B5EF4-FFF2-40B4-BE49-F238E27FC236}">
-                    <a16:creationId xmlns:a16="http://schemas.microsoft.com/office/drawing/2014/main" id="{708B6F8C-7E7A-B23A-7767-CB1A70944582}"/>
-                  </a:ext>
-                </a:extLst>
-              </p:cNvPr>
-              <p:cNvCxnSpPr>
-                <a:cxnSpLocks/>
-              </p:cNvCxnSpPr>
-              <p:nvPr/>
-            </p:nvCxnSpPr>
-            <p:spPr>
-              <a:xfrm>
-                <a:off x="9798630" y="342000"/>
-                <a:ext cx="0" cy="1940400"/>
-              </a:xfrm>
-              <a:prstGeom prst="line">
-                <a:avLst/>
-              </a:prstGeom>
-              <a:ln w="15875">
-                <a:solidFill>
-                  <a:srgbClr val="D5D5D5"/>
-                </a:solidFill>
-              </a:ln>
-            </p:spPr>
-            <p:style>
-              <a:lnRef idx="1">
-                <a:schemeClr val="accent1"/>
-              </a:lnRef>
-              <a:fillRef idx="0">
-                <a:schemeClr val="accent1"/>
-              </a:fillRef>
-              <a:effectRef idx="0">
-                <a:schemeClr val="accent1"/>
-              </a:effectRef>
-              <a:fontRef idx="minor">
-                <a:schemeClr val="tx1"/>
-              </a:fontRef>
-            </p:style>
-          </p:cxnSp>
-          <p:cxnSp>
-            <p:nvCxnSpPr>
-              <p:cNvPr id="49" name="Straight Connector 48">
-                <a:extLst>
-                  <a:ext uri="{FF2B5EF4-FFF2-40B4-BE49-F238E27FC236}">
-                    <a16:creationId xmlns:a16="http://schemas.microsoft.com/office/drawing/2014/main" id="{E67AA16A-1DE7-A088-E3D4-1A5117ACA67D}"/>
-                  </a:ext>
-                </a:extLst>
-              </p:cNvPr>
-              <p:cNvCxnSpPr>
-                <a:cxnSpLocks/>
-              </p:cNvCxnSpPr>
-              <p:nvPr/>
-            </p:nvCxnSpPr>
-            <p:spPr>
-              <a:xfrm>
-                <a:off x="10232593" y="342000"/>
-                <a:ext cx="0" cy="1940400"/>
-              </a:xfrm>
-              <a:prstGeom prst="line">
-                <a:avLst/>
-              </a:prstGeom>
-              <a:ln w="15875">
-                <a:solidFill>
-                  <a:srgbClr val="D5D5D5"/>
-                </a:solidFill>
-              </a:ln>
-            </p:spPr>
-            <p:style>
-              <a:lnRef idx="1">
-                <a:schemeClr val="accent1"/>
-              </a:lnRef>
-              <a:fillRef idx="0">
-                <a:schemeClr val="accent1"/>
-              </a:fillRef>
-              <a:effectRef idx="0">
-                <a:schemeClr val="accent1"/>
-              </a:effectRef>
-              <a:fontRef idx="minor">
-                <a:schemeClr val="tx1"/>
-              </a:fontRef>
-            </p:style>
-          </p:cxnSp>
-        </p:grpSp>
-        <p:grpSp>
-          <p:nvGrpSpPr>
-            <p:cNvPr id="71" name="Group 70">
-              <a:extLst>
-                <a:ext uri="{FF2B5EF4-FFF2-40B4-BE49-F238E27FC236}">
-                  <a16:creationId xmlns:a16="http://schemas.microsoft.com/office/drawing/2014/main" id="{3E55E63E-B1C7-EB42-6649-4FCAEFBDE231}"/>
-                </a:ext>
-              </a:extLst>
-            </p:cNvPr>
-            <p:cNvGrpSpPr/>
-            <p:nvPr/>
-          </p:nvGrpSpPr>
-          <p:grpSpPr>
-            <a:xfrm>
-              <a:off x="3119889" y="339977"/>
-              <a:ext cx="2496843" cy="1940400"/>
-              <a:chOff x="3119889" y="339977"/>
-              <a:chExt cx="2496843" cy="1940400"/>
-            </a:xfrm>
-          </p:grpSpPr>
-          <p:sp>
-            <p:nvSpPr>
-              <p:cNvPr id="51" name="Rectangle 50">
-                <a:extLst>
-                  <a:ext uri="{FF2B5EF4-FFF2-40B4-BE49-F238E27FC236}">
-                    <a16:creationId xmlns:a16="http://schemas.microsoft.com/office/drawing/2014/main" id="{25E06933-8DFD-1169-68E8-605E8B5D184E}"/>
-                  </a:ext>
-                </a:extLst>
-              </p:cNvPr>
-              <p:cNvSpPr/>
-              <p:nvPr/>
-            </p:nvSpPr>
-            <p:spPr>
-              <a:xfrm>
-                <a:off x="3119889" y="2232635"/>
-                <a:ext cx="423934" cy="45719"/>
-              </a:xfrm>
-              <a:prstGeom prst="rect">
-                <a:avLst/>
-              </a:prstGeom>
-              <a:solidFill>
-                <a:schemeClr val="bg1">
-                  <a:lumMod val="65000"/>
-                  <a:alpha val="46640"/>
-                </a:schemeClr>
-              </a:solidFill>
-              <a:ln>
-                <a:noFill/>
-              </a:ln>
-            </p:spPr>
-            <p:style>
-              <a:lnRef idx="2">
-                <a:schemeClr val="accent1">
-                  <a:shade val="15000"/>
-                </a:schemeClr>
-              </a:lnRef>
-              <a:fillRef idx="1">
-                <a:schemeClr val="accent1"/>
-              </a:fillRef>
-              <a:effectRef idx="0">
-                <a:schemeClr val="accent1"/>
-              </a:effectRef>
-              <a:fontRef idx="minor">
-                <a:schemeClr val="lt1"/>
-              </a:fontRef>
-            </p:style>
-            <p:txBody>
-              <a:bodyPr rtlCol="0" anchor="ctr"/>
-              <a:lstStyle/>
-              <a:p>
-                <a:pPr algn="ctr"/>
-                <a:endParaRPr lang="en-CH" dirty="0"/>
-              </a:p>
-            </p:txBody>
-          </p:sp>
-          <p:sp>
-            <p:nvSpPr>
-              <p:cNvPr id="52" name="Rectangle 51">
-                <a:extLst>
-                  <a:ext uri="{FF2B5EF4-FFF2-40B4-BE49-F238E27FC236}">
-                    <a16:creationId xmlns:a16="http://schemas.microsoft.com/office/drawing/2014/main" id="{5EB9E10A-3682-AC68-6963-BD65494ED0BE}"/>
-                  </a:ext>
-                </a:extLst>
-              </p:cNvPr>
-              <p:cNvSpPr/>
-              <p:nvPr/>
-            </p:nvSpPr>
-            <p:spPr>
-              <a:xfrm>
-                <a:off x="3126873" y="339977"/>
-                <a:ext cx="423934" cy="66950"/>
-              </a:xfrm>
-              <a:prstGeom prst="rect">
-                <a:avLst/>
-              </a:prstGeom>
-              <a:solidFill>
-                <a:schemeClr val="bg1">
-                  <a:lumMod val="65000"/>
-                  <a:alpha val="46640"/>
-                </a:schemeClr>
-              </a:solidFill>
-              <a:ln>
-                <a:noFill/>
-              </a:ln>
-            </p:spPr>
-            <p:style>
-              <a:lnRef idx="2">
-                <a:schemeClr val="accent1">
-                  <a:shade val="15000"/>
-                </a:schemeClr>
-              </a:lnRef>
-              <a:fillRef idx="1">
-                <a:schemeClr val="accent1"/>
-              </a:fillRef>
-              <a:effectRef idx="0">
-                <a:schemeClr val="accent1"/>
-              </a:effectRef>
-              <a:fontRef idx="minor">
-                <a:schemeClr val="lt1"/>
-              </a:fontRef>
-            </p:style>
-            <p:txBody>
-              <a:bodyPr lIns="90000" rtlCol="0" anchor="ctr"/>
-              <a:lstStyle/>
-              <a:p>
-                <a:pPr algn="ctr"/>
-                <a:endParaRPr lang="en-CH" dirty="0"/>
-              </a:p>
-            </p:txBody>
-          </p:sp>
-          <p:sp>
-            <p:nvSpPr>
-              <p:cNvPr id="53" name="Rectangle 52">
-                <a:extLst>
-                  <a:ext uri="{FF2B5EF4-FFF2-40B4-BE49-F238E27FC236}">
-                    <a16:creationId xmlns:a16="http://schemas.microsoft.com/office/drawing/2014/main" id="{B1386FC0-A19B-74E5-C237-783C6E7226C7}"/>
-                  </a:ext>
-                </a:extLst>
-              </p:cNvPr>
-              <p:cNvSpPr/>
-              <p:nvPr/>
-            </p:nvSpPr>
-            <p:spPr>
-              <a:xfrm>
-                <a:off x="3124373" y="987388"/>
-                <a:ext cx="426433" cy="80934"/>
-              </a:xfrm>
-              <a:prstGeom prst="rect">
-                <a:avLst/>
-              </a:prstGeom>
-              <a:solidFill>
-                <a:schemeClr val="bg1">
-                  <a:lumMod val="65000"/>
-                  <a:alpha val="46640"/>
-                </a:schemeClr>
-              </a:solidFill>
-              <a:ln>
-                <a:noFill/>
-              </a:ln>
-            </p:spPr>
-            <p:style>
-              <a:lnRef idx="2">
-                <a:schemeClr val="accent1">
-                  <a:shade val="15000"/>
-                </a:schemeClr>
-              </a:lnRef>
-              <a:fillRef idx="1">
-                <a:schemeClr val="accent1"/>
-              </a:fillRef>
-              <a:effectRef idx="0">
-                <a:schemeClr val="accent1"/>
-              </a:effectRef>
-              <a:fontRef idx="minor">
-                <a:schemeClr val="lt1"/>
-              </a:fontRef>
-            </p:style>
-            <p:txBody>
-              <a:bodyPr lIns="18000" tIns="0" rIns="18000" bIns="0" rtlCol="0" anchor="ctr"/>
-              <a:lstStyle/>
-              <a:p>
-                <a:pPr algn="ctr"/>
-                <a:r>
-                  <a:rPr lang="en-CH" sz="600" dirty="0">
-                    <a:solidFill>
-                      <a:schemeClr val="bg1">
-                        <a:lumMod val="50000"/>
-                      </a:schemeClr>
-                    </a:solidFill>
-                  </a:rPr>
-                  <a:t>Region 4</a:t>
-                </a:r>
-              </a:p>
-            </p:txBody>
-          </p:sp>
-          <p:sp>
-            <p:nvSpPr>
-              <p:cNvPr id="54" name="Rectangle 53">
-                <a:extLst>
-                  <a:ext uri="{FF2B5EF4-FFF2-40B4-BE49-F238E27FC236}">
-                    <a16:creationId xmlns:a16="http://schemas.microsoft.com/office/drawing/2014/main" id="{40D47C16-7D6B-BCDC-4779-8F61F579B740}"/>
-                  </a:ext>
-                </a:extLst>
-              </p:cNvPr>
-              <p:cNvSpPr/>
-              <p:nvPr/>
-            </p:nvSpPr>
-            <p:spPr>
-              <a:xfrm>
-                <a:off x="4009522" y="985771"/>
-                <a:ext cx="362853" cy="82550"/>
-              </a:xfrm>
-              <a:prstGeom prst="rect">
-                <a:avLst/>
-              </a:prstGeom>
-              <a:solidFill>
-                <a:schemeClr val="bg1">
-                  <a:lumMod val="65000"/>
-                  <a:alpha val="46640"/>
-                </a:schemeClr>
-              </a:solidFill>
-              <a:ln>
-                <a:noFill/>
-              </a:ln>
-            </p:spPr>
-            <p:style>
-              <a:lnRef idx="2">
-                <a:schemeClr val="accent1">
-                  <a:shade val="15000"/>
-                </a:schemeClr>
-              </a:lnRef>
-              <a:fillRef idx="1">
-                <a:schemeClr val="accent1"/>
-              </a:fillRef>
-              <a:effectRef idx="0">
-                <a:schemeClr val="accent1"/>
-              </a:effectRef>
-              <a:fontRef idx="minor">
-                <a:schemeClr val="lt1"/>
-              </a:fontRef>
-            </p:style>
-            <p:txBody>
-              <a:bodyPr lIns="18000" tIns="0" rIns="18000" bIns="0" rtlCol="0" anchor="ctr"/>
-              <a:lstStyle/>
-              <a:p>
-                <a:pPr algn="ctr"/>
-                <a:r>
-                  <a:rPr lang="en-CH" sz="600" dirty="0">
-                    <a:solidFill>
-                      <a:schemeClr val="bg1">
-                        <a:lumMod val="50000"/>
-                      </a:schemeClr>
-                    </a:solidFill>
-                  </a:rPr>
-                  <a:t>Region 3</a:t>
-                </a:r>
-                <a:endParaRPr lang="en-CH" sz="600" dirty="0">
+                </a:ln>
+              </p:spPr>
+              <p:style>
+                <a:lnRef idx="1">
+                  <a:schemeClr val="accent1"/>
+                </a:lnRef>
+                <a:fillRef idx="0">
+                  <a:schemeClr val="accent1"/>
+                </a:fillRef>
+                <a:effectRef idx="0">
+                  <a:schemeClr val="accent1"/>
+                </a:effectRef>
+                <a:fontRef idx="minor">
+                  <a:schemeClr val="tx1"/>
+                </a:fontRef>
+              </p:style>
+            </p:cxnSp>
+            <p:cxnSp>
+              <p:nvCxnSpPr>
+                <p:cNvPr id="64" name="Straight Connector 63">
+                  <a:extLst>
+                    <a:ext uri="{FF2B5EF4-FFF2-40B4-BE49-F238E27FC236}">
+                      <a16:creationId xmlns:a16="http://schemas.microsoft.com/office/drawing/2014/main" id="{DB753185-51F0-1CD4-659A-30EA30B9F814}"/>
+                    </a:ext>
+                  </a:extLst>
+                </p:cNvPr>
+                <p:cNvCxnSpPr>
+                  <a:cxnSpLocks/>
+                </p:cNvCxnSpPr>
+                <p:nvPr/>
+              </p:nvCxnSpPr>
+              <p:spPr>
+                <a:xfrm>
+                  <a:off x="3124374" y="339977"/>
+                  <a:ext cx="0" cy="1940400"/>
+                </a:xfrm>
+                <a:prstGeom prst="line">
+                  <a:avLst/>
+                </a:prstGeom>
+                <a:ln w="15875">
                   <a:solidFill>
-                    <a:schemeClr val="bg1">
-                      <a:lumMod val="65000"/>
-                    </a:schemeClr>
+                    <a:srgbClr val="D5D5D5"/>
                   </a:solidFill>
-                </a:endParaRPr>
-              </a:p>
-            </p:txBody>
-          </p:sp>
-          <p:sp>
-            <p:nvSpPr>
-              <p:cNvPr id="55" name="Rectangle 54">
-                <a:extLst>
-                  <a:ext uri="{FF2B5EF4-FFF2-40B4-BE49-F238E27FC236}">
-                    <a16:creationId xmlns:a16="http://schemas.microsoft.com/office/drawing/2014/main" id="{54B22DB8-F790-D404-4130-FD12B6B1BF49}"/>
-                  </a:ext>
-                </a:extLst>
-              </p:cNvPr>
-              <p:cNvSpPr/>
-              <p:nvPr/>
-            </p:nvSpPr>
-            <p:spPr>
-              <a:xfrm>
-                <a:off x="4550873" y="987386"/>
-                <a:ext cx="435020" cy="82550"/>
-              </a:xfrm>
-              <a:prstGeom prst="rect">
-                <a:avLst/>
-              </a:prstGeom>
-              <a:solidFill>
-                <a:schemeClr val="bg1">
-                  <a:lumMod val="65000"/>
-                  <a:alpha val="46640"/>
-                </a:schemeClr>
-              </a:solidFill>
-              <a:ln>
-                <a:noFill/>
-              </a:ln>
-            </p:spPr>
-            <p:style>
-              <a:lnRef idx="2">
-                <a:schemeClr val="accent1">
-                  <a:shade val="15000"/>
-                </a:schemeClr>
-              </a:lnRef>
-              <a:fillRef idx="1">
-                <a:schemeClr val="accent1"/>
-              </a:fillRef>
-              <a:effectRef idx="0">
-                <a:schemeClr val="accent1"/>
-              </a:effectRef>
-              <a:fontRef idx="minor">
-                <a:schemeClr val="lt1"/>
-              </a:fontRef>
-            </p:style>
-            <p:txBody>
-              <a:bodyPr lIns="18000" tIns="0" rIns="18000" bIns="0" rtlCol="0" anchor="ctr"/>
-              <a:lstStyle/>
-              <a:p>
-                <a:pPr algn="ctr"/>
-                <a:r>
-                  <a:rPr lang="en-CH" sz="600" dirty="0">
-                    <a:solidFill>
-                      <a:schemeClr val="bg1">
-                        <a:lumMod val="50000"/>
-                      </a:schemeClr>
-                    </a:solidFill>
-                  </a:rPr>
-                  <a:t>Region 2</a:t>
-                </a:r>
-              </a:p>
-            </p:txBody>
-          </p:sp>
-          <p:sp>
-            <p:nvSpPr>
-              <p:cNvPr id="56" name="Rectangle 55">
-                <a:extLst>
-                  <a:ext uri="{FF2B5EF4-FFF2-40B4-BE49-F238E27FC236}">
-                    <a16:creationId xmlns:a16="http://schemas.microsoft.com/office/drawing/2014/main" id="{3B0C94AE-7247-11FC-E203-E7FF483EFC80}"/>
-                  </a:ext>
-                </a:extLst>
-              </p:cNvPr>
-              <p:cNvSpPr/>
-              <p:nvPr/>
-            </p:nvSpPr>
-            <p:spPr>
-              <a:xfrm>
-                <a:off x="5255423" y="991244"/>
-                <a:ext cx="361307" cy="77077"/>
-              </a:xfrm>
-              <a:prstGeom prst="rect">
-                <a:avLst/>
-              </a:prstGeom>
-              <a:solidFill>
-                <a:schemeClr val="bg1">
-                  <a:lumMod val="65000"/>
-                  <a:alpha val="46640"/>
-                </a:schemeClr>
-              </a:solidFill>
-              <a:ln>
-                <a:noFill/>
-              </a:ln>
-            </p:spPr>
-            <p:style>
-              <a:lnRef idx="2">
-                <a:schemeClr val="accent1">
-                  <a:shade val="15000"/>
-                </a:schemeClr>
-              </a:lnRef>
-              <a:fillRef idx="1">
-                <a:schemeClr val="accent1"/>
-              </a:fillRef>
-              <a:effectRef idx="0">
-                <a:schemeClr val="accent1"/>
-              </a:effectRef>
-              <a:fontRef idx="minor">
-                <a:schemeClr val="lt1"/>
-              </a:fontRef>
-            </p:style>
-            <p:txBody>
-              <a:bodyPr lIns="18000" tIns="0" rIns="18000" bIns="0" rtlCol="0" anchor="ctr"/>
-              <a:lstStyle/>
-              <a:p>
-                <a:pPr algn="ctr"/>
-                <a:r>
-                  <a:rPr lang="en-CH" sz="600" dirty="0">
-                    <a:solidFill>
-                      <a:schemeClr val="bg1">
-                        <a:lumMod val="50000"/>
-                      </a:schemeClr>
-                    </a:solidFill>
-                  </a:rPr>
-                  <a:t>Region 1</a:t>
-                </a:r>
-              </a:p>
-            </p:txBody>
-          </p:sp>
-          <p:sp>
-            <p:nvSpPr>
-              <p:cNvPr id="57" name="Rectangle 56">
-                <a:extLst>
-                  <a:ext uri="{FF2B5EF4-FFF2-40B4-BE49-F238E27FC236}">
-                    <a16:creationId xmlns:a16="http://schemas.microsoft.com/office/drawing/2014/main" id="{FBCC0209-3773-0034-DE63-35A3DBC4A0BA}"/>
-                  </a:ext>
-                </a:extLst>
-              </p:cNvPr>
-              <p:cNvSpPr/>
-              <p:nvPr/>
-            </p:nvSpPr>
-            <p:spPr>
-              <a:xfrm>
-                <a:off x="4007638" y="2232635"/>
-                <a:ext cx="362852" cy="45719"/>
-              </a:xfrm>
-              <a:prstGeom prst="rect">
-                <a:avLst/>
-              </a:prstGeom>
-              <a:solidFill>
-                <a:schemeClr val="bg1">
-                  <a:lumMod val="65000"/>
-                  <a:alpha val="46640"/>
-                </a:schemeClr>
-              </a:solidFill>
-              <a:ln>
-                <a:noFill/>
-              </a:ln>
-            </p:spPr>
-            <p:style>
-              <a:lnRef idx="2">
-                <a:schemeClr val="accent1">
-                  <a:shade val="15000"/>
-                </a:schemeClr>
-              </a:lnRef>
-              <a:fillRef idx="1">
-                <a:schemeClr val="accent1"/>
-              </a:fillRef>
-              <a:effectRef idx="0">
-                <a:schemeClr val="accent1"/>
-              </a:effectRef>
-              <a:fontRef idx="minor">
-                <a:schemeClr val="lt1"/>
-              </a:fontRef>
-            </p:style>
-            <p:txBody>
-              <a:bodyPr rtlCol="0" anchor="ctr"/>
-              <a:lstStyle/>
-              <a:p>
-                <a:pPr algn="ctr"/>
-                <a:endParaRPr lang="en-CH" dirty="0"/>
-              </a:p>
-            </p:txBody>
-          </p:sp>
-          <p:sp>
-            <p:nvSpPr>
-              <p:cNvPr id="58" name="Rectangle 57">
-                <a:extLst>
-                  <a:ext uri="{FF2B5EF4-FFF2-40B4-BE49-F238E27FC236}">
-                    <a16:creationId xmlns:a16="http://schemas.microsoft.com/office/drawing/2014/main" id="{7064CF30-C5F7-DBE1-346E-B8EE7644438A}"/>
-                  </a:ext>
-                </a:extLst>
-              </p:cNvPr>
-              <p:cNvSpPr/>
-              <p:nvPr/>
-            </p:nvSpPr>
-            <p:spPr>
-              <a:xfrm>
-                <a:off x="4550820" y="2232799"/>
-                <a:ext cx="435020" cy="45719"/>
-              </a:xfrm>
-              <a:prstGeom prst="rect">
-                <a:avLst/>
-              </a:prstGeom>
-              <a:solidFill>
-                <a:schemeClr val="bg1">
-                  <a:lumMod val="65000"/>
-                  <a:alpha val="46640"/>
-                </a:schemeClr>
-              </a:solidFill>
-              <a:ln>
-                <a:noFill/>
-              </a:ln>
-            </p:spPr>
-            <p:style>
-              <a:lnRef idx="2">
-                <a:schemeClr val="accent1">
-                  <a:shade val="15000"/>
-                </a:schemeClr>
-              </a:lnRef>
-              <a:fillRef idx="1">
-                <a:schemeClr val="accent1"/>
-              </a:fillRef>
-              <a:effectRef idx="0">
-                <a:schemeClr val="accent1"/>
-              </a:effectRef>
-              <a:fontRef idx="minor">
-                <a:schemeClr val="lt1"/>
-              </a:fontRef>
-            </p:style>
-            <p:txBody>
-              <a:bodyPr rtlCol="0" anchor="ctr"/>
-              <a:lstStyle/>
-              <a:p>
-                <a:pPr algn="ctr"/>
-                <a:endParaRPr lang="en-CH" dirty="0"/>
-              </a:p>
-            </p:txBody>
-          </p:sp>
-          <p:sp>
-            <p:nvSpPr>
-              <p:cNvPr id="59" name="Rectangle 58">
-                <a:extLst>
-                  <a:ext uri="{FF2B5EF4-FFF2-40B4-BE49-F238E27FC236}">
-                    <a16:creationId xmlns:a16="http://schemas.microsoft.com/office/drawing/2014/main" id="{A50146C3-FB77-4409-54EF-7E5A17CA5F01}"/>
-                  </a:ext>
-                </a:extLst>
-              </p:cNvPr>
-              <p:cNvSpPr/>
-              <p:nvPr/>
-            </p:nvSpPr>
-            <p:spPr>
-              <a:xfrm>
-                <a:off x="5255423" y="2232799"/>
-                <a:ext cx="359376" cy="45719"/>
-              </a:xfrm>
-              <a:prstGeom prst="rect">
-                <a:avLst/>
-              </a:prstGeom>
-              <a:solidFill>
-                <a:schemeClr val="bg1">
-                  <a:lumMod val="65000"/>
-                  <a:alpha val="46640"/>
-                </a:schemeClr>
-              </a:solidFill>
-              <a:ln>
-                <a:noFill/>
-              </a:ln>
-            </p:spPr>
-            <p:style>
-              <a:lnRef idx="2">
-                <a:schemeClr val="accent1">
-                  <a:shade val="15000"/>
-                </a:schemeClr>
-              </a:lnRef>
-              <a:fillRef idx="1">
-                <a:schemeClr val="accent1"/>
-              </a:fillRef>
-              <a:effectRef idx="0">
-                <a:schemeClr val="accent1"/>
-              </a:effectRef>
-              <a:fontRef idx="minor">
-                <a:schemeClr val="lt1"/>
-              </a:fontRef>
-            </p:style>
-            <p:txBody>
-              <a:bodyPr rtlCol="0" anchor="ctr"/>
-              <a:lstStyle/>
-              <a:p>
-                <a:pPr algn="ctr"/>
-                <a:endParaRPr lang="en-CH" dirty="0"/>
-              </a:p>
-            </p:txBody>
-          </p:sp>
-          <p:sp>
-            <p:nvSpPr>
-              <p:cNvPr id="60" name="Rectangle 59">
-                <a:extLst>
-                  <a:ext uri="{FF2B5EF4-FFF2-40B4-BE49-F238E27FC236}">
-                    <a16:creationId xmlns:a16="http://schemas.microsoft.com/office/drawing/2014/main" id="{8F9327B5-571E-C426-326A-D2C097E4995D}"/>
-                  </a:ext>
-                </a:extLst>
-              </p:cNvPr>
-              <p:cNvSpPr/>
-              <p:nvPr/>
-            </p:nvSpPr>
-            <p:spPr>
-              <a:xfrm>
-                <a:off x="4012526" y="339977"/>
-                <a:ext cx="354663" cy="66950"/>
-              </a:xfrm>
-              <a:prstGeom prst="rect">
-                <a:avLst/>
-              </a:prstGeom>
-              <a:solidFill>
-                <a:schemeClr val="bg1">
-                  <a:lumMod val="65000"/>
-                  <a:alpha val="46640"/>
-                </a:schemeClr>
-              </a:solidFill>
-              <a:ln>
-                <a:noFill/>
-              </a:ln>
-            </p:spPr>
-            <p:style>
-              <a:lnRef idx="2">
-                <a:schemeClr val="accent1">
-                  <a:shade val="15000"/>
-                </a:schemeClr>
-              </a:lnRef>
-              <a:fillRef idx="1">
-                <a:schemeClr val="accent1"/>
-              </a:fillRef>
-              <a:effectRef idx="0">
-                <a:schemeClr val="accent1"/>
-              </a:effectRef>
-              <a:fontRef idx="minor">
-                <a:schemeClr val="lt1"/>
-              </a:fontRef>
-            </p:style>
-            <p:txBody>
-              <a:bodyPr lIns="90000" rtlCol="0" anchor="ctr"/>
-              <a:lstStyle/>
-              <a:p>
-                <a:pPr algn="ctr"/>
-                <a:endParaRPr lang="en-CH" dirty="0"/>
-              </a:p>
-            </p:txBody>
-          </p:sp>
-          <p:sp>
-            <p:nvSpPr>
-              <p:cNvPr id="61" name="Rectangle 60">
-                <a:extLst>
-                  <a:ext uri="{FF2B5EF4-FFF2-40B4-BE49-F238E27FC236}">
-                    <a16:creationId xmlns:a16="http://schemas.microsoft.com/office/drawing/2014/main" id="{90D35404-AF3A-132E-BD97-32C445E8E23A}"/>
-                  </a:ext>
-                </a:extLst>
-              </p:cNvPr>
-              <p:cNvSpPr/>
-              <p:nvPr/>
-            </p:nvSpPr>
-            <p:spPr>
-              <a:xfrm>
-                <a:off x="5260136" y="339977"/>
-                <a:ext cx="354663" cy="66950"/>
-              </a:xfrm>
-              <a:prstGeom prst="rect">
-                <a:avLst/>
-              </a:prstGeom>
-              <a:solidFill>
-                <a:schemeClr val="bg1">
-                  <a:lumMod val="65000"/>
-                  <a:alpha val="46640"/>
-                </a:schemeClr>
-              </a:solidFill>
-              <a:ln>
-                <a:noFill/>
-              </a:ln>
-            </p:spPr>
-            <p:style>
-              <a:lnRef idx="2">
-                <a:schemeClr val="accent1">
-                  <a:shade val="15000"/>
-                </a:schemeClr>
-              </a:lnRef>
-              <a:fillRef idx="1">
-                <a:schemeClr val="accent1"/>
-              </a:fillRef>
-              <a:effectRef idx="0">
-                <a:schemeClr val="accent1"/>
-              </a:effectRef>
-              <a:fontRef idx="minor">
-                <a:schemeClr val="lt1"/>
-              </a:fontRef>
-            </p:style>
-            <p:txBody>
-              <a:bodyPr rtlCol="0" anchor="ctr"/>
-              <a:lstStyle/>
-              <a:p>
-                <a:pPr algn="ctr"/>
-                <a:endParaRPr lang="en-CH" dirty="0"/>
-              </a:p>
-            </p:txBody>
-          </p:sp>
-          <p:sp>
-            <p:nvSpPr>
-              <p:cNvPr id="62" name="Rectangle 61">
-                <a:extLst>
-                  <a:ext uri="{FF2B5EF4-FFF2-40B4-BE49-F238E27FC236}">
-                    <a16:creationId xmlns:a16="http://schemas.microsoft.com/office/drawing/2014/main" id="{3CD3A365-9370-3FAF-C265-83FEF54456E5}"/>
-                  </a:ext>
-                </a:extLst>
-              </p:cNvPr>
-              <p:cNvSpPr/>
-              <p:nvPr/>
-            </p:nvSpPr>
-            <p:spPr>
-              <a:xfrm>
-                <a:off x="4552934" y="339977"/>
-                <a:ext cx="429397" cy="66950"/>
-              </a:xfrm>
-              <a:prstGeom prst="rect">
-                <a:avLst/>
-              </a:prstGeom>
-              <a:solidFill>
-                <a:schemeClr val="bg1">
-                  <a:lumMod val="65000"/>
-                  <a:alpha val="46640"/>
-                </a:schemeClr>
-              </a:solidFill>
-              <a:ln>
-                <a:noFill/>
-              </a:ln>
-            </p:spPr>
-            <p:style>
-              <a:lnRef idx="2">
-                <a:schemeClr val="accent1">
-                  <a:shade val="15000"/>
-                </a:schemeClr>
-              </a:lnRef>
-              <a:fillRef idx="1">
-                <a:schemeClr val="accent1"/>
-              </a:fillRef>
-              <a:effectRef idx="0">
-                <a:schemeClr val="accent1"/>
-              </a:effectRef>
-              <a:fontRef idx="minor">
-                <a:schemeClr val="lt1"/>
-              </a:fontRef>
-            </p:style>
-            <p:txBody>
-              <a:bodyPr lIns="90000" rtlCol="0" anchor="ctr"/>
-              <a:lstStyle/>
-              <a:p>
-                <a:pPr algn="ctr"/>
-                <a:endParaRPr lang="en-CH" dirty="0"/>
-              </a:p>
-            </p:txBody>
-          </p:sp>
-          <p:cxnSp>
-            <p:nvCxnSpPr>
-              <p:cNvPr id="63" name="Straight Connector 62">
-                <a:extLst>
-                  <a:ext uri="{FF2B5EF4-FFF2-40B4-BE49-F238E27FC236}">
-                    <a16:creationId xmlns:a16="http://schemas.microsoft.com/office/drawing/2014/main" id="{BBFA681A-8F0B-F357-621E-6E0A25BCE922}"/>
-                  </a:ext>
-                </a:extLst>
-              </p:cNvPr>
-              <p:cNvCxnSpPr>
-                <a:cxnSpLocks/>
-              </p:cNvCxnSpPr>
-              <p:nvPr/>
-            </p:nvCxnSpPr>
-            <p:spPr>
-              <a:xfrm>
-                <a:off x="3551913" y="339977"/>
-                <a:ext cx="0" cy="1940400"/>
-              </a:xfrm>
-              <a:prstGeom prst="line">
-                <a:avLst/>
-              </a:prstGeom>
-              <a:ln w="15875">
-                <a:solidFill>
-                  <a:srgbClr val="D5D5D5"/>
-                </a:solidFill>
-              </a:ln>
-            </p:spPr>
-            <p:style>
-              <a:lnRef idx="1">
-                <a:schemeClr val="accent1"/>
-              </a:lnRef>
-              <a:fillRef idx="0">
-                <a:schemeClr val="accent1"/>
-              </a:fillRef>
-              <a:effectRef idx="0">
-                <a:schemeClr val="accent1"/>
-              </a:effectRef>
-              <a:fontRef idx="minor">
-                <a:schemeClr val="tx1"/>
-              </a:fontRef>
-            </p:style>
-          </p:cxnSp>
-          <p:cxnSp>
-            <p:nvCxnSpPr>
-              <p:cNvPr id="64" name="Straight Connector 63">
-                <a:extLst>
-                  <a:ext uri="{FF2B5EF4-FFF2-40B4-BE49-F238E27FC236}">
-                    <a16:creationId xmlns:a16="http://schemas.microsoft.com/office/drawing/2014/main" id="{DB753185-51F0-1CD4-659A-30EA30B9F814}"/>
-                  </a:ext>
-                </a:extLst>
-              </p:cNvPr>
-              <p:cNvCxnSpPr>
-                <a:cxnSpLocks/>
-              </p:cNvCxnSpPr>
-              <p:nvPr/>
-            </p:nvCxnSpPr>
-            <p:spPr>
-              <a:xfrm>
-                <a:off x="3124374" y="339977"/>
-                <a:ext cx="0" cy="1940400"/>
-              </a:xfrm>
-              <a:prstGeom prst="line">
-                <a:avLst/>
-              </a:prstGeom>
-              <a:ln w="15875">
-                <a:solidFill>
-                  <a:srgbClr val="D5D5D5"/>
-                </a:solidFill>
-              </a:ln>
-            </p:spPr>
-            <p:style>
-              <a:lnRef idx="1">
-                <a:schemeClr val="accent1"/>
-              </a:lnRef>
-              <a:fillRef idx="0">
-                <a:schemeClr val="accent1"/>
-              </a:fillRef>
-              <a:effectRef idx="0">
-                <a:schemeClr val="accent1"/>
-              </a:effectRef>
-              <a:fontRef idx="minor">
-                <a:schemeClr val="tx1"/>
-              </a:fontRef>
-            </p:style>
-          </p:cxnSp>
-          <p:cxnSp>
-            <p:nvCxnSpPr>
-              <p:cNvPr id="65" name="Straight Connector 64">
-                <a:extLst>
-                  <a:ext uri="{FF2B5EF4-FFF2-40B4-BE49-F238E27FC236}">
-                    <a16:creationId xmlns:a16="http://schemas.microsoft.com/office/drawing/2014/main" id="{E9CC4324-E10B-34D2-C4D1-71AFF6272AA0}"/>
-                  </a:ext>
-                </a:extLst>
-              </p:cNvPr>
-              <p:cNvCxnSpPr>
-                <a:cxnSpLocks/>
-              </p:cNvCxnSpPr>
-              <p:nvPr/>
-            </p:nvCxnSpPr>
-            <p:spPr>
-              <a:xfrm>
-                <a:off x="4008668" y="339977"/>
-                <a:ext cx="0" cy="1940400"/>
-              </a:xfrm>
-              <a:prstGeom prst="line">
-                <a:avLst/>
-              </a:prstGeom>
-              <a:ln w="15875">
-                <a:solidFill>
-                  <a:srgbClr val="D5D5D5"/>
-                </a:solidFill>
-              </a:ln>
-            </p:spPr>
-            <p:style>
-              <a:lnRef idx="1">
-                <a:schemeClr val="accent1"/>
-              </a:lnRef>
-              <a:fillRef idx="0">
-                <a:schemeClr val="accent1"/>
-              </a:fillRef>
-              <a:effectRef idx="0">
-                <a:schemeClr val="accent1"/>
-              </a:effectRef>
-              <a:fontRef idx="minor">
-                <a:schemeClr val="tx1"/>
-              </a:fontRef>
-            </p:style>
-          </p:cxnSp>
-          <p:cxnSp>
-            <p:nvCxnSpPr>
-              <p:cNvPr id="66" name="Straight Connector 65">
-                <a:extLst>
-                  <a:ext uri="{FF2B5EF4-FFF2-40B4-BE49-F238E27FC236}">
-                    <a16:creationId xmlns:a16="http://schemas.microsoft.com/office/drawing/2014/main" id="{4F42F62B-2D1A-166A-2036-432C9C673D33}"/>
-                  </a:ext>
-                </a:extLst>
-              </p:cNvPr>
-              <p:cNvCxnSpPr>
-                <a:cxnSpLocks/>
-              </p:cNvCxnSpPr>
-              <p:nvPr/>
-            </p:nvCxnSpPr>
-            <p:spPr>
-              <a:xfrm>
-                <a:off x="4372376" y="339977"/>
-                <a:ext cx="0" cy="1940400"/>
-              </a:xfrm>
-              <a:prstGeom prst="line">
-                <a:avLst/>
-              </a:prstGeom>
-              <a:ln w="15875">
-                <a:solidFill>
-                  <a:srgbClr val="D5D5D5"/>
-                </a:solidFill>
-              </a:ln>
-            </p:spPr>
-            <p:style>
-              <a:lnRef idx="1">
-                <a:schemeClr val="accent1"/>
-              </a:lnRef>
-              <a:fillRef idx="0">
-                <a:schemeClr val="accent1"/>
-              </a:fillRef>
-              <a:effectRef idx="0">
-                <a:schemeClr val="accent1"/>
-              </a:effectRef>
-              <a:fontRef idx="minor">
-                <a:schemeClr val="tx1"/>
-              </a:fontRef>
-            </p:style>
-          </p:cxnSp>
-          <p:cxnSp>
-            <p:nvCxnSpPr>
-              <p:cNvPr id="67" name="Straight Connector 66">
-                <a:extLst>
-                  <a:ext uri="{FF2B5EF4-FFF2-40B4-BE49-F238E27FC236}">
-                    <a16:creationId xmlns:a16="http://schemas.microsoft.com/office/drawing/2014/main" id="{45226C8D-52B3-158F-C794-968F24C4D597}"/>
-                  </a:ext>
-                </a:extLst>
-              </p:cNvPr>
-              <p:cNvCxnSpPr>
-                <a:cxnSpLocks/>
-              </p:cNvCxnSpPr>
-              <p:nvPr/>
-            </p:nvCxnSpPr>
-            <p:spPr>
-              <a:xfrm>
-                <a:off x="5255424" y="339977"/>
-                <a:ext cx="0" cy="1940400"/>
-              </a:xfrm>
-              <a:prstGeom prst="line">
-                <a:avLst/>
-              </a:prstGeom>
-              <a:ln w="15875">
-                <a:solidFill>
-                  <a:srgbClr val="D5D5D5"/>
-                </a:solidFill>
-              </a:ln>
-            </p:spPr>
-            <p:style>
-              <a:lnRef idx="1">
-                <a:schemeClr val="accent1"/>
-              </a:lnRef>
-              <a:fillRef idx="0">
-                <a:schemeClr val="accent1"/>
-              </a:fillRef>
-              <a:effectRef idx="0">
-                <a:schemeClr val="accent1"/>
-              </a:effectRef>
-              <a:fontRef idx="minor">
-                <a:schemeClr val="tx1"/>
-              </a:fontRef>
-            </p:style>
-          </p:cxnSp>
-          <p:cxnSp>
-            <p:nvCxnSpPr>
-              <p:cNvPr id="68" name="Straight Connector 67">
-                <a:extLst>
-                  <a:ext uri="{FF2B5EF4-FFF2-40B4-BE49-F238E27FC236}">
-                    <a16:creationId xmlns:a16="http://schemas.microsoft.com/office/drawing/2014/main" id="{FD18140D-05ED-2940-1241-A5FFC6F5DA2A}"/>
-                  </a:ext>
-                </a:extLst>
-              </p:cNvPr>
-              <p:cNvCxnSpPr>
-                <a:cxnSpLocks/>
-              </p:cNvCxnSpPr>
-              <p:nvPr/>
-            </p:nvCxnSpPr>
-            <p:spPr>
-              <a:xfrm>
-                <a:off x="5616732" y="339977"/>
-                <a:ext cx="0" cy="1940400"/>
-              </a:xfrm>
-              <a:prstGeom prst="line">
-                <a:avLst/>
-              </a:prstGeom>
-              <a:ln w="15875">
-                <a:solidFill>
-                  <a:srgbClr val="D5D5D5"/>
-                </a:solidFill>
-              </a:ln>
-            </p:spPr>
-            <p:style>
-              <a:lnRef idx="1">
-                <a:schemeClr val="accent1"/>
-              </a:lnRef>
-              <a:fillRef idx="0">
-                <a:schemeClr val="accent1"/>
-              </a:fillRef>
-              <a:effectRef idx="0">
-                <a:schemeClr val="accent1"/>
-              </a:effectRef>
-              <a:fontRef idx="minor">
-                <a:schemeClr val="tx1"/>
-              </a:fontRef>
-            </p:style>
-          </p:cxnSp>
-          <p:cxnSp>
-            <p:nvCxnSpPr>
-              <p:cNvPr id="69" name="Straight Connector 68">
-                <a:extLst>
-                  <a:ext uri="{FF2B5EF4-FFF2-40B4-BE49-F238E27FC236}">
-                    <a16:creationId xmlns:a16="http://schemas.microsoft.com/office/drawing/2014/main" id="{E883B7AF-7958-BA8D-4C34-B14C22BE9E10}"/>
-                  </a:ext>
-                </a:extLst>
-              </p:cNvPr>
-              <p:cNvCxnSpPr>
-                <a:cxnSpLocks/>
-              </p:cNvCxnSpPr>
-              <p:nvPr/>
-            </p:nvCxnSpPr>
-            <p:spPr>
-              <a:xfrm>
-                <a:off x="4551903" y="339977"/>
-                <a:ext cx="0" cy="1940400"/>
-              </a:xfrm>
-              <a:prstGeom prst="line">
-                <a:avLst/>
-              </a:prstGeom>
-              <a:ln w="15875">
-                <a:solidFill>
-                  <a:srgbClr val="D5D5D5"/>
-                </a:solidFill>
-              </a:ln>
-            </p:spPr>
-            <p:style>
-              <a:lnRef idx="1">
-                <a:schemeClr val="accent1"/>
-              </a:lnRef>
-              <a:fillRef idx="0">
-                <a:schemeClr val="accent1"/>
-              </a:fillRef>
-              <a:effectRef idx="0">
-                <a:schemeClr val="accent1"/>
-              </a:effectRef>
-              <a:fontRef idx="minor">
-                <a:schemeClr val="tx1"/>
-              </a:fontRef>
-            </p:style>
-          </p:cxnSp>
-          <p:cxnSp>
-            <p:nvCxnSpPr>
-              <p:cNvPr id="70" name="Straight Connector 69">
-                <a:extLst>
-                  <a:ext uri="{FF2B5EF4-FFF2-40B4-BE49-F238E27FC236}">
-                    <a16:creationId xmlns:a16="http://schemas.microsoft.com/office/drawing/2014/main" id="{71BE81D2-E99D-5F29-BE50-475A20C2249A}"/>
-                  </a:ext>
-                </a:extLst>
-              </p:cNvPr>
-              <p:cNvCxnSpPr>
-                <a:cxnSpLocks/>
-              </p:cNvCxnSpPr>
-              <p:nvPr/>
-            </p:nvCxnSpPr>
-            <p:spPr>
-              <a:xfrm>
-                <a:off x="4985866" y="339977"/>
-                <a:ext cx="0" cy="1940400"/>
-              </a:xfrm>
-              <a:prstGeom prst="line">
-                <a:avLst/>
-              </a:prstGeom>
-              <a:ln w="15875">
-                <a:solidFill>
-                  <a:srgbClr val="D5D5D5"/>
-                </a:solidFill>
-              </a:ln>
-            </p:spPr>
-            <p:style>
-              <a:lnRef idx="1">
-                <a:schemeClr val="accent1"/>
-              </a:lnRef>
-              <a:fillRef idx="0">
-                <a:schemeClr val="accent1"/>
-              </a:fillRef>
-              <a:effectRef idx="0">
-                <a:schemeClr val="accent1"/>
-              </a:effectRef>
-              <a:fontRef idx="minor">
-                <a:schemeClr val="tx1"/>
-              </a:fontRef>
-            </p:style>
-          </p:cxnSp>
+                </a:ln>
+              </p:spPr>
+              <p:style>
+                <a:lnRef idx="1">
+                  <a:schemeClr val="accent1"/>
+                </a:lnRef>
+                <a:fillRef idx="0">
+                  <a:schemeClr val="accent1"/>
+                </a:fillRef>
+                <a:effectRef idx="0">
+                  <a:schemeClr val="accent1"/>
+                </a:effectRef>
+                <a:fontRef idx="minor">
+                  <a:schemeClr val="tx1"/>
+                </a:fontRef>
+              </p:style>
+            </p:cxnSp>
+            <p:cxnSp>
+              <p:nvCxnSpPr>
+                <p:cNvPr id="65" name="Straight Connector 64">
+                  <a:extLst>
+                    <a:ext uri="{FF2B5EF4-FFF2-40B4-BE49-F238E27FC236}">
+                      <a16:creationId xmlns:a16="http://schemas.microsoft.com/office/drawing/2014/main" id="{E9CC4324-E10B-34D2-C4D1-71AFF6272AA0}"/>
+                    </a:ext>
+                  </a:extLst>
+                </p:cNvPr>
+                <p:cNvCxnSpPr>
+                  <a:cxnSpLocks/>
+                </p:cNvCxnSpPr>
+                <p:nvPr/>
+              </p:nvCxnSpPr>
+              <p:spPr>
+                <a:xfrm>
+                  <a:off x="4008668" y="339977"/>
+                  <a:ext cx="0" cy="1940400"/>
+                </a:xfrm>
+                <a:prstGeom prst="line">
+                  <a:avLst/>
+                </a:prstGeom>
+                <a:ln w="15875">
+                  <a:solidFill>
+                    <a:srgbClr val="D5D5D5"/>
+                  </a:solidFill>
+                </a:ln>
+              </p:spPr>
+              <p:style>
+                <a:lnRef idx="1">
+                  <a:schemeClr val="accent1"/>
+                </a:lnRef>
+                <a:fillRef idx="0">
+                  <a:schemeClr val="accent1"/>
+                </a:fillRef>
+                <a:effectRef idx="0">
+                  <a:schemeClr val="accent1"/>
+                </a:effectRef>
+                <a:fontRef idx="minor">
+                  <a:schemeClr val="tx1"/>
+                </a:fontRef>
+              </p:style>
+            </p:cxnSp>
+            <p:cxnSp>
+              <p:nvCxnSpPr>
+                <p:cNvPr id="66" name="Straight Connector 65">
+                  <a:extLst>
+                    <a:ext uri="{FF2B5EF4-FFF2-40B4-BE49-F238E27FC236}">
+                      <a16:creationId xmlns:a16="http://schemas.microsoft.com/office/drawing/2014/main" id="{4F42F62B-2D1A-166A-2036-432C9C673D33}"/>
+                    </a:ext>
+                  </a:extLst>
+                </p:cNvPr>
+                <p:cNvCxnSpPr>
+                  <a:cxnSpLocks/>
+                </p:cNvCxnSpPr>
+                <p:nvPr/>
+              </p:nvCxnSpPr>
+              <p:spPr>
+                <a:xfrm>
+                  <a:off x="4372376" y="339977"/>
+                  <a:ext cx="0" cy="1940400"/>
+                </a:xfrm>
+                <a:prstGeom prst="line">
+                  <a:avLst/>
+                </a:prstGeom>
+                <a:ln w="15875">
+                  <a:solidFill>
+                    <a:srgbClr val="D5D5D5"/>
+                  </a:solidFill>
+                </a:ln>
+              </p:spPr>
+              <p:style>
+                <a:lnRef idx="1">
+                  <a:schemeClr val="accent1"/>
+                </a:lnRef>
+                <a:fillRef idx="0">
+                  <a:schemeClr val="accent1"/>
+                </a:fillRef>
+                <a:effectRef idx="0">
+                  <a:schemeClr val="accent1"/>
+                </a:effectRef>
+                <a:fontRef idx="minor">
+                  <a:schemeClr val="tx1"/>
+                </a:fontRef>
+              </p:style>
+            </p:cxnSp>
+            <p:cxnSp>
+              <p:nvCxnSpPr>
+                <p:cNvPr id="67" name="Straight Connector 66">
+                  <a:extLst>
+                    <a:ext uri="{FF2B5EF4-FFF2-40B4-BE49-F238E27FC236}">
+                      <a16:creationId xmlns:a16="http://schemas.microsoft.com/office/drawing/2014/main" id="{45226C8D-52B3-158F-C794-968F24C4D597}"/>
+                    </a:ext>
+                  </a:extLst>
+                </p:cNvPr>
+                <p:cNvCxnSpPr>
+                  <a:cxnSpLocks/>
+                </p:cNvCxnSpPr>
+                <p:nvPr/>
+              </p:nvCxnSpPr>
+              <p:spPr>
+                <a:xfrm>
+                  <a:off x="5255424" y="339977"/>
+                  <a:ext cx="0" cy="1940400"/>
+                </a:xfrm>
+                <a:prstGeom prst="line">
+                  <a:avLst/>
+                </a:prstGeom>
+                <a:ln w="15875">
+                  <a:solidFill>
+                    <a:srgbClr val="D5D5D5"/>
+                  </a:solidFill>
+                </a:ln>
+              </p:spPr>
+              <p:style>
+                <a:lnRef idx="1">
+                  <a:schemeClr val="accent1"/>
+                </a:lnRef>
+                <a:fillRef idx="0">
+                  <a:schemeClr val="accent1"/>
+                </a:fillRef>
+                <a:effectRef idx="0">
+                  <a:schemeClr val="accent1"/>
+                </a:effectRef>
+                <a:fontRef idx="minor">
+                  <a:schemeClr val="tx1"/>
+                </a:fontRef>
+              </p:style>
+            </p:cxnSp>
+            <p:cxnSp>
+              <p:nvCxnSpPr>
+                <p:cNvPr id="68" name="Straight Connector 67">
+                  <a:extLst>
+                    <a:ext uri="{FF2B5EF4-FFF2-40B4-BE49-F238E27FC236}">
+                      <a16:creationId xmlns:a16="http://schemas.microsoft.com/office/drawing/2014/main" id="{FD18140D-05ED-2940-1241-A5FFC6F5DA2A}"/>
+                    </a:ext>
+                  </a:extLst>
+                </p:cNvPr>
+                <p:cNvCxnSpPr>
+                  <a:cxnSpLocks/>
+                </p:cNvCxnSpPr>
+                <p:nvPr/>
+              </p:nvCxnSpPr>
+              <p:spPr>
+                <a:xfrm>
+                  <a:off x="5616732" y="339977"/>
+                  <a:ext cx="0" cy="1940400"/>
+                </a:xfrm>
+                <a:prstGeom prst="line">
+                  <a:avLst/>
+                </a:prstGeom>
+                <a:ln w="15875">
+                  <a:solidFill>
+                    <a:srgbClr val="D5D5D5"/>
+                  </a:solidFill>
+                </a:ln>
+              </p:spPr>
+              <p:style>
+                <a:lnRef idx="1">
+                  <a:schemeClr val="accent1"/>
+                </a:lnRef>
+                <a:fillRef idx="0">
+                  <a:schemeClr val="accent1"/>
+                </a:fillRef>
+                <a:effectRef idx="0">
+                  <a:schemeClr val="accent1"/>
+                </a:effectRef>
+                <a:fontRef idx="minor">
+                  <a:schemeClr val="tx1"/>
+                </a:fontRef>
+              </p:style>
+            </p:cxnSp>
+            <p:cxnSp>
+              <p:nvCxnSpPr>
+                <p:cNvPr id="69" name="Straight Connector 68">
+                  <a:extLst>
+                    <a:ext uri="{FF2B5EF4-FFF2-40B4-BE49-F238E27FC236}">
+                      <a16:creationId xmlns:a16="http://schemas.microsoft.com/office/drawing/2014/main" id="{E883B7AF-7958-BA8D-4C34-B14C22BE9E10}"/>
+                    </a:ext>
+                  </a:extLst>
+                </p:cNvPr>
+                <p:cNvCxnSpPr>
+                  <a:cxnSpLocks/>
+                </p:cNvCxnSpPr>
+                <p:nvPr/>
+              </p:nvCxnSpPr>
+              <p:spPr>
+                <a:xfrm>
+                  <a:off x="4551903" y="339977"/>
+                  <a:ext cx="0" cy="1940400"/>
+                </a:xfrm>
+                <a:prstGeom prst="line">
+                  <a:avLst/>
+                </a:prstGeom>
+                <a:ln w="15875">
+                  <a:solidFill>
+                    <a:srgbClr val="D5D5D5"/>
+                  </a:solidFill>
+                </a:ln>
+              </p:spPr>
+              <p:style>
+                <a:lnRef idx="1">
+                  <a:schemeClr val="accent1"/>
+                </a:lnRef>
+                <a:fillRef idx="0">
+                  <a:schemeClr val="accent1"/>
+                </a:fillRef>
+                <a:effectRef idx="0">
+                  <a:schemeClr val="accent1"/>
+                </a:effectRef>
+                <a:fontRef idx="minor">
+                  <a:schemeClr val="tx1"/>
+                </a:fontRef>
+              </p:style>
+            </p:cxnSp>
+            <p:cxnSp>
+              <p:nvCxnSpPr>
+                <p:cNvPr id="70" name="Straight Connector 69">
+                  <a:extLst>
+                    <a:ext uri="{FF2B5EF4-FFF2-40B4-BE49-F238E27FC236}">
+                      <a16:creationId xmlns:a16="http://schemas.microsoft.com/office/drawing/2014/main" id="{71BE81D2-E99D-5F29-BE50-475A20C2249A}"/>
+                    </a:ext>
+                  </a:extLst>
+                </p:cNvPr>
+                <p:cNvCxnSpPr>
+                  <a:cxnSpLocks/>
+                </p:cNvCxnSpPr>
+                <p:nvPr/>
+              </p:nvCxnSpPr>
+              <p:spPr>
+                <a:xfrm>
+                  <a:off x="4985866" y="339977"/>
+                  <a:ext cx="0" cy="1940400"/>
+                </a:xfrm>
+                <a:prstGeom prst="line">
+                  <a:avLst/>
+                </a:prstGeom>
+                <a:ln w="15875">
+                  <a:solidFill>
+                    <a:srgbClr val="D5D5D5"/>
+                  </a:solidFill>
+                </a:ln>
+              </p:spPr>
+              <p:style>
+                <a:lnRef idx="1">
+                  <a:schemeClr val="accent1"/>
+                </a:lnRef>
+                <a:fillRef idx="0">
+                  <a:schemeClr val="accent1"/>
+                </a:fillRef>
+                <a:effectRef idx="0">
+                  <a:schemeClr val="accent1"/>
+                </a:effectRef>
+                <a:fontRef idx="minor">
+                  <a:schemeClr val="tx1"/>
+                </a:fontRef>
+              </p:style>
+            </p:cxnSp>
+          </p:grpSp>
         </p:grpSp>
       </p:grpSp>
     </p:spTree>
     <p:extLst>
       <p:ext uri="{BB962C8B-B14F-4D97-AF65-F5344CB8AC3E}">
         <p14:creationId xmlns:p14="http://schemas.microsoft.com/office/powerpoint/2010/main" val="2975742834"/>
+      </p:ext>
+    </p:extLst>
+  </p:cSld>
+  <p:clrMapOvr>
+    <a:masterClrMapping/>
+  </p:clrMapOvr>
+</p:sld>
+</file>
+
+<file path=ppt/slides/slide2.xml><?xml version="1.0" encoding="utf-8"?>
+<p:sld xmlns:a="http://schemas.openxmlformats.org/drawingml/2006/main" xmlns:r="http://schemas.openxmlformats.org/officeDocument/2006/relationships" xmlns:p="http://schemas.openxmlformats.org/presentationml/2006/main">
+  <p:cSld>
+    <p:spTree>
+      <p:nvGrpSpPr>
+        <p:cNvPr id="1" name=""/>
+        <p:cNvGrpSpPr/>
+        <p:nvPr/>
+      </p:nvGrpSpPr>
+      <p:grpSpPr>
+        <a:xfrm>
+          <a:off x="0" y="0"/>
+          <a:ext cx="0" cy="0"/>
+          <a:chOff x="0" y="0"/>
+          <a:chExt cx="0" cy="0"/>
+        </a:xfrm>
+      </p:grpSpPr>
+      <p:sp>
+        <p:nvSpPr>
+          <p:cNvPr id="2" name="Slide Number Placeholder 1">
+            <a:extLst>
+              <a:ext uri="{FF2B5EF4-FFF2-40B4-BE49-F238E27FC236}">
+                <a16:creationId xmlns:a16="http://schemas.microsoft.com/office/drawing/2014/main" id="{2212DD74-60BD-8454-F7BC-FFFDDD301F37}"/>
+              </a:ext>
+            </a:extLst>
+          </p:cNvPr>
+          <p:cNvSpPr>
+            <a:spLocks noGrp="1"/>
+          </p:cNvSpPr>
+          <p:nvPr>
+            <p:ph type="sldNum" sz="quarter" idx="11"/>
+          </p:nvPr>
+        </p:nvSpPr>
+        <p:spPr/>
+        <p:txBody>
+          <a:bodyPr/>
+          <a:lstStyle/>
+          <a:p>
+            <a:pPr marL="0" marR="0" lvl="0" indent="0" algn="r" defTabSz="914400" rtl="0" eaLnBrk="1" fontAlgn="auto" latinLnBrk="0" hangingPunct="1">
+              <a:lnSpc>
+                <a:spcPct val="100000"/>
+              </a:lnSpc>
+              <a:spcBef>
+                <a:spcPts val="0"/>
+              </a:spcBef>
+              <a:spcAft>
+                <a:spcPts val="0"/>
+              </a:spcAft>
+              <a:buClrTx/>
+              <a:buSzTx/>
+              <a:buFontTx/>
+              <a:buNone/>
+              <a:tabLst/>
+              <a:defRPr/>
+            </a:pPr>
+            <a:fld id="{E27620C3-0466-3444-9C0E-A1700790CD0F}" type="slidenum">
+              <a:rPr kumimoji="0" lang="en-US" sz="1800" b="1" i="0" u="none" strike="noStrike" kern="1200" cap="none" spc="0" normalizeH="0" baseline="0" noProof="0" smtClean="0">
+                <a:ln>
+                  <a:noFill/>
+                </a:ln>
+                <a:solidFill>
+                  <a:prstClr val="black"/>
+                </a:solidFill>
+                <a:effectLst/>
+                <a:uLnTx/>
+                <a:uFillTx/>
+                <a:latin typeface="Calibri" panose="020F0502020204030204" pitchFamily="34" charset="0"/>
+                <a:ea typeface="Helvetica Neue" panose="02000503000000020004" pitchFamily="2" charset="0"/>
+                <a:cs typeface="Calibri" panose="020F0502020204030204" pitchFamily="34" charset="0"/>
+              </a:rPr>
+              <a:pPr marL="0" marR="0" lvl="0" indent="0" algn="r" defTabSz="914400" rtl="0" eaLnBrk="1" fontAlgn="auto" latinLnBrk="0" hangingPunct="1">
+                <a:lnSpc>
+                  <a:spcPct val="100000"/>
+                </a:lnSpc>
+                <a:spcBef>
+                  <a:spcPts val="0"/>
+                </a:spcBef>
+                <a:spcAft>
+                  <a:spcPts val="0"/>
+                </a:spcAft>
+                <a:buClrTx/>
+                <a:buSzTx/>
+                <a:buFontTx/>
+                <a:buNone/>
+                <a:tabLst/>
+                <a:defRPr/>
+              </a:pPr>
+              <a:t>2</a:t>
+            </a:fld>
+            <a:endParaRPr kumimoji="0" lang="en-US" sz="1800" b="1" i="0" u="none" strike="noStrike" kern="1200" cap="none" spc="0" normalizeH="0" baseline="0" noProof="0" dirty="0">
+              <a:ln>
+                <a:noFill/>
+              </a:ln>
+              <a:solidFill>
+                <a:prstClr val="black"/>
+              </a:solidFill>
+              <a:effectLst/>
+              <a:uLnTx/>
+              <a:uFillTx/>
+              <a:latin typeface="Calibri" panose="020F0502020204030204" pitchFamily="34" charset="0"/>
+              <a:ea typeface="Helvetica Neue" panose="02000503000000020004" pitchFamily="2" charset="0"/>
+              <a:cs typeface="Calibri" panose="020F0502020204030204" pitchFamily="34" charset="0"/>
+            </a:endParaRPr>
+          </a:p>
+        </p:txBody>
+      </p:sp>
+      <p:sp>
+        <p:nvSpPr>
+          <p:cNvPr id="3" name="Title 2">
+            <a:extLst>
+              <a:ext uri="{FF2B5EF4-FFF2-40B4-BE49-F238E27FC236}">
+                <a16:creationId xmlns:a16="http://schemas.microsoft.com/office/drawing/2014/main" id="{056D3D1D-4010-C977-1565-A567C88B0831}"/>
+              </a:ext>
+            </a:extLst>
+          </p:cNvPr>
+          <p:cNvSpPr>
+            <a:spLocks noGrp="1"/>
+          </p:cNvSpPr>
+          <p:nvPr>
+            <p:ph type="title"/>
+          </p:nvPr>
+        </p:nvSpPr>
+        <p:spPr/>
+        <p:txBody>
+          <a:bodyPr>
+            <a:normAutofit fontScale="90000"/>
+          </a:bodyPr>
+          <a:lstStyle/>
+          <a:p>
+            <a:r>
+              <a:rPr lang="en-CH"/>
+              <a:t>Convert to pdf figure:</a:t>
+            </a:r>
+          </a:p>
+        </p:txBody>
+      </p:sp>
+      <p:sp>
+        <p:nvSpPr>
+          <p:cNvPr id="4" name="Content Placeholder 3">
+            <a:extLst>
+              <a:ext uri="{FF2B5EF4-FFF2-40B4-BE49-F238E27FC236}">
+                <a16:creationId xmlns:a16="http://schemas.microsoft.com/office/drawing/2014/main" id="{8F97C291-A777-6486-2A15-B7943583CA08}"/>
+              </a:ext>
+            </a:extLst>
+          </p:cNvPr>
+          <p:cNvSpPr>
+            <a:spLocks noGrp="1"/>
+          </p:cNvSpPr>
+          <p:nvPr>
+            <p:ph idx="1"/>
+          </p:nvPr>
+        </p:nvSpPr>
+        <p:spPr/>
+        <p:txBody>
+          <a:bodyPr>
+            <a:normAutofit/>
+          </a:bodyPr>
+          <a:lstStyle/>
+          <a:p>
+            <a:r>
+              <a:rPr lang="en-CH" dirty="0"/>
+              <a:t>Save figure by EITHER:</a:t>
+            </a:r>
+          </a:p>
+          <a:p>
+            <a:pPr marL="457200" indent="-457200">
+              <a:buFont typeface="Arial" panose="020B0604020202020204" pitchFamily="34" charset="0"/>
+              <a:buChar char="•"/>
+            </a:pPr>
+            <a:r>
+              <a:rPr lang="en-GB" dirty="0"/>
+              <a:t>R</a:t>
+            </a:r>
+            <a:r>
+              <a:rPr lang="en-CH" dirty="0"/>
+              <a:t>ight click on grouped items =&gt; save as pdf</a:t>
+            </a:r>
+          </a:p>
+          <a:p>
+            <a:pPr marL="457200" indent="-457200">
+              <a:buFont typeface="Arial" panose="020B0604020202020204" pitchFamily="34" charset="0"/>
+              <a:buChar char="•"/>
+            </a:pPr>
+            <a:endParaRPr lang="en-CH" dirty="0"/>
+          </a:p>
+          <a:p>
+            <a:r>
+              <a:rPr lang="en-CH" dirty="0"/>
+              <a:t>OR:</a:t>
+            </a:r>
+          </a:p>
+          <a:p>
+            <a:pPr marL="457200" indent="-457200">
+              <a:buFont typeface="Arial" panose="020B0604020202020204" pitchFamily="34" charset="0"/>
+              <a:buChar char="•"/>
+            </a:pPr>
+            <a:r>
+              <a:rPr lang="en-GB" dirty="0"/>
+              <a:t>export</a:t>
+            </a:r>
+            <a:r>
+              <a:rPr lang="en-CH" dirty="0"/>
+              <a:t> file as pdf</a:t>
+            </a:r>
+          </a:p>
+          <a:p>
+            <a:pPr marL="457200" indent="-457200">
+              <a:buFont typeface="Arial" panose="020B0604020202020204" pitchFamily="34" charset="0"/>
+              <a:buChar char="•"/>
+            </a:pPr>
+            <a:r>
+              <a:rPr lang="en-GB" dirty="0"/>
+              <a:t>delete </a:t>
+            </a:r>
+            <a:r>
+              <a:rPr lang="en-CH" dirty="0"/>
+              <a:t>all slides except 1</a:t>
+            </a:r>
+          </a:p>
+          <a:p>
+            <a:pPr marL="457200" indent="-457200">
+              <a:buFont typeface="Arial" panose="020B0604020202020204" pitchFamily="34" charset="0"/>
+              <a:buChar char="•"/>
+            </a:pPr>
+            <a:r>
+              <a:rPr lang="en-GB" dirty="0"/>
+              <a:t>c</a:t>
+            </a:r>
+            <a:r>
+              <a:rPr lang="en-CH" dirty="0"/>
+              <a:t>rop (Preview: rectangular selection tool, then crop)</a:t>
+            </a:r>
+          </a:p>
+        </p:txBody>
+      </p:sp>
+    </p:spTree>
+    <p:extLst>
+      <p:ext uri="{BB962C8B-B14F-4D97-AF65-F5344CB8AC3E}">
+        <p14:creationId xmlns:p14="http://schemas.microsoft.com/office/powerpoint/2010/main" val="1288767398"/>
       </p:ext>
     </p:extLst>
   </p:cSld>
@@ -5851,4 +10759,544 @@
     </a:ext>
   </a:extLst>
 </a:theme>
+</file>
+
+<file path=ppt/theme/theme2.xml><?xml version="1.0" encoding="utf-8"?>
+<a:theme xmlns:a="http://schemas.openxmlformats.org/drawingml/2006/main" name="2_Office Theme">
+  <a:themeElements>
+    <a:clrScheme name="Office">
+      <a:dk1>
+        <a:sysClr val="windowText" lastClr="000000"/>
+      </a:dk1>
+      <a:lt1>
+        <a:sysClr val="window" lastClr="FFFFFF"/>
+      </a:lt1>
+      <a:dk2>
+        <a:srgbClr val="1F497D"/>
+      </a:dk2>
+      <a:lt2>
+        <a:srgbClr val="EEECE1"/>
+      </a:lt2>
+      <a:accent1>
+        <a:srgbClr val="4F81BD"/>
+      </a:accent1>
+      <a:accent2>
+        <a:srgbClr val="C0504D"/>
+      </a:accent2>
+      <a:accent3>
+        <a:srgbClr val="9BBB59"/>
+      </a:accent3>
+      <a:accent4>
+        <a:srgbClr val="8064A2"/>
+      </a:accent4>
+      <a:accent5>
+        <a:srgbClr val="4BACC6"/>
+      </a:accent5>
+      <a:accent6>
+        <a:srgbClr val="F79646"/>
+      </a:accent6>
+      <a:hlink>
+        <a:srgbClr val="0000FF"/>
+      </a:hlink>
+      <a:folHlink>
+        <a:srgbClr val="800080"/>
+      </a:folHlink>
+    </a:clrScheme>
+    <a:fontScheme name="Office">
+      <a:majorFont>
+        <a:latin typeface="Arial"/>
+        <a:ea typeface="DejaVu Sans"/>
+        <a:cs typeface="DejaVu Sans"/>
+      </a:majorFont>
+      <a:minorFont>
+        <a:latin typeface="Arial"/>
+        <a:ea typeface="DejaVu Sans"/>
+        <a:cs typeface="DejaVu Sans"/>
+      </a:minorFont>
+    </a:fontScheme>
+    <a:fmtScheme name="Office">
+      <a:fillStyleLst>
+        <a:solidFill>
+          <a:schemeClr val="phClr"/>
+        </a:solidFill>
+        <a:gradFill rotWithShape="1">
+          <a:gsLst>
+            <a:gs pos="0">
+              <a:schemeClr val="phClr">
+                <a:tint val="50000"/>
+                <a:satMod val="300000"/>
+              </a:schemeClr>
+            </a:gs>
+            <a:gs pos="35000">
+              <a:schemeClr val="phClr">
+                <a:tint val="37000"/>
+                <a:satMod val="300000"/>
+              </a:schemeClr>
+            </a:gs>
+            <a:gs pos="100000">
+              <a:schemeClr val="phClr">
+                <a:tint val="15000"/>
+                <a:satMod val="350000"/>
+              </a:schemeClr>
+            </a:gs>
+          </a:gsLst>
+          <a:lin ang="16200000" scaled="1"/>
+        </a:gradFill>
+        <a:gradFill rotWithShape="1">
+          <a:gsLst>
+            <a:gs pos="0">
+              <a:schemeClr val="phClr">
+                <a:shade val="51000"/>
+                <a:satMod val="130000"/>
+              </a:schemeClr>
+            </a:gs>
+            <a:gs pos="80000">
+              <a:schemeClr val="phClr">
+                <a:shade val="93000"/>
+                <a:satMod val="130000"/>
+              </a:schemeClr>
+            </a:gs>
+            <a:gs pos="100000">
+              <a:schemeClr val="phClr">
+                <a:shade val="94000"/>
+                <a:satMod val="135000"/>
+              </a:schemeClr>
+            </a:gs>
+          </a:gsLst>
+          <a:lin ang="16200000" scaled="0"/>
+        </a:gradFill>
+      </a:fillStyleLst>
+      <a:lnStyleLst>
+        <a:ln w="9525" cap="flat" cmpd="sng" algn="ctr">
+          <a:solidFill>
+            <a:schemeClr val="phClr">
+              <a:shade val="95000"/>
+              <a:satMod val="105000"/>
+            </a:schemeClr>
+          </a:solidFill>
+          <a:prstDash val="solid"/>
+        </a:ln>
+        <a:ln w="25400" cap="flat" cmpd="sng" algn="ctr">
+          <a:solidFill>
+            <a:schemeClr val="phClr"/>
+          </a:solidFill>
+          <a:prstDash val="solid"/>
+        </a:ln>
+        <a:ln w="38100" cap="flat" cmpd="sng" algn="ctr">
+          <a:solidFill>
+            <a:schemeClr val="phClr"/>
+          </a:solidFill>
+          <a:prstDash val="solid"/>
+        </a:ln>
+      </a:lnStyleLst>
+      <a:effectStyleLst>
+        <a:effectStyle>
+          <a:effectLst>
+            <a:outerShdw blurRad="40000" dist="20000" dir="5400000" rotWithShape="0">
+              <a:srgbClr val="000000">
+                <a:alpha val="38000"/>
+              </a:srgbClr>
+            </a:outerShdw>
+          </a:effectLst>
+        </a:effectStyle>
+        <a:effectStyle>
+          <a:effectLst>
+            <a:outerShdw blurRad="40000" dist="23000" dir="5400000" rotWithShape="0">
+              <a:srgbClr val="000000">
+                <a:alpha val="35000"/>
+              </a:srgbClr>
+            </a:outerShdw>
+          </a:effectLst>
+        </a:effectStyle>
+        <a:effectStyle>
+          <a:effectLst>
+            <a:outerShdw blurRad="40000" dist="23000" dir="5400000" rotWithShape="0">
+              <a:srgbClr val="000000">
+                <a:alpha val="35000"/>
+              </a:srgbClr>
+            </a:outerShdw>
+          </a:effectLst>
+          <a:scene3d>
+            <a:camera prst="orthographicFront">
+              <a:rot lat="0" lon="0" rev="0"/>
+            </a:camera>
+            <a:lightRig rig="threePt" dir="t">
+              <a:rot lat="0" lon="0" rev="1200000"/>
+            </a:lightRig>
+          </a:scene3d>
+          <a:sp3d>
+            <a:bevelT w="63500" h="25400"/>
+          </a:sp3d>
+        </a:effectStyle>
+      </a:effectStyleLst>
+      <a:bgFillStyleLst>
+        <a:solidFill>
+          <a:schemeClr val="phClr"/>
+        </a:solidFill>
+        <a:gradFill rotWithShape="1">
+          <a:gsLst>
+            <a:gs pos="0">
+              <a:schemeClr val="phClr">
+                <a:tint val="40000"/>
+                <a:satMod val="350000"/>
+              </a:schemeClr>
+            </a:gs>
+            <a:gs pos="40000">
+              <a:schemeClr val="phClr">
+                <a:tint val="45000"/>
+                <a:shade val="99000"/>
+                <a:satMod val="350000"/>
+              </a:schemeClr>
+            </a:gs>
+            <a:gs pos="100000">
+              <a:schemeClr val="phClr">
+                <a:shade val="20000"/>
+                <a:satMod val="255000"/>
+              </a:schemeClr>
+            </a:gs>
+          </a:gsLst>
+          <a:path path="circle">
+            <a:fillToRect l="50000" t="-80000" r="50000" b="180000"/>
+          </a:path>
+        </a:gradFill>
+        <a:gradFill rotWithShape="1">
+          <a:gsLst>
+            <a:gs pos="0">
+              <a:schemeClr val="phClr">
+                <a:tint val="80000"/>
+                <a:satMod val="300000"/>
+              </a:schemeClr>
+            </a:gs>
+            <a:gs pos="100000">
+              <a:schemeClr val="phClr">
+                <a:shade val="30000"/>
+                <a:satMod val="200000"/>
+              </a:schemeClr>
+            </a:gs>
+          </a:gsLst>
+          <a:path path="circle">
+            <a:fillToRect l="50000" t="50000" r="50000" b="50000"/>
+          </a:path>
+        </a:gradFill>
+      </a:bgFillStyleLst>
+    </a:fmtScheme>
+  </a:themeElements>
+  <a:objectDefaults/>
+  <a:extraClrSchemeLst/>
+</a:theme>
+</file>
+
+<file path=ppt/theme/theme3.xml><?xml version="1.0" encoding="utf-8"?>
+<a:theme xmlns:a="http://schemas.openxmlformats.org/drawingml/2006/main" name="Office Theme">
+  <a:themeElements>
+    <a:clrScheme name="Office">
+      <a:dk1>
+        <a:sysClr val="windowText" lastClr="000000"/>
+      </a:dk1>
+      <a:lt1>
+        <a:sysClr val="window" lastClr="FFFFFF"/>
+      </a:lt1>
+      <a:dk2>
+        <a:srgbClr val="0E2841"/>
+      </a:dk2>
+      <a:lt2>
+        <a:srgbClr val="E8E8E8"/>
+      </a:lt2>
+      <a:accent1>
+        <a:srgbClr val="156082"/>
+      </a:accent1>
+      <a:accent2>
+        <a:srgbClr val="E97132"/>
+      </a:accent2>
+      <a:accent3>
+        <a:srgbClr val="196B24"/>
+      </a:accent3>
+      <a:accent4>
+        <a:srgbClr val="0F9ED5"/>
+      </a:accent4>
+      <a:accent5>
+        <a:srgbClr val="A02B93"/>
+      </a:accent5>
+      <a:accent6>
+        <a:srgbClr val="4EA72E"/>
+      </a:accent6>
+      <a:hlink>
+        <a:srgbClr val="467886"/>
+      </a:hlink>
+      <a:folHlink>
+        <a:srgbClr val="96607D"/>
+      </a:folHlink>
+    </a:clrScheme>
+    <a:fontScheme name="Office">
+      <a:majorFont>
+        <a:latin typeface="Aptos Display" panose="02110004020202020204"/>
+        <a:ea typeface=""/>
+        <a:cs typeface=""/>
+        <a:font script="Jpan" typeface="游ゴシック Light"/>
+        <a:font script="Hang" typeface="맑은 고딕"/>
+        <a:font script="Hans" typeface="等线 Light"/>
+        <a:font script="Hant" typeface="新細明體"/>
+        <a:font script="Arab" typeface="Times New Roman"/>
+        <a:font script="Hebr" typeface="Times New Roman"/>
+        <a:font script="Thai" typeface="Angsana New"/>
+        <a:font script="Ethi" typeface="Nyala"/>
+        <a:font script="Beng" typeface="Vrinda"/>
+        <a:font script="Gujr" typeface="Shruti"/>
+        <a:font script="Khmr" typeface="MoolBoran"/>
+        <a:font script="Knda" typeface="Tunga"/>
+        <a:font script="Guru" typeface="Raavi"/>
+        <a:font script="Cans" typeface="Euphemia"/>
+        <a:font script="Cher" typeface="Plantagenet Cherokee"/>
+        <a:font script="Yiii" typeface="Microsoft Yi Baiti"/>
+        <a:font script="Tibt" typeface="Microsoft Himalaya"/>
+        <a:font script="Thaa" typeface="MV Boli"/>
+        <a:font script="Deva" typeface="Mangal"/>
+        <a:font script="Telu" typeface="Gautami"/>
+        <a:font script="Taml" typeface="Latha"/>
+        <a:font script="Syrc" typeface="Estrangelo Edessa"/>
+        <a:font script="Orya" typeface="Kalinga"/>
+        <a:font script="Mlym" typeface="Kartika"/>
+        <a:font script="Laoo" typeface="DokChampa"/>
+        <a:font script="Sinh" typeface="Iskoola Pota"/>
+        <a:font script="Mong" typeface="Mongolian Baiti"/>
+        <a:font script="Viet" typeface="Times New Roman"/>
+        <a:font script="Uigh" typeface="Microsoft Uighur"/>
+        <a:font script="Geor" typeface="Sylfaen"/>
+        <a:font script="Armn" typeface="Arial"/>
+        <a:font script="Bugi" typeface="Leelawadee UI"/>
+        <a:font script="Bopo" typeface="Microsoft JhengHei"/>
+        <a:font script="Java" typeface="Javanese Text"/>
+        <a:font script="Lisu" typeface="Segoe UI"/>
+        <a:font script="Mymr" typeface="Myanmar Text"/>
+        <a:font script="Nkoo" typeface="Ebrima"/>
+        <a:font script="Olck" typeface="Nirmala UI"/>
+        <a:font script="Osma" typeface="Ebrima"/>
+        <a:font script="Phag" typeface="Phagspa"/>
+        <a:font script="Syrn" typeface="Estrangelo Edessa"/>
+        <a:font script="Syrj" typeface="Estrangelo Edessa"/>
+        <a:font script="Syre" typeface="Estrangelo Edessa"/>
+        <a:font script="Sora" typeface="Nirmala UI"/>
+        <a:font script="Tale" typeface="Microsoft Tai Le"/>
+        <a:font script="Talu" typeface="Microsoft New Tai Lue"/>
+        <a:font script="Tfng" typeface="Ebrima"/>
+      </a:majorFont>
+      <a:minorFont>
+        <a:latin typeface="Aptos" panose="02110004020202020204"/>
+        <a:ea typeface=""/>
+        <a:cs typeface=""/>
+        <a:font script="Jpan" typeface="游ゴシック"/>
+        <a:font script="Hang" typeface="맑은 고딕"/>
+        <a:font script="Hans" typeface="等线"/>
+        <a:font script="Hant" typeface="新細明體"/>
+        <a:font script="Arab" typeface="Arial"/>
+        <a:font script="Hebr" typeface="Arial"/>
+        <a:font script="Thai" typeface="Cordia New"/>
+        <a:font script="Ethi" typeface="Nyala"/>
+        <a:font script="Beng" typeface="Vrinda"/>
+        <a:font script="Gujr" typeface="Shruti"/>
+        <a:font script="Khmr" typeface="DaunPenh"/>
+        <a:font script="Knda" typeface="Tunga"/>
+        <a:font script="Guru" typeface="Raavi"/>
+        <a:font script="Cans" typeface="Euphemia"/>
+        <a:font script="Cher" typeface="Plantagenet Cherokee"/>
+        <a:font script="Yiii" typeface="Microsoft Yi Baiti"/>
+        <a:font script="Tibt" typeface="Microsoft Himalaya"/>
+        <a:font script="Thaa" typeface="MV Boli"/>
+        <a:font script="Deva" typeface="Mangal"/>
+        <a:font script="Telu" typeface="Gautami"/>
+        <a:font script="Taml" typeface="Latha"/>
+        <a:font script="Syrc" typeface="Estrangelo Edessa"/>
+        <a:font script="Orya" typeface="Kalinga"/>
+        <a:font script="Mlym" typeface="Kartika"/>
+        <a:font script="Laoo" typeface="DokChampa"/>
+        <a:font script="Sinh" typeface="Iskoola Pota"/>
+        <a:font script="Mong" typeface="Mongolian Baiti"/>
+        <a:font script="Viet" typeface="Arial"/>
+        <a:font script="Uigh" typeface="Microsoft Uighur"/>
+        <a:font script="Geor" typeface="Sylfaen"/>
+        <a:font script="Armn" typeface="Arial"/>
+        <a:font script="Bugi" typeface="Leelawadee UI"/>
+        <a:font script="Bopo" typeface="Microsoft JhengHei"/>
+        <a:font script="Java" typeface="Javanese Text"/>
+        <a:font script="Lisu" typeface="Segoe UI"/>
+        <a:font script="Mymr" typeface="Myanmar Text"/>
+        <a:font script="Nkoo" typeface="Ebrima"/>
+        <a:font script="Olck" typeface="Nirmala UI"/>
+        <a:font script="Osma" typeface="Ebrima"/>
+        <a:font script="Phag" typeface="Phagspa"/>
+        <a:font script="Syrn" typeface="Estrangelo Edessa"/>
+        <a:font script="Syrj" typeface="Estrangelo Edessa"/>
+        <a:font script="Syre" typeface="Estrangelo Edessa"/>
+        <a:font script="Sora" typeface="Nirmala UI"/>
+        <a:font script="Tale" typeface="Microsoft Tai Le"/>
+        <a:font script="Talu" typeface="Microsoft New Tai Lue"/>
+        <a:font script="Tfng" typeface="Ebrima"/>
+      </a:minorFont>
+    </a:fontScheme>
+    <a:fmtScheme name="Office">
+      <a:fillStyleLst>
+        <a:solidFill>
+          <a:schemeClr val="phClr"/>
+        </a:solidFill>
+        <a:gradFill rotWithShape="1">
+          <a:gsLst>
+            <a:gs pos="0">
+              <a:schemeClr val="phClr">
+                <a:lumMod val="110000"/>
+                <a:satMod val="105000"/>
+                <a:tint val="67000"/>
+              </a:schemeClr>
+            </a:gs>
+            <a:gs pos="50000">
+              <a:schemeClr val="phClr">
+                <a:lumMod val="105000"/>
+                <a:satMod val="103000"/>
+                <a:tint val="73000"/>
+              </a:schemeClr>
+            </a:gs>
+            <a:gs pos="100000">
+              <a:schemeClr val="phClr">
+                <a:lumMod val="105000"/>
+                <a:satMod val="109000"/>
+                <a:tint val="81000"/>
+              </a:schemeClr>
+            </a:gs>
+          </a:gsLst>
+          <a:lin ang="5400000" scaled="0"/>
+        </a:gradFill>
+        <a:gradFill rotWithShape="1">
+          <a:gsLst>
+            <a:gs pos="0">
+              <a:schemeClr val="phClr">
+                <a:satMod val="103000"/>
+                <a:lumMod val="102000"/>
+                <a:tint val="94000"/>
+              </a:schemeClr>
+            </a:gs>
+            <a:gs pos="50000">
+              <a:schemeClr val="phClr">
+                <a:satMod val="110000"/>
+                <a:lumMod val="100000"/>
+                <a:shade val="100000"/>
+              </a:schemeClr>
+            </a:gs>
+            <a:gs pos="100000">
+              <a:schemeClr val="phClr">
+                <a:lumMod val="99000"/>
+                <a:satMod val="120000"/>
+                <a:shade val="78000"/>
+              </a:schemeClr>
+            </a:gs>
+          </a:gsLst>
+          <a:lin ang="5400000" scaled="0"/>
+        </a:gradFill>
+      </a:fillStyleLst>
+      <a:lnStyleLst>
+        <a:ln w="12700" cap="flat" cmpd="sng" algn="ctr">
+          <a:solidFill>
+            <a:schemeClr val="phClr"/>
+          </a:solidFill>
+          <a:prstDash val="solid"/>
+          <a:miter lim="800000"/>
+        </a:ln>
+        <a:ln w="19050" cap="flat" cmpd="sng" algn="ctr">
+          <a:solidFill>
+            <a:schemeClr val="phClr"/>
+          </a:solidFill>
+          <a:prstDash val="solid"/>
+          <a:miter lim="800000"/>
+        </a:ln>
+        <a:ln w="25400" cap="flat" cmpd="sng" algn="ctr">
+          <a:solidFill>
+            <a:schemeClr val="phClr"/>
+          </a:solidFill>
+          <a:prstDash val="solid"/>
+          <a:miter lim="800000"/>
+        </a:ln>
+      </a:lnStyleLst>
+      <a:effectStyleLst>
+        <a:effectStyle>
+          <a:effectLst/>
+        </a:effectStyle>
+        <a:effectStyle>
+          <a:effectLst/>
+        </a:effectStyle>
+        <a:effectStyle>
+          <a:effectLst>
+            <a:outerShdw blurRad="57150" dist="19050" dir="5400000" algn="ctr" rotWithShape="0">
+              <a:srgbClr val="000000">
+                <a:alpha val="63000"/>
+              </a:srgbClr>
+            </a:outerShdw>
+          </a:effectLst>
+        </a:effectStyle>
+      </a:effectStyleLst>
+      <a:bgFillStyleLst>
+        <a:solidFill>
+          <a:schemeClr val="phClr"/>
+        </a:solidFill>
+        <a:solidFill>
+          <a:schemeClr val="phClr">
+            <a:tint val="95000"/>
+            <a:satMod val="170000"/>
+          </a:schemeClr>
+        </a:solidFill>
+        <a:gradFill rotWithShape="1">
+          <a:gsLst>
+            <a:gs pos="0">
+              <a:schemeClr val="phClr">
+                <a:tint val="93000"/>
+                <a:satMod val="150000"/>
+                <a:shade val="98000"/>
+                <a:lumMod val="102000"/>
+              </a:schemeClr>
+            </a:gs>
+            <a:gs pos="50000">
+              <a:schemeClr val="phClr">
+                <a:tint val="98000"/>
+                <a:satMod val="130000"/>
+                <a:shade val="90000"/>
+                <a:lumMod val="103000"/>
+              </a:schemeClr>
+            </a:gs>
+            <a:gs pos="100000">
+              <a:schemeClr val="phClr">
+                <a:shade val="63000"/>
+                <a:satMod val="120000"/>
+              </a:schemeClr>
+            </a:gs>
+          </a:gsLst>
+          <a:lin ang="5400000" scaled="0"/>
+        </a:gradFill>
+      </a:bgFillStyleLst>
+    </a:fmtScheme>
+  </a:themeElements>
+  <a:objectDefaults>
+    <a:lnDef>
+      <a:spPr/>
+      <a:bodyPr/>
+      <a:lstStyle/>
+      <a:style>
+        <a:lnRef idx="2">
+          <a:schemeClr val="accent1"/>
+        </a:lnRef>
+        <a:fillRef idx="0">
+          <a:schemeClr val="accent1"/>
+        </a:fillRef>
+        <a:effectRef idx="1">
+          <a:schemeClr val="accent1"/>
+        </a:effectRef>
+        <a:fontRef idx="minor">
+          <a:schemeClr val="tx1"/>
+        </a:fontRef>
+      </a:style>
+    </a:lnDef>
+  </a:objectDefaults>
+  <a:extraClrSchemeLst/>
+  <a:extLst>
+    <a:ext uri="{05A4C25C-085E-4340-85A3-A5531E510DB2}">
+      <thm15:themeFamily xmlns:thm15="http://schemas.microsoft.com/office/thememl/2012/main" name="Office Theme" id="{2E142A2C-CD16-42D6-873A-C26D2A0506FA}" vid="{1BDDFF52-6CD6-40A5-AB3C-68EB2F1E4D0A}"/>
+    </a:ext>
+  </a:extLst>
+</a:theme>
 </file>